--- a/Gamepad Driver.pptx
+++ b/Gamepad Driver.pptx
@@ -1,19 +1,44 @@
 
 <file path=ppt/presentation.xml><?xml version="1.0" encoding="utf-8"?>
-<p:presentation xmlns:a="http://schemas.openxmlformats.org/drawingml/2006/main" xmlns:r="http://schemas.openxmlformats.org/officeDocument/2006/relationships" xmlns:p="http://schemas.openxmlformats.org/presentationml/2006/main" saveSubsetFonts="1">
+<p:presentation xmlns:a="http://schemas.openxmlformats.org/drawingml/2006/main" xmlns:r="http://schemas.openxmlformats.org/officeDocument/2006/relationships" xmlns:p="http://schemas.openxmlformats.org/presentationml/2006/main" embedTrueTypeFonts="1" autoCompressPictures="0">
   <p:sldMasterIdLst>
-    <p:sldMasterId id="2147483648" r:id="rId1"/>
+    <p:sldMasterId id="2147483680" r:id="rId1"/>
+    <p:sldMasterId id="2147483683" r:id="rId2"/>
   </p:sldMasterIdLst>
   <p:sldIdLst>
-    <p:sldId id="256" r:id="rId2"/>
+    <p:sldId id="256" r:id="rId3"/>
+    <p:sldId id="263" r:id="rId4"/>
+    <p:sldId id="264" r:id="rId5"/>
+    <p:sldId id="259" r:id="rId6"/>
+    <p:sldId id="260" r:id="rId7"/>
+    <p:sldId id="262" r:id="rId8"/>
   </p:sldIdLst>
-  <p:sldSz cx="12192000" cy="6858000"/>
+  <p:sldSz cx="9144000" cy="6858000" type="screen4x3"/>
   <p:notesSz cx="6858000" cy="9144000"/>
+  <p:embeddedFontLst>
+    <p:embeddedFont>
+      <p:font typeface="Roboto" panose="02000000000000000000" pitchFamily="2" charset="0"/>
+      <p:regular r:id="rId9"/>
+      <p:bold r:id="rId10"/>
+      <p:italic r:id="rId11"/>
+      <p:boldItalic r:id="rId12"/>
+    </p:embeddedFont>
+    <p:embeddedFont>
+      <p:font typeface="Roboto Condensed Light" panose="02000000000000000000" pitchFamily="2" charset="0"/>
+      <p:regular r:id="rId13"/>
+      <p:italic r:id="rId14"/>
+    </p:embeddedFont>
+    <p:embeddedFont>
+      <p:font typeface="Roboto Slab" panose="020B0604020202020204" charset="0"/>
+      <p:regular r:id="rId15"/>
+      <p:bold r:id="rId16"/>
+    </p:embeddedFont>
+  </p:embeddedFontLst>
   <p:defaultTextStyle>
     <a:defPPr>
       <a:defRPr lang="en-US"/>
     </a:defPPr>
-    <a:lvl1pPr marL="0" algn="l" defTabSz="914400" rtl="0" eaLnBrk="1" latinLnBrk="0" hangingPunct="1">
+    <a:lvl1pPr marL="0" algn="l" defTabSz="457200" rtl="0" eaLnBrk="1" latinLnBrk="0" hangingPunct="1">
       <a:defRPr sz="1800" kern="1200">
         <a:solidFill>
           <a:schemeClr val="tx1"/>
@@ -23,7 +48,7 @@
         <a:cs typeface="+mn-cs"/>
       </a:defRPr>
     </a:lvl1pPr>
-    <a:lvl2pPr marL="457200" algn="l" defTabSz="914400" rtl="0" eaLnBrk="1" latinLnBrk="0" hangingPunct="1">
+    <a:lvl2pPr marL="457200" algn="l" defTabSz="457200" rtl="0" eaLnBrk="1" latinLnBrk="0" hangingPunct="1">
       <a:defRPr sz="1800" kern="1200">
         <a:solidFill>
           <a:schemeClr val="tx1"/>
@@ -33,7 +58,7 @@
         <a:cs typeface="+mn-cs"/>
       </a:defRPr>
     </a:lvl2pPr>
-    <a:lvl3pPr marL="914400" algn="l" defTabSz="914400" rtl="0" eaLnBrk="1" latinLnBrk="0" hangingPunct="1">
+    <a:lvl3pPr marL="914400" algn="l" defTabSz="457200" rtl="0" eaLnBrk="1" latinLnBrk="0" hangingPunct="1">
       <a:defRPr sz="1800" kern="1200">
         <a:solidFill>
           <a:schemeClr val="tx1"/>
@@ -43,7 +68,7 @@
         <a:cs typeface="+mn-cs"/>
       </a:defRPr>
     </a:lvl3pPr>
-    <a:lvl4pPr marL="1371600" algn="l" defTabSz="914400" rtl="0" eaLnBrk="1" latinLnBrk="0" hangingPunct="1">
+    <a:lvl4pPr marL="1371600" algn="l" defTabSz="457200" rtl="0" eaLnBrk="1" latinLnBrk="0" hangingPunct="1">
       <a:defRPr sz="1800" kern="1200">
         <a:solidFill>
           <a:schemeClr val="tx1"/>
@@ -53,7 +78,7 @@
         <a:cs typeface="+mn-cs"/>
       </a:defRPr>
     </a:lvl4pPr>
-    <a:lvl5pPr marL="1828800" algn="l" defTabSz="914400" rtl="0" eaLnBrk="1" latinLnBrk="0" hangingPunct="1">
+    <a:lvl5pPr marL="1828800" algn="l" defTabSz="457200" rtl="0" eaLnBrk="1" latinLnBrk="0" hangingPunct="1">
       <a:defRPr sz="1800" kern="1200">
         <a:solidFill>
           <a:schemeClr val="tx1"/>
@@ -63,7 +88,7 @@
         <a:cs typeface="+mn-cs"/>
       </a:defRPr>
     </a:lvl5pPr>
-    <a:lvl6pPr marL="2286000" algn="l" defTabSz="914400" rtl="0" eaLnBrk="1" latinLnBrk="0" hangingPunct="1">
+    <a:lvl6pPr marL="2286000" algn="l" defTabSz="457200" rtl="0" eaLnBrk="1" latinLnBrk="0" hangingPunct="1">
       <a:defRPr sz="1800" kern="1200">
         <a:solidFill>
           <a:schemeClr val="tx1"/>
@@ -73,7 +98,7 @@
         <a:cs typeface="+mn-cs"/>
       </a:defRPr>
     </a:lvl6pPr>
-    <a:lvl7pPr marL="2743200" algn="l" defTabSz="914400" rtl="0" eaLnBrk="1" latinLnBrk="0" hangingPunct="1">
+    <a:lvl7pPr marL="2743200" algn="l" defTabSz="457200" rtl="0" eaLnBrk="1" latinLnBrk="0" hangingPunct="1">
       <a:defRPr sz="1800" kern="1200">
         <a:solidFill>
           <a:schemeClr val="tx1"/>
@@ -83,7 +108,7 @@
         <a:cs typeface="+mn-cs"/>
       </a:defRPr>
     </a:lvl7pPr>
-    <a:lvl8pPr marL="3200400" algn="l" defTabSz="914400" rtl="0" eaLnBrk="1" latinLnBrk="0" hangingPunct="1">
+    <a:lvl8pPr marL="3200400" algn="l" defTabSz="457200" rtl="0" eaLnBrk="1" latinLnBrk="0" hangingPunct="1">
       <a:defRPr sz="1800" kern="1200">
         <a:solidFill>
           <a:schemeClr val="tx1"/>
@@ -93,7 +118,7 @@
         <a:cs typeface="+mn-cs"/>
       </a:defRPr>
     </a:lvl8pPr>
-    <a:lvl9pPr marL="3657600" algn="l" defTabSz="914400" rtl="0" eaLnBrk="1" latinLnBrk="0" hangingPunct="1">
+    <a:lvl9pPr marL="3657600" algn="l" defTabSz="457200" rtl="0" eaLnBrk="1" latinLnBrk="0" hangingPunct="1">
       <a:defRPr sz="1800" kern="1200">
         <a:solidFill>
           <a:schemeClr val="tx1"/>
@@ -104,11 +129,27 @@
       </a:defRPr>
     </a:lvl9pPr>
   </p:defaultTextStyle>
+  <p:extLst>
+    <p:ext uri="{EFAFB233-063F-42B5-8137-9DF3F51BA10A}">
+      <p15:sldGuideLst xmlns:p15="http://schemas.microsoft.com/office/powerpoint/2012/main">
+        <p15:guide id="1" orient="horz" pos="773" userDrawn="1">
+          <p15:clr>
+            <a:srgbClr val="A4A3A4"/>
+          </p15:clr>
+        </p15:guide>
+        <p15:guide id="2" pos="183" userDrawn="1">
+          <p15:clr>
+            <a:srgbClr val="A4A3A4"/>
+          </p15:clr>
+        </p15:guide>
+      </p15:sldGuideLst>
+    </p:ext>
+  </p:extLst>
 </p:presentation>
 </file>
 
 <file path=ppt/slideLayouts/slideLayout1.xml><?xml version="1.0" encoding="utf-8"?>
-<p:sldLayout xmlns:a="http://schemas.openxmlformats.org/drawingml/2006/main" xmlns:r="http://schemas.openxmlformats.org/officeDocument/2006/relationships" xmlns:p="http://schemas.openxmlformats.org/presentationml/2006/main" type="title" preserve="1">
+<p:sldLayout xmlns:a="http://schemas.openxmlformats.org/drawingml/2006/main" xmlns:r="http://schemas.openxmlformats.org/officeDocument/2006/relationships" xmlns:p="http://schemas.openxmlformats.org/presentationml/2006/main" preserve="1" userDrawn="1">
   <p:cSld name="Title Slide">
     <p:spTree>
       <p:nvGrpSpPr>
@@ -126,31 +167,174 @@
       </p:grpSpPr>
       <p:sp>
         <p:nvSpPr>
-          <p:cNvPr id="2" name="Title 1">
-            <a:extLst>
-              <a:ext uri="{FF2B5EF4-FFF2-40B4-BE49-F238E27FC236}">
-                <a16:creationId xmlns:a16="http://schemas.microsoft.com/office/drawing/2014/main" id="{9FCADEBB-6D25-4825-9B1F-783A1423BB28}"/>
-              </a:ext>
-            </a:extLst>
-          </p:cNvPr>
-          <p:cNvSpPr>
-            <a:spLocks noGrp="1"/>
-          </p:cNvSpPr>
-          <p:nvPr>
-            <p:ph type="ctrTitle"/>
+          <p:cNvPr id="3" name="Subtitle 2"/>
+          <p:cNvSpPr>
+            <a:spLocks noGrp="1"/>
+          </p:cNvSpPr>
+          <p:nvPr>
+            <p:ph type="subTitle" idx="1"/>
           </p:nvPr>
         </p:nvSpPr>
         <p:spPr>
           <a:xfrm>
-            <a:off x="1524000" y="1122363"/>
-            <a:ext cx="9144000" cy="2387600"/>
+            <a:off x="1857436" y="3793068"/>
+            <a:ext cx="5096935" cy="1684868"/>
           </a:xfrm>
+          <a:prstGeom prst="rect">
+            <a:avLst/>
+          </a:prstGeom>
         </p:spPr>
         <p:txBody>
-          <a:bodyPr anchor="b"/>
+          <a:bodyPr>
+            <a:noAutofit/>
+          </a:bodyPr>
           <a:lstStyle>
-            <a:lvl1pPr algn="ctr">
-              <a:defRPr sz="6000"/>
+            <a:lvl1pPr marL="0" indent="0" algn="l">
+              <a:lnSpc>
+                <a:spcPts val="3600"/>
+              </a:lnSpc>
+              <a:buNone/>
+              <a:defRPr sz="1800" b="0" i="0" cap="none" spc="0" baseline="0">
+                <a:solidFill>
+                  <a:srgbClr val="A7934B"/>
+                </a:solidFill>
+                <a:latin typeface="Roboto" panose="02000000000000000000" pitchFamily="2" charset="0"/>
+                <a:ea typeface="Roboto" panose="02000000000000000000" pitchFamily="2" charset="0"/>
+                <a:cs typeface="Roboto" panose="02000000000000000000" pitchFamily="2" charset="0"/>
+              </a:defRPr>
+            </a:lvl1pPr>
+            <a:lvl2pPr marL="342900" indent="0" algn="ctr">
+              <a:buNone/>
+              <a:defRPr>
+                <a:solidFill>
+                  <a:schemeClr val="tx1">
+                    <a:tint val="75000"/>
+                  </a:schemeClr>
+                </a:solidFill>
+              </a:defRPr>
+            </a:lvl2pPr>
+            <a:lvl3pPr marL="685800" indent="0" algn="ctr">
+              <a:buNone/>
+              <a:defRPr>
+                <a:solidFill>
+                  <a:schemeClr val="tx1">
+                    <a:tint val="75000"/>
+                  </a:schemeClr>
+                </a:solidFill>
+              </a:defRPr>
+            </a:lvl3pPr>
+            <a:lvl4pPr marL="1028700" indent="0" algn="ctr">
+              <a:buNone/>
+              <a:defRPr>
+                <a:solidFill>
+                  <a:schemeClr val="tx1">
+                    <a:tint val="75000"/>
+                  </a:schemeClr>
+                </a:solidFill>
+              </a:defRPr>
+            </a:lvl4pPr>
+            <a:lvl5pPr marL="1371600" indent="0" algn="ctr">
+              <a:buNone/>
+              <a:defRPr>
+                <a:solidFill>
+                  <a:schemeClr val="tx1">
+                    <a:tint val="75000"/>
+                  </a:schemeClr>
+                </a:solidFill>
+              </a:defRPr>
+            </a:lvl5pPr>
+            <a:lvl6pPr marL="1714500" indent="0" algn="ctr">
+              <a:buNone/>
+              <a:defRPr>
+                <a:solidFill>
+                  <a:schemeClr val="tx1">
+                    <a:tint val="75000"/>
+                  </a:schemeClr>
+                </a:solidFill>
+              </a:defRPr>
+            </a:lvl6pPr>
+            <a:lvl7pPr marL="2057400" indent="0" algn="ctr">
+              <a:buNone/>
+              <a:defRPr>
+                <a:solidFill>
+                  <a:schemeClr val="tx1">
+                    <a:tint val="75000"/>
+                  </a:schemeClr>
+                </a:solidFill>
+              </a:defRPr>
+            </a:lvl7pPr>
+            <a:lvl8pPr marL="2400300" indent="0" algn="ctr">
+              <a:buNone/>
+              <a:defRPr>
+                <a:solidFill>
+                  <a:schemeClr val="tx1">
+                    <a:tint val="75000"/>
+                  </a:schemeClr>
+                </a:solidFill>
+              </a:defRPr>
+            </a:lvl8pPr>
+            <a:lvl9pPr marL="2743200" indent="0" algn="ctr">
+              <a:buNone/>
+              <a:defRPr>
+                <a:solidFill>
+                  <a:schemeClr val="tx1">
+                    <a:tint val="75000"/>
+                  </a:schemeClr>
+                </a:solidFill>
+              </a:defRPr>
+            </a:lvl9pPr>
+          </a:lstStyle>
+          <a:p>
+            <a:r>
+              <a:rPr lang="en-US"/>
+              <a:t>Click to edit Master subtitle style</a:t>
+            </a:r>
+            <a:endParaRPr lang="en-US" dirty="0"/>
+          </a:p>
+        </p:txBody>
+      </p:sp>
+      <p:sp>
+        <p:nvSpPr>
+          <p:cNvPr id="4" name="Title 1">
+            <a:extLst>
+              <a:ext uri="{FF2B5EF4-FFF2-40B4-BE49-F238E27FC236}">
+                <a16:creationId xmlns:a16="http://schemas.microsoft.com/office/drawing/2014/main" id="{F17EE9D9-49A7-AE42-84D1-352EBEE407C2}"/>
+              </a:ext>
+            </a:extLst>
+          </p:cNvPr>
+          <p:cNvSpPr>
+            <a:spLocks noGrp="1"/>
+          </p:cNvSpPr>
+          <p:nvPr>
+            <p:ph type="ctrTitle"/>
+          </p:nvPr>
+        </p:nvSpPr>
+        <p:spPr>
+          <a:xfrm>
+            <a:off x="1857437" y="333632"/>
+            <a:ext cx="5096935" cy="3459435"/>
+          </a:xfrm>
+          <a:prstGeom prst="rect">
+            <a:avLst/>
+          </a:prstGeom>
+        </p:spPr>
+        <p:txBody>
+          <a:bodyPr anchor="b" anchorCtr="0">
+            <a:normAutofit/>
+          </a:bodyPr>
+          <a:lstStyle>
+            <a:lvl1pPr algn="l">
+              <a:lnSpc>
+                <a:spcPts val="4800"/>
+              </a:lnSpc>
+              <a:defRPr sz="4200" b="1" i="0" cap="none" spc="0" baseline="0">
+                <a:solidFill>
+                  <a:srgbClr val="003057"/>
+                </a:solidFill>
+                <a:latin typeface="Roboto" panose="02000000000000000000" pitchFamily="2" charset="0"/>
+                <a:ea typeface="Roboto" panose="02000000000000000000" pitchFamily="2" charset="0"/>
+                <a:cs typeface="Roboto" panose="02000000000000000000" pitchFamily="2" charset="0"/>
+              </a:defRPr>
             </a:lvl1pPr>
           </a:lstStyle>
           <a:p>
@@ -158,166 +342,14 @@
               <a:rPr lang="en-US"/>
               <a:t>Click to edit Master title style</a:t>
             </a:r>
-          </a:p>
-        </p:txBody>
-      </p:sp>
-      <p:sp>
-        <p:nvSpPr>
-          <p:cNvPr id="3" name="Subtitle 2">
-            <a:extLst>
-              <a:ext uri="{FF2B5EF4-FFF2-40B4-BE49-F238E27FC236}">
-                <a16:creationId xmlns:a16="http://schemas.microsoft.com/office/drawing/2014/main" id="{C9533BD9-5773-4A70-856B-1679699B2DF9}"/>
-              </a:ext>
-            </a:extLst>
-          </p:cNvPr>
-          <p:cNvSpPr>
-            <a:spLocks noGrp="1"/>
-          </p:cNvSpPr>
-          <p:nvPr>
-            <p:ph type="subTitle" idx="1"/>
-          </p:nvPr>
-        </p:nvSpPr>
-        <p:spPr>
-          <a:xfrm>
-            <a:off x="1524000" y="3602038"/>
-            <a:ext cx="9144000" cy="1655762"/>
-          </a:xfrm>
-        </p:spPr>
-        <p:txBody>
-          <a:bodyPr/>
-          <a:lstStyle>
-            <a:lvl1pPr marL="0" indent="0" algn="ctr">
-              <a:buNone/>
-              <a:defRPr sz="2400"/>
-            </a:lvl1pPr>
-            <a:lvl2pPr marL="457200" indent="0" algn="ctr">
-              <a:buNone/>
-              <a:defRPr sz="2000"/>
-            </a:lvl2pPr>
-            <a:lvl3pPr marL="914400" indent="0" algn="ctr">
-              <a:buNone/>
-              <a:defRPr sz="1800"/>
-            </a:lvl3pPr>
-            <a:lvl4pPr marL="1371600" indent="0" algn="ctr">
-              <a:buNone/>
-              <a:defRPr sz="1600"/>
-            </a:lvl4pPr>
-            <a:lvl5pPr marL="1828800" indent="0" algn="ctr">
-              <a:buNone/>
-              <a:defRPr sz="1600"/>
-            </a:lvl5pPr>
-            <a:lvl6pPr marL="2286000" indent="0" algn="ctr">
-              <a:buNone/>
-              <a:defRPr sz="1600"/>
-            </a:lvl6pPr>
-            <a:lvl7pPr marL="2743200" indent="0" algn="ctr">
-              <a:buNone/>
-              <a:defRPr sz="1600"/>
-            </a:lvl7pPr>
-            <a:lvl8pPr marL="3200400" indent="0" algn="ctr">
-              <a:buNone/>
-              <a:defRPr sz="1600"/>
-            </a:lvl8pPr>
-            <a:lvl9pPr marL="3657600" indent="0" algn="ctr">
-              <a:buNone/>
-              <a:defRPr sz="1600"/>
-            </a:lvl9pPr>
-          </a:lstStyle>
-          <a:p>
-            <a:r>
-              <a:rPr lang="en-US"/>
-              <a:t>Click to edit Master subtitle style</a:t>
-            </a:r>
-          </a:p>
-        </p:txBody>
-      </p:sp>
-      <p:sp>
-        <p:nvSpPr>
-          <p:cNvPr id="4" name="Date Placeholder 3">
-            <a:extLst>
-              <a:ext uri="{FF2B5EF4-FFF2-40B4-BE49-F238E27FC236}">
-                <a16:creationId xmlns:a16="http://schemas.microsoft.com/office/drawing/2014/main" id="{D727F886-C787-40E5-82B1-42A7F21A0BFE}"/>
-              </a:ext>
-            </a:extLst>
-          </p:cNvPr>
-          <p:cNvSpPr>
-            <a:spLocks noGrp="1"/>
-          </p:cNvSpPr>
-          <p:nvPr>
-            <p:ph type="dt" sz="half" idx="10"/>
-          </p:nvPr>
-        </p:nvSpPr>
-        <p:spPr/>
-        <p:txBody>
-          <a:bodyPr/>
-          <a:lstStyle/>
-          <a:p>
-            <a:fld id="{1DE5D646-48D6-4DB4-B0BE-979ADC0B5F5F}" type="datetimeFigureOut">
-              <a:rPr lang="en-US" smtClean="0"/>
-              <a:t>4/21/2022</a:t>
-            </a:fld>
-            <a:endParaRPr lang="en-US"/>
-          </a:p>
-        </p:txBody>
-      </p:sp>
-      <p:sp>
-        <p:nvSpPr>
-          <p:cNvPr id="5" name="Footer Placeholder 4">
-            <a:extLst>
-              <a:ext uri="{FF2B5EF4-FFF2-40B4-BE49-F238E27FC236}">
-                <a16:creationId xmlns:a16="http://schemas.microsoft.com/office/drawing/2014/main" id="{3B953D2A-C1DA-41AB-98BE-5DCB44C0072D}"/>
-              </a:ext>
-            </a:extLst>
-          </p:cNvPr>
-          <p:cNvSpPr>
-            <a:spLocks noGrp="1"/>
-          </p:cNvSpPr>
-          <p:nvPr>
-            <p:ph type="ftr" sz="quarter" idx="11"/>
-          </p:nvPr>
-        </p:nvSpPr>
-        <p:spPr/>
-        <p:txBody>
-          <a:bodyPr/>
-          <a:lstStyle/>
-          <a:p>
-            <a:endParaRPr lang="en-US"/>
-          </a:p>
-        </p:txBody>
-      </p:sp>
-      <p:sp>
-        <p:nvSpPr>
-          <p:cNvPr id="6" name="Slide Number Placeholder 5">
-            <a:extLst>
-              <a:ext uri="{FF2B5EF4-FFF2-40B4-BE49-F238E27FC236}">
-                <a16:creationId xmlns:a16="http://schemas.microsoft.com/office/drawing/2014/main" id="{09AD9C42-6ABB-4553-8AED-4A1DF8DC2A33}"/>
-              </a:ext>
-            </a:extLst>
-          </p:cNvPr>
-          <p:cNvSpPr>
-            <a:spLocks noGrp="1"/>
-          </p:cNvSpPr>
-          <p:nvPr>
-            <p:ph type="sldNum" sz="quarter" idx="12"/>
-          </p:nvPr>
-        </p:nvSpPr>
-        <p:spPr/>
-        <p:txBody>
-          <a:bodyPr/>
-          <a:lstStyle/>
-          <a:p>
-            <a:fld id="{446577E4-7B3A-4605-A32C-EB1F26760171}" type="slidenum">
-              <a:rPr lang="en-US" smtClean="0"/>
-              <a:t>‹#›</a:t>
-            </a:fld>
-            <a:endParaRPr lang="en-US"/>
+            <a:endParaRPr lang="en-US" dirty="0"/>
           </a:p>
         </p:txBody>
       </p:sp>
     </p:spTree>
     <p:extLst>
       <p:ext uri="{BB962C8B-B14F-4D97-AF65-F5344CB8AC3E}">
-        <p14:creationId xmlns:p14="http://schemas.microsoft.com/office/powerpoint/2010/main" val="3147888149"/>
+        <p14:creationId xmlns:p14="http://schemas.microsoft.com/office/powerpoint/2010/main" val="1027251340"/>
       </p:ext>
     </p:extLst>
   </p:cSld>
@@ -349,7 +381,7 @@
           <p:cNvPr id="2" name="Title 1">
             <a:extLst>
               <a:ext uri="{FF2B5EF4-FFF2-40B4-BE49-F238E27FC236}">
-                <a16:creationId xmlns:a16="http://schemas.microsoft.com/office/drawing/2014/main" id="{720C6D0F-BCDC-41D4-8FC6-88BF617B6DFC}"/>
+                <a16:creationId xmlns:a16="http://schemas.microsoft.com/office/drawing/2014/main" id="{0CE886C1-1209-CD40-86E4-C72B7974BEBC}"/>
               </a:ext>
             </a:extLst>
           </p:cNvPr>
@@ -377,7 +409,7 @@
           <p:cNvPr id="3" name="Vertical Text Placeholder 2">
             <a:extLst>
               <a:ext uri="{FF2B5EF4-FFF2-40B4-BE49-F238E27FC236}">
-                <a16:creationId xmlns:a16="http://schemas.microsoft.com/office/drawing/2014/main" id="{39227BCE-C3CA-4D83-BCEF-41F461E60A1F}"/>
+                <a16:creationId xmlns:a16="http://schemas.microsoft.com/office/drawing/2014/main" id="{9A157BF9-8D1A-FD41-A037-BF729754D189}"/>
               </a:ext>
             </a:extLst>
           </p:cNvPr>
@@ -396,7 +428,7 @@
             <a:pPr lvl="0"/>
             <a:r>
               <a:rPr lang="en-US"/>
-              <a:t>Click to edit Master text styles</a:t>
+              <a:t>Edit Master text styles</a:t>
             </a:r>
           </a:p>
           <a:p>
@@ -434,7 +466,7 @@
           <p:cNvPr id="4" name="Date Placeholder 3">
             <a:extLst>
               <a:ext uri="{FF2B5EF4-FFF2-40B4-BE49-F238E27FC236}">
-                <a16:creationId xmlns:a16="http://schemas.microsoft.com/office/drawing/2014/main" id="{360F0838-9937-41C0-8026-E26BFEA2CA62}"/>
+                <a16:creationId xmlns:a16="http://schemas.microsoft.com/office/drawing/2014/main" id="{12A231DA-AB5C-C240-9332-9CC3D46A81BD}"/>
               </a:ext>
             </a:extLst>
           </p:cNvPr>
@@ -450,9 +482,9 @@
           <a:bodyPr/>
           <a:lstStyle/>
           <a:p>
-            <a:fld id="{1DE5D646-48D6-4DB4-B0BE-979ADC0B5F5F}" type="datetimeFigureOut">
+            <a:fld id="{016554A5-B4DD-7045-B047-B7DA6D1E70A4}" type="datetimeFigureOut">
               <a:rPr lang="en-US" smtClean="0"/>
-              <a:t>4/21/2022</a:t>
+              <a:t>4/24/2022</a:t>
             </a:fld>
             <a:endParaRPr lang="en-US"/>
           </a:p>
@@ -463,7 +495,7 @@
           <p:cNvPr id="5" name="Footer Placeholder 4">
             <a:extLst>
               <a:ext uri="{FF2B5EF4-FFF2-40B4-BE49-F238E27FC236}">
-                <a16:creationId xmlns:a16="http://schemas.microsoft.com/office/drawing/2014/main" id="{FA9A9E81-C94D-41C1-A133-DB8A1F7E0669}"/>
+                <a16:creationId xmlns:a16="http://schemas.microsoft.com/office/drawing/2014/main" id="{3067AB74-A3C5-CF45-A5A3-124A94D15058}"/>
               </a:ext>
             </a:extLst>
           </p:cNvPr>
@@ -488,7 +520,7 @@
           <p:cNvPr id="6" name="Slide Number Placeholder 5">
             <a:extLst>
               <a:ext uri="{FF2B5EF4-FFF2-40B4-BE49-F238E27FC236}">
-                <a16:creationId xmlns:a16="http://schemas.microsoft.com/office/drawing/2014/main" id="{468BD540-16CA-483F-94E4-0A7E441C5A24}"/>
+                <a16:creationId xmlns:a16="http://schemas.microsoft.com/office/drawing/2014/main" id="{B2F83F40-6572-9341-AE1A-0342450A98AB}"/>
               </a:ext>
             </a:extLst>
           </p:cNvPr>
@@ -504,7 +536,7 @@
           <a:bodyPr/>
           <a:lstStyle/>
           <a:p>
-            <a:fld id="{446577E4-7B3A-4605-A32C-EB1F26760171}" type="slidenum">
+            <a:fld id="{AE678206-0642-9F48-9727-6B519CB285FA}" type="slidenum">
               <a:rPr lang="en-US" smtClean="0"/>
               <a:t>‹#›</a:t>
             </a:fld>
@@ -515,7 +547,7 @@
     </p:spTree>
     <p:extLst>
       <p:ext uri="{BB962C8B-B14F-4D97-AF65-F5344CB8AC3E}">
-        <p14:creationId xmlns:p14="http://schemas.microsoft.com/office/powerpoint/2010/main" val="2723035409"/>
+        <p14:creationId xmlns:p14="http://schemas.microsoft.com/office/powerpoint/2010/main" val="3915638794"/>
       </p:ext>
     </p:extLst>
   </p:cSld>
@@ -547,7 +579,7 @@
           <p:cNvPr id="2" name="Vertical Title 1">
             <a:extLst>
               <a:ext uri="{FF2B5EF4-FFF2-40B4-BE49-F238E27FC236}">
-                <a16:creationId xmlns:a16="http://schemas.microsoft.com/office/drawing/2014/main" id="{ECDFF9E8-F63F-4165-AC39-88A96223C1CB}"/>
+                <a16:creationId xmlns:a16="http://schemas.microsoft.com/office/drawing/2014/main" id="{7ADA8079-4F60-D34B-96A4-C32E3C6A4A6C}"/>
               </a:ext>
             </a:extLst>
           </p:cNvPr>
@@ -560,8 +592,8 @@
         </p:nvSpPr>
         <p:spPr>
           <a:xfrm>
-            <a:off x="8724900" y="365125"/>
-            <a:ext cx="2628900" cy="5811838"/>
+            <a:off x="6886575" y="365125"/>
+            <a:ext cx="1971675" cy="5811838"/>
           </a:xfrm>
         </p:spPr>
         <p:txBody>
@@ -569,7 +601,7 @@
           <a:lstStyle/>
           <a:p>
             <a:r>
-              <a:rPr lang="en-US"/>
+              <a:rPr lang="en-US" dirty="0"/>
               <a:t>Click to edit Master title style</a:t>
             </a:r>
           </a:p>
@@ -580,7 +612,7 @@
           <p:cNvPr id="3" name="Vertical Text Placeholder 2">
             <a:extLst>
               <a:ext uri="{FF2B5EF4-FFF2-40B4-BE49-F238E27FC236}">
-                <a16:creationId xmlns:a16="http://schemas.microsoft.com/office/drawing/2014/main" id="{082EC5D1-FE20-4792-86D8-53F92830BB35}"/>
+                <a16:creationId xmlns:a16="http://schemas.microsoft.com/office/drawing/2014/main" id="{30213FC5-8FDB-D640-8F18-46D09DD7FDA5}"/>
               </a:ext>
             </a:extLst>
           </p:cNvPr>
@@ -593,8 +625,8 @@
         </p:nvSpPr>
         <p:spPr>
           <a:xfrm>
-            <a:off x="838200" y="365125"/>
-            <a:ext cx="7734300" cy="5811838"/>
+            <a:off x="285750" y="365125"/>
+            <a:ext cx="6600825" cy="5811838"/>
           </a:xfrm>
         </p:spPr>
         <p:txBody>
@@ -603,35 +635,35 @@
           <a:p>
             <a:pPr lvl="0"/>
             <a:r>
-              <a:rPr lang="en-US"/>
-              <a:t>Click to edit Master text styles</a:t>
+              <a:rPr lang="en-US" dirty="0"/>
+              <a:t>Edit Master text styles</a:t>
             </a:r>
           </a:p>
           <a:p>
             <a:pPr lvl="1"/>
             <a:r>
-              <a:rPr lang="en-US"/>
+              <a:rPr lang="en-US" dirty="0"/>
               <a:t>Second level</a:t>
             </a:r>
           </a:p>
           <a:p>
             <a:pPr lvl="2"/>
             <a:r>
-              <a:rPr lang="en-US"/>
+              <a:rPr lang="en-US" dirty="0"/>
               <a:t>Third level</a:t>
             </a:r>
           </a:p>
           <a:p>
             <a:pPr lvl="3"/>
             <a:r>
-              <a:rPr lang="en-US"/>
+              <a:rPr lang="en-US" dirty="0"/>
               <a:t>Fourth level</a:t>
             </a:r>
           </a:p>
           <a:p>
             <a:pPr lvl="4"/>
             <a:r>
-              <a:rPr lang="en-US"/>
+              <a:rPr lang="en-US" dirty="0"/>
               <a:t>Fifth level</a:t>
             </a:r>
           </a:p>
@@ -642,7 +674,7 @@
           <p:cNvPr id="4" name="Date Placeholder 3">
             <a:extLst>
               <a:ext uri="{FF2B5EF4-FFF2-40B4-BE49-F238E27FC236}">
-                <a16:creationId xmlns:a16="http://schemas.microsoft.com/office/drawing/2014/main" id="{4A46EC40-A085-4022-83B5-04E5F063F0E2}"/>
+                <a16:creationId xmlns:a16="http://schemas.microsoft.com/office/drawing/2014/main" id="{A189F9D1-30A5-3C44-9E01-F570121CC3F9}"/>
               </a:ext>
             </a:extLst>
           </p:cNvPr>
@@ -658,9 +690,9 @@
           <a:bodyPr/>
           <a:lstStyle/>
           <a:p>
-            <a:fld id="{1DE5D646-48D6-4DB4-B0BE-979ADC0B5F5F}" type="datetimeFigureOut">
+            <a:fld id="{016554A5-B4DD-7045-B047-B7DA6D1E70A4}" type="datetimeFigureOut">
               <a:rPr lang="en-US" smtClean="0"/>
-              <a:t>4/21/2022</a:t>
+              <a:t>4/24/2022</a:t>
             </a:fld>
             <a:endParaRPr lang="en-US"/>
           </a:p>
@@ -671,7 +703,7 @@
           <p:cNvPr id="5" name="Footer Placeholder 4">
             <a:extLst>
               <a:ext uri="{FF2B5EF4-FFF2-40B4-BE49-F238E27FC236}">
-                <a16:creationId xmlns:a16="http://schemas.microsoft.com/office/drawing/2014/main" id="{70FE0441-1D7C-4865-BC2B-A1D3ECCC010A}"/>
+                <a16:creationId xmlns:a16="http://schemas.microsoft.com/office/drawing/2014/main" id="{F4AC5DF8-E50D-1745-97C5-A23C0E511C48}"/>
               </a:ext>
             </a:extLst>
           </p:cNvPr>
@@ -696,7 +728,7 @@
           <p:cNvPr id="6" name="Slide Number Placeholder 5">
             <a:extLst>
               <a:ext uri="{FF2B5EF4-FFF2-40B4-BE49-F238E27FC236}">
-                <a16:creationId xmlns:a16="http://schemas.microsoft.com/office/drawing/2014/main" id="{DA394E39-6C6C-496F-B746-ED6B38335FBF}"/>
+                <a16:creationId xmlns:a16="http://schemas.microsoft.com/office/drawing/2014/main" id="{9C2D20E1-9670-8A49-9442-60CC23074B66}"/>
               </a:ext>
             </a:extLst>
           </p:cNvPr>
@@ -712,7 +744,7 @@
           <a:bodyPr/>
           <a:lstStyle/>
           <a:p>
-            <a:fld id="{446577E4-7B3A-4605-A32C-EB1F26760171}" type="slidenum">
+            <a:fld id="{AE678206-0642-9F48-9727-6B519CB285FA}" type="slidenum">
               <a:rPr lang="en-US" smtClean="0"/>
               <a:t>‹#›</a:t>
             </a:fld>
@@ -723,7 +755,219 @@
     </p:spTree>
     <p:extLst>
       <p:ext uri="{BB962C8B-B14F-4D97-AF65-F5344CB8AC3E}">
-        <p14:creationId xmlns:p14="http://schemas.microsoft.com/office/powerpoint/2010/main" val="3054423152"/>
+        <p14:creationId xmlns:p14="http://schemas.microsoft.com/office/powerpoint/2010/main" val="199861454"/>
+      </p:ext>
+    </p:extLst>
+  </p:cSld>
+  <p:clrMapOvr>
+    <a:masterClrMapping/>
+  </p:clrMapOvr>
+</p:sldLayout>
+</file>
+
+<file path=ppt/slideLayouts/slideLayout12.xml><?xml version="1.0" encoding="utf-8"?>
+<p:sldLayout xmlns:a="http://schemas.openxmlformats.org/drawingml/2006/main" xmlns:r="http://schemas.openxmlformats.org/officeDocument/2006/relationships" xmlns:p="http://schemas.openxmlformats.org/presentationml/2006/main" userDrawn="1">
+  <p:cSld name="Title Slide">
+    <p:spTree>
+      <p:nvGrpSpPr>
+        <p:cNvPr id="1" name=""/>
+        <p:cNvGrpSpPr/>
+        <p:nvPr/>
+      </p:nvGrpSpPr>
+      <p:grpSpPr>
+        <a:xfrm>
+          <a:off x="0" y="0"/>
+          <a:ext cx="0" cy="0"/>
+          <a:chOff x="0" y="0"/>
+          <a:chExt cx="0" cy="0"/>
+        </a:xfrm>
+      </p:grpSpPr>
+      <p:sp>
+        <p:nvSpPr>
+          <p:cNvPr id="3" name="Subtitle 2"/>
+          <p:cNvSpPr>
+            <a:spLocks noGrp="1"/>
+          </p:cNvSpPr>
+          <p:nvPr>
+            <p:ph type="subTitle" idx="1"/>
+          </p:nvPr>
+        </p:nvSpPr>
+        <p:spPr>
+          <a:xfrm>
+            <a:off x="3239196" y="3793068"/>
+            <a:ext cx="5096935" cy="1684868"/>
+          </a:xfrm>
+          <a:prstGeom prst="rect">
+            <a:avLst/>
+          </a:prstGeom>
+        </p:spPr>
+        <p:txBody>
+          <a:bodyPr>
+            <a:noAutofit/>
+          </a:bodyPr>
+          <a:lstStyle>
+            <a:lvl1pPr marL="0" indent="0" algn="l">
+              <a:lnSpc>
+                <a:spcPts val="3600"/>
+              </a:lnSpc>
+              <a:buNone/>
+              <a:defRPr sz="3000" b="0" cap="none" spc="0" baseline="0">
+                <a:solidFill>
+                  <a:schemeClr val="tx1">
+                    <a:lumMod val="50000"/>
+                    <a:lumOff val="50000"/>
+                  </a:schemeClr>
+                </a:solidFill>
+                <a:latin typeface="Roboto Condensed Light" pitchFamily="2" charset="0"/>
+                <a:ea typeface="Roboto Condensed Light" pitchFamily="2" charset="0"/>
+              </a:defRPr>
+            </a:lvl1pPr>
+            <a:lvl2pPr marL="342900" indent="0" algn="ctr">
+              <a:buNone/>
+              <a:defRPr>
+                <a:solidFill>
+                  <a:schemeClr val="tx1">
+                    <a:tint val="75000"/>
+                  </a:schemeClr>
+                </a:solidFill>
+              </a:defRPr>
+            </a:lvl2pPr>
+            <a:lvl3pPr marL="685800" indent="0" algn="ctr">
+              <a:buNone/>
+              <a:defRPr>
+                <a:solidFill>
+                  <a:schemeClr val="tx1">
+                    <a:tint val="75000"/>
+                  </a:schemeClr>
+                </a:solidFill>
+              </a:defRPr>
+            </a:lvl3pPr>
+            <a:lvl4pPr marL="1028700" indent="0" algn="ctr">
+              <a:buNone/>
+              <a:defRPr>
+                <a:solidFill>
+                  <a:schemeClr val="tx1">
+                    <a:tint val="75000"/>
+                  </a:schemeClr>
+                </a:solidFill>
+              </a:defRPr>
+            </a:lvl4pPr>
+            <a:lvl5pPr marL="1371600" indent="0" algn="ctr">
+              <a:buNone/>
+              <a:defRPr>
+                <a:solidFill>
+                  <a:schemeClr val="tx1">
+                    <a:tint val="75000"/>
+                  </a:schemeClr>
+                </a:solidFill>
+              </a:defRPr>
+            </a:lvl5pPr>
+            <a:lvl6pPr marL="1714500" indent="0" algn="ctr">
+              <a:buNone/>
+              <a:defRPr>
+                <a:solidFill>
+                  <a:schemeClr val="tx1">
+                    <a:tint val="75000"/>
+                  </a:schemeClr>
+                </a:solidFill>
+              </a:defRPr>
+            </a:lvl6pPr>
+            <a:lvl7pPr marL="2057400" indent="0" algn="ctr">
+              <a:buNone/>
+              <a:defRPr>
+                <a:solidFill>
+                  <a:schemeClr val="tx1">
+                    <a:tint val="75000"/>
+                  </a:schemeClr>
+                </a:solidFill>
+              </a:defRPr>
+            </a:lvl7pPr>
+            <a:lvl8pPr marL="2400300" indent="0" algn="ctr">
+              <a:buNone/>
+              <a:defRPr>
+                <a:solidFill>
+                  <a:schemeClr val="tx1">
+                    <a:tint val="75000"/>
+                  </a:schemeClr>
+                </a:solidFill>
+              </a:defRPr>
+            </a:lvl8pPr>
+            <a:lvl9pPr marL="2743200" indent="0" algn="ctr">
+              <a:buNone/>
+              <a:defRPr>
+                <a:solidFill>
+                  <a:schemeClr val="tx1">
+                    <a:tint val="75000"/>
+                  </a:schemeClr>
+                </a:solidFill>
+              </a:defRPr>
+            </a:lvl9pPr>
+          </a:lstStyle>
+          <a:p>
+            <a:r>
+              <a:rPr lang="en-US"/>
+              <a:t>Click to edit Master subtitle style</a:t>
+            </a:r>
+            <a:endParaRPr lang="en-US" dirty="0"/>
+          </a:p>
+        </p:txBody>
+      </p:sp>
+      <p:sp>
+        <p:nvSpPr>
+          <p:cNvPr id="4" name="Title 1">
+            <a:extLst>
+              <a:ext uri="{FF2B5EF4-FFF2-40B4-BE49-F238E27FC236}">
+                <a16:creationId xmlns:a16="http://schemas.microsoft.com/office/drawing/2014/main" id="{F17EE9D9-49A7-AE42-84D1-352EBEE407C2}"/>
+              </a:ext>
+            </a:extLst>
+          </p:cNvPr>
+          <p:cNvSpPr>
+            <a:spLocks noGrp="1"/>
+          </p:cNvSpPr>
+          <p:nvPr>
+            <p:ph type="ctrTitle"/>
+          </p:nvPr>
+        </p:nvSpPr>
+        <p:spPr>
+          <a:xfrm>
+            <a:off x="3239197" y="333632"/>
+            <a:ext cx="5096935" cy="3459435"/>
+          </a:xfrm>
+          <a:prstGeom prst="rect">
+            <a:avLst/>
+          </a:prstGeom>
+        </p:spPr>
+        <p:txBody>
+          <a:bodyPr anchor="b" anchorCtr="0">
+            <a:normAutofit/>
+          </a:bodyPr>
+          <a:lstStyle>
+            <a:lvl1pPr algn="l">
+              <a:lnSpc>
+                <a:spcPts val="4800"/>
+              </a:lnSpc>
+              <a:defRPr sz="4200" b="0" cap="none" spc="0" baseline="0">
+                <a:solidFill>
+                  <a:srgbClr val="A7934B"/>
+                </a:solidFill>
+                <a:latin typeface="Roboto Slab" pitchFamily="2" charset="0"/>
+                <a:ea typeface="Roboto Slab" pitchFamily="2" charset="0"/>
+                <a:cs typeface="Roboto" panose="02000000000000000000" pitchFamily="2" charset="0"/>
+              </a:defRPr>
+            </a:lvl1pPr>
+          </a:lstStyle>
+          <a:p>
+            <a:r>
+              <a:rPr lang="en-US" dirty="0"/>
+              <a:t>Click to edit Master title style</a:t>
+            </a:r>
+          </a:p>
+        </p:txBody>
+      </p:sp>
+    </p:spTree>
+    <p:extLst>
+      <p:ext uri="{BB962C8B-B14F-4D97-AF65-F5344CB8AC3E}">
+        <p14:creationId xmlns:p14="http://schemas.microsoft.com/office/powerpoint/2010/main" val="2274102763"/>
       </p:ext>
     </p:extLst>
   </p:cSld>
@@ -734,7 +978,7 @@
 </file>
 
 <file path=ppt/slideLayouts/slideLayout2.xml><?xml version="1.0" encoding="utf-8"?>
-<p:sldLayout xmlns:a="http://schemas.openxmlformats.org/drawingml/2006/main" xmlns:r="http://schemas.openxmlformats.org/officeDocument/2006/relationships" xmlns:p="http://schemas.openxmlformats.org/presentationml/2006/main" type="obj" preserve="1">
+<p:sldLayout xmlns:a="http://schemas.openxmlformats.org/drawingml/2006/main" xmlns:r="http://schemas.openxmlformats.org/officeDocument/2006/relationships" xmlns:p="http://schemas.openxmlformats.org/presentationml/2006/main" userDrawn="1">
   <p:cSld name="Title and Content">
     <p:spTree>
       <p:nvGrpSpPr>
@@ -752,52 +996,29 @@
       </p:grpSpPr>
       <p:sp>
         <p:nvSpPr>
-          <p:cNvPr id="2" name="Title 1">
-            <a:extLst>
-              <a:ext uri="{FF2B5EF4-FFF2-40B4-BE49-F238E27FC236}">
-                <a16:creationId xmlns:a16="http://schemas.microsoft.com/office/drawing/2014/main" id="{6288E900-878D-461D-9E22-463475B3EAFB}"/>
-              </a:ext>
-            </a:extLst>
-          </p:cNvPr>
-          <p:cNvSpPr>
-            <a:spLocks noGrp="1"/>
-          </p:cNvSpPr>
-          <p:nvPr>
-            <p:ph type="title"/>
+          <p:cNvPr id="3" name="Content Placeholder 2">
+            <a:extLst>
+              <a:ext uri="{FF2B5EF4-FFF2-40B4-BE49-F238E27FC236}">
+                <a16:creationId xmlns:a16="http://schemas.microsoft.com/office/drawing/2014/main" id="{5FBFBEFA-1B24-BD40-967B-224093822B35}"/>
+              </a:ext>
+            </a:extLst>
+          </p:cNvPr>
+          <p:cNvSpPr>
+            <a:spLocks noGrp="1"/>
+          </p:cNvSpPr>
+          <p:nvPr>
+            <p:ph idx="1"/>
           </p:nvPr>
         </p:nvSpPr>
         <p:spPr/>
         <p:txBody>
           <a:bodyPr/>
-          <a:lstStyle/>
-          <a:p>
-            <a:r>
-              <a:rPr lang="en-US"/>
-              <a:t>Click to edit Master title style</a:t>
-            </a:r>
-          </a:p>
-        </p:txBody>
-      </p:sp>
-      <p:sp>
-        <p:nvSpPr>
-          <p:cNvPr id="3" name="Content Placeholder 2">
-            <a:extLst>
-              <a:ext uri="{FF2B5EF4-FFF2-40B4-BE49-F238E27FC236}">
-                <a16:creationId xmlns:a16="http://schemas.microsoft.com/office/drawing/2014/main" id="{FC58F3D1-D86F-4938-9A68-7243CB266EE5}"/>
-              </a:ext>
-            </a:extLst>
-          </p:cNvPr>
-          <p:cNvSpPr>
-            <a:spLocks noGrp="1"/>
-          </p:cNvSpPr>
-          <p:nvPr>
-            <p:ph idx="1"/>
-          </p:nvPr>
-        </p:nvSpPr>
-        <p:spPr/>
-        <p:txBody>
-          <a:bodyPr/>
-          <a:lstStyle/>
+          <a:lstStyle>
+            <a:lvl1pPr marL="0" indent="0">
+              <a:buNone/>
+              <a:defRPr/>
+            </a:lvl1pPr>
+          </a:lstStyle>
           <a:p>
             <a:pPr lvl="0"/>
             <a:r>
@@ -805,34 +1026,6 @@
               <a:t>Click to edit Master text styles</a:t>
             </a:r>
           </a:p>
-          <a:p>
-            <a:pPr lvl="1"/>
-            <a:r>
-              <a:rPr lang="en-US"/>
-              <a:t>Second level</a:t>
-            </a:r>
-          </a:p>
-          <a:p>
-            <a:pPr lvl="2"/>
-            <a:r>
-              <a:rPr lang="en-US"/>
-              <a:t>Third level</a:t>
-            </a:r>
-          </a:p>
-          <a:p>
-            <a:pPr lvl="3"/>
-            <a:r>
-              <a:rPr lang="en-US"/>
-              <a:t>Fourth level</a:t>
-            </a:r>
-          </a:p>
-          <a:p>
-            <a:pPr lvl="4"/>
-            <a:r>
-              <a:rPr lang="en-US"/>
-              <a:t>Fifth level</a:t>
-            </a:r>
-          </a:p>
         </p:txBody>
       </p:sp>
       <p:sp>
@@ -840,7 +1033,7 @@
           <p:cNvPr id="4" name="Date Placeholder 3">
             <a:extLst>
               <a:ext uri="{FF2B5EF4-FFF2-40B4-BE49-F238E27FC236}">
-                <a16:creationId xmlns:a16="http://schemas.microsoft.com/office/drawing/2014/main" id="{CD518DD8-A666-49F1-881D-9C60C621EA5E}"/>
+                <a16:creationId xmlns:a16="http://schemas.microsoft.com/office/drawing/2014/main" id="{7C128C1E-32D8-CF48-A92C-E6AC112D0D06}"/>
               </a:ext>
             </a:extLst>
           </p:cNvPr>
@@ -856,11 +1049,7 @@
           <a:bodyPr/>
           <a:lstStyle/>
           <a:p>
-            <a:fld id="{1DE5D646-48D6-4DB4-B0BE-979ADC0B5F5F}" type="datetimeFigureOut">
-              <a:rPr lang="en-US" smtClean="0"/>
-              <a:t>4/21/2022</a:t>
-            </a:fld>
-            <a:endParaRPr lang="en-US"/>
+            <a:endParaRPr lang="en-US" dirty="0"/>
           </a:p>
         </p:txBody>
       </p:sp>
@@ -869,7 +1058,7 @@
           <p:cNvPr id="5" name="Footer Placeholder 4">
             <a:extLst>
               <a:ext uri="{FF2B5EF4-FFF2-40B4-BE49-F238E27FC236}">
-                <a16:creationId xmlns:a16="http://schemas.microsoft.com/office/drawing/2014/main" id="{BC01C752-DB6D-4339-B8A4-7790D0814EE6}"/>
+                <a16:creationId xmlns:a16="http://schemas.microsoft.com/office/drawing/2014/main" id="{3B7E5600-2DCC-EB44-9203-121C72C9B7B2}"/>
               </a:ext>
             </a:extLst>
           </p:cNvPr>
@@ -885,7 +1074,7 @@
           <a:bodyPr/>
           <a:lstStyle/>
           <a:p>
-            <a:endParaRPr lang="en-US"/>
+            <a:endParaRPr lang="en-US" dirty="0"/>
           </a:p>
         </p:txBody>
       </p:sp>
@@ -894,7 +1083,7 @@
           <p:cNvPr id="6" name="Slide Number Placeholder 5">
             <a:extLst>
               <a:ext uri="{FF2B5EF4-FFF2-40B4-BE49-F238E27FC236}">
-                <a16:creationId xmlns:a16="http://schemas.microsoft.com/office/drawing/2014/main" id="{ADE24DC9-8D08-40FE-AA89-AB46CC7F7AF9}"/>
+                <a16:creationId xmlns:a16="http://schemas.microsoft.com/office/drawing/2014/main" id="{4F2FBA1A-F7CC-514B-BEB5-104BA2E09E1E}"/>
               </a:ext>
             </a:extLst>
           </p:cNvPr>
@@ -910,18 +1099,18 @@
           <a:bodyPr/>
           <a:lstStyle/>
           <a:p>
-            <a:fld id="{446577E4-7B3A-4605-A32C-EB1F26760171}" type="slidenum">
+            <a:fld id="{AE678206-0642-9F48-9727-6B519CB285FA}" type="slidenum">
               <a:rPr lang="en-US" smtClean="0"/>
               <a:t>‹#›</a:t>
             </a:fld>
-            <a:endParaRPr lang="en-US"/>
+            <a:endParaRPr lang="en-US" dirty="0"/>
           </a:p>
         </p:txBody>
       </p:sp>
     </p:spTree>
     <p:extLst>
       <p:ext uri="{BB962C8B-B14F-4D97-AF65-F5344CB8AC3E}">
-        <p14:creationId xmlns:p14="http://schemas.microsoft.com/office/powerpoint/2010/main" val="427017108"/>
+        <p14:creationId xmlns:p14="http://schemas.microsoft.com/office/powerpoint/2010/main" val="1379888259"/>
       </p:ext>
     </p:extLst>
   </p:cSld>
@@ -932,8 +1121,8 @@
 </file>
 
 <file path=ppt/slideLayouts/slideLayout3.xml><?xml version="1.0" encoding="utf-8"?>
-<p:sldLayout xmlns:a="http://schemas.openxmlformats.org/drawingml/2006/main" xmlns:r="http://schemas.openxmlformats.org/officeDocument/2006/relationships" xmlns:p="http://schemas.openxmlformats.org/presentationml/2006/main" type="secHead" preserve="1">
-  <p:cSld name="Section Header">
+<p:sldLayout xmlns:a="http://schemas.openxmlformats.org/drawingml/2006/main" xmlns:r="http://schemas.openxmlformats.org/officeDocument/2006/relationships" xmlns:p="http://schemas.openxmlformats.org/presentationml/2006/main" preserve="1" userDrawn="1">
+  <p:cSld name="Title and Content">
     <p:spTree>
       <p:nvGrpSpPr>
         <p:cNvPr id="1" name=""/>
@@ -950,162 +1139,57 @@
       </p:grpSpPr>
       <p:sp>
         <p:nvSpPr>
-          <p:cNvPr id="2" name="Title 1">
-            <a:extLst>
-              <a:ext uri="{FF2B5EF4-FFF2-40B4-BE49-F238E27FC236}">
-                <a16:creationId xmlns:a16="http://schemas.microsoft.com/office/drawing/2014/main" id="{6C176A02-DD6B-4D55-A6BC-8FF2CEE90F92}"/>
-              </a:ext>
-            </a:extLst>
-          </p:cNvPr>
-          <p:cNvSpPr>
-            <a:spLocks noGrp="1"/>
-          </p:cNvSpPr>
-          <p:nvPr>
-            <p:ph type="title"/>
-          </p:nvPr>
-        </p:nvSpPr>
-        <p:spPr>
-          <a:xfrm>
-            <a:off x="831850" y="1709738"/>
-            <a:ext cx="10515600" cy="2852737"/>
-          </a:xfrm>
-        </p:spPr>
-        <p:txBody>
-          <a:bodyPr anchor="b"/>
-          <a:lstStyle>
-            <a:lvl1pPr>
-              <a:defRPr sz="6000"/>
-            </a:lvl1pPr>
-          </a:lstStyle>
-          <a:p>
-            <a:r>
-              <a:rPr lang="en-US"/>
-              <a:t>Click to edit Master title style</a:t>
-            </a:r>
-          </a:p>
-        </p:txBody>
-      </p:sp>
-      <p:sp>
-        <p:nvSpPr>
-          <p:cNvPr id="3" name="Text Placeholder 2">
-            <a:extLst>
-              <a:ext uri="{FF2B5EF4-FFF2-40B4-BE49-F238E27FC236}">
-                <a16:creationId xmlns:a16="http://schemas.microsoft.com/office/drawing/2014/main" id="{27315F92-C98F-4AEA-A017-4F7A774B94F6}"/>
-              </a:ext>
-            </a:extLst>
-          </p:cNvPr>
-          <p:cNvSpPr>
-            <a:spLocks noGrp="1"/>
-          </p:cNvSpPr>
-          <p:nvPr>
-            <p:ph type="body" idx="1"/>
-          </p:nvPr>
-        </p:nvSpPr>
-        <p:spPr>
-          <a:xfrm>
-            <a:off x="831850" y="4589463"/>
-            <a:ext cx="10515600" cy="1500187"/>
-          </a:xfrm>
-        </p:spPr>
+          <p:cNvPr id="3" name="Content Placeholder 2">
+            <a:extLst>
+              <a:ext uri="{FF2B5EF4-FFF2-40B4-BE49-F238E27FC236}">
+                <a16:creationId xmlns:a16="http://schemas.microsoft.com/office/drawing/2014/main" id="{5FBFBEFA-1B24-BD40-967B-224093822B35}"/>
+              </a:ext>
+            </a:extLst>
+          </p:cNvPr>
+          <p:cNvSpPr>
+            <a:spLocks noGrp="1"/>
+          </p:cNvSpPr>
+          <p:nvPr>
+            <p:ph idx="1"/>
+          </p:nvPr>
+        </p:nvSpPr>
+        <p:spPr/>
         <p:txBody>
           <a:bodyPr/>
-          <a:lstStyle>
-            <a:lvl1pPr marL="0" indent="0">
-              <a:buNone/>
-              <a:defRPr sz="2400">
-                <a:solidFill>
-                  <a:schemeClr val="tx1">
-                    <a:tint val="75000"/>
-                  </a:schemeClr>
-                </a:solidFill>
-              </a:defRPr>
-            </a:lvl1pPr>
-            <a:lvl2pPr marL="457200" indent="0">
-              <a:buNone/>
-              <a:defRPr sz="2000">
-                <a:solidFill>
-                  <a:schemeClr val="tx1">
-                    <a:tint val="75000"/>
-                  </a:schemeClr>
-                </a:solidFill>
-              </a:defRPr>
-            </a:lvl2pPr>
-            <a:lvl3pPr marL="914400" indent="0">
-              <a:buNone/>
-              <a:defRPr sz="1800">
-                <a:solidFill>
-                  <a:schemeClr val="tx1">
-                    <a:tint val="75000"/>
-                  </a:schemeClr>
-                </a:solidFill>
-              </a:defRPr>
-            </a:lvl3pPr>
-            <a:lvl4pPr marL="1371600" indent="0">
-              <a:buNone/>
-              <a:defRPr sz="1600">
-                <a:solidFill>
-                  <a:schemeClr val="tx1">
-                    <a:tint val="75000"/>
-                  </a:schemeClr>
-                </a:solidFill>
-              </a:defRPr>
-            </a:lvl4pPr>
-            <a:lvl5pPr marL="1828800" indent="0">
-              <a:buNone/>
-              <a:defRPr sz="1600">
-                <a:solidFill>
-                  <a:schemeClr val="tx1">
-                    <a:tint val="75000"/>
-                  </a:schemeClr>
-                </a:solidFill>
-              </a:defRPr>
-            </a:lvl5pPr>
-            <a:lvl6pPr marL="2286000" indent="0">
-              <a:buNone/>
-              <a:defRPr sz="1600">
-                <a:solidFill>
-                  <a:schemeClr val="tx1">
-                    <a:tint val="75000"/>
-                  </a:schemeClr>
-                </a:solidFill>
-              </a:defRPr>
-            </a:lvl6pPr>
-            <a:lvl7pPr marL="2743200" indent="0">
-              <a:buNone/>
-              <a:defRPr sz="1600">
-                <a:solidFill>
-                  <a:schemeClr val="tx1">
-                    <a:tint val="75000"/>
-                  </a:schemeClr>
-                </a:solidFill>
-              </a:defRPr>
-            </a:lvl7pPr>
-            <a:lvl8pPr marL="3200400" indent="0">
-              <a:buNone/>
-              <a:defRPr sz="1600">
-                <a:solidFill>
-                  <a:schemeClr val="tx1">
-                    <a:tint val="75000"/>
-                  </a:schemeClr>
-                </a:solidFill>
-              </a:defRPr>
-            </a:lvl8pPr>
-            <a:lvl9pPr marL="3657600" indent="0">
-              <a:buNone/>
-              <a:defRPr sz="1600">
-                <a:solidFill>
-                  <a:schemeClr val="tx1">
-                    <a:tint val="75000"/>
-                  </a:schemeClr>
-                </a:solidFill>
-              </a:defRPr>
-            </a:lvl9pPr>
-          </a:lstStyle>
+          <a:lstStyle/>
           <a:p>
             <a:pPr lvl="0"/>
             <a:r>
-              <a:rPr lang="en-US"/>
-              <a:t>Click to edit Master text styles</a:t>
+              <a:rPr lang="en-US" dirty="0"/>
+              <a:t>Edit Master text styles</a:t>
+            </a:r>
+          </a:p>
+          <a:p>
+            <a:pPr lvl="1"/>
+            <a:r>
+              <a:rPr lang="en-US" dirty="0"/>
+              <a:t>Second level</a:t>
+            </a:r>
+          </a:p>
+          <a:p>
+            <a:pPr lvl="2"/>
+            <a:r>
+              <a:rPr lang="en-US" dirty="0"/>
+              <a:t>Third level</a:t>
+            </a:r>
+          </a:p>
+          <a:p>
+            <a:pPr lvl="3"/>
+            <a:r>
+              <a:rPr lang="en-US" dirty="0"/>
+              <a:t>Fourth level</a:t>
+            </a:r>
+          </a:p>
+          <a:p>
+            <a:pPr lvl="4"/>
+            <a:r>
+              <a:rPr lang="en-US" dirty="0"/>
+              <a:t>Fifth level</a:t>
             </a:r>
           </a:p>
         </p:txBody>
@@ -1115,7 +1199,7 @@
           <p:cNvPr id="4" name="Date Placeholder 3">
             <a:extLst>
               <a:ext uri="{FF2B5EF4-FFF2-40B4-BE49-F238E27FC236}">
-                <a16:creationId xmlns:a16="http://schemas.microsoft.com/office/drawing/2014/main" id="{5D40DD05-0ABF-4323-AF05-C8651A47E5BD}"/>
+                <a16:creationId xmlns:a16="http://schemas.microsoft.com/office/drawing/2014/main" id="{7C128C1E-32D8-CF48-A92C-E6AC112D0D06}"/>
               </a:ext>
             </a:extLst>
           </p:cNvPr>
@@ -1131,9 +1215,9 @@
           <a:bodyPr/>
           <a:lstStyle/>
           <a:p>
-            <a:fld id="{1DE5D646-48D6-4DB4-B0BE-979ADC0B5F5F}" type="datetimeFigureOut">
+            <a:fld id="{016554A5-B4DD-7045-B047-B7DA6D1E70A4}" type="datetimeFigureOut">
               <a:rPr lang="en-US" smtClean="0"/>
-              <a:t>4/21/2022</a:t>
+              <a:t>4/24/2022</a:t>
             </a:fld>
             <a:endParaRPr lang="en-US"/>
           </a:p>
@@ -1144,7 +1228,7 @@
           <p:cNvPr id="5" name="Footer Placeholder 4">
             <a:extLst>
               <a:ext uri="{FF2B5EF4-FFF2-40B4-BE49-F238E27FC236}">
-                <a16:creationId xmlns:a16="http://schemas.microsoft.com/office/drawing/2014/main" id="{04D8C177-CBA7-4358-BA96-29BE7E6C3A29}"/>
+                <a16:creationId xmlns:a16="http://schemas.microsoft.com/office/drawing/2014/main" id="{3B7E5600-2DCC-EB44-9203-121C72C9B7B2}"/>
               </a:ext>
             </a:extLst>
           </p:cNvPr>
@@ -1169,7 +1253,7 @@
           <p:cNvPr id="6" name="Slide Number Placeholder 5">
             <a:extLst>
               <a:ext uri="{FF2B5EF4-FFF2-40B4-BE49-F238E27FC236}">
-                <a16:creationId xmlns:a16="http://schemas.microsoft.com/office/drawing/2014/main" id="{5E780F80-5D72-42A3-821D-ECCF9E183768}"/>
+                <a16:creationId xmlns:a16="http://schemas.microsoft.com/office/drawing/2014/main" id="{4F2FBA1A-F7CC-514B-BEB5-104BA2E09E1E}"/>
               </a:ext>
             </a:extLst>
           </p:cNvPr>
@@ -1185,7 +1269,7 @@
           <a:bodyPr/>
           <a:lstStyle/>
           <a:p>
-            <a:fld id="{446577E4-7B3A-4605-A32C-EB1F26760171}" type="slidenum">
+            <a:fld id="{AE678206-0642-9F48-9727-6B519CB285FA}" type="slidenum">
               <a:rPr lang="en-US" smtClean="0"/>
               <a:t>‹#›</a:t>
             </a:fld>
@@ -1193,10 +1277,48 @@
           </a:p>
         </p:txBody>
       </p:sp>
+      <p:sp>
+        <p:nvSpPr>
+          <p:cNvPr id="7" name="Title Placeholder 1">
+            <a:extLst>
+              <a:ext uri="{FF2B5EF4-FFF2-40B4-BE49-F238E27FC236}">
+                <a16:creationId xmlns:a16="http://schemas.microsoft.com/office/drawing/2014/main" id="{D1CD0E1A-EFF5-9943-8AA6-521A2B23E647}"/>
+              </a:ext>
+            </a:extLst>
+          </p:cNvPr>
+          <p:cNvSpPr>
+            <a:spLocks noGrp="1"/>
+          </p:cNvSpPr>
+          <p:nvPr>
+            <p:ph type="title"/>
+          </p:nvPr>
+        </p:nvSpPr>
+        <p:spPr>
+          <a:xfrm>
+            <a:off x="285750" y="200721"/>
+            <a:ext cx="8572500" cy="1014761"/>
+          </a:xfrm>
+          <a:prstGeom prst="rect">
+            <a:avLst/>
+          </a:prstGeom>
+        </p:spPr>
+        <p:txBody>
+          <a:bodyPr vert="horz" lIns="91440" tIns="45720" rIns="91440" bIns="45720" rtlCol="0" anchor="ctr">
+            <a:normAutofit/>
+          </a:bodyPr>
+          <a:lstStyle/>
+          <a:p>
+            <a:r>
+              <a:rPr lang="en-US" dirty="0"/>
+              <a:t>Click to edit Master title style</a:t>
+            </a:r>
+          </a:p>
+        </p:txBody>
+      </p:sp>
     </p:spTree>
     <p:extLst>
       <p:ext uri="{BB962C8B-B14F-4D97-AF65-F5344CB8AC3E}">
-        <p14:creationId xmlns:p14="http://schemas.microsoft.com/office/powerpoint/2010/main" val="3373475643"/>
+        <p14:creationId xmlns:p14="http://schemas.microsoft.com/office/powerpoint/2010/main" val="571505928"/>
       </p:ext>
     </p:extLst>
   </p:cSld>
@@ -1228,7 +1350,7 @@
           <p:cNvPr id="2" name="Title 1">
             <a:extLst>
               <a:ext uri="{FF2B5EF4-FFF2-40B4-BE49-F238E27FC236}">
-                <a16:creationId xmlns:a16="http://schemas.microsoft.com/office/drawing/2014/main" id="{879F0573-5686-4467-A1AD-068771396A25}"/>
+                <a16:creationId xmlns:a16="http://schemas.microsoft.com/office/drawing/2014/main" id="{C36B768D-628B-BB40-BEE5-32E27182F2C8}"/>
               </a:ext>
             </a:extLst>
           </p:cNvPr>
@@ -1256,7 +1378,7 @@
           <p:cNvPr id="3" name="Content Placeholder 2">
             <a:extLst>
               <a:ext uri="{FF2B5EF4-FFF2-40B4-BE49-F238E27FC236}">
-                <a16:creationId xmlns:a16="http://schemas.microsoft.com/office/drawing/2014/main" id="{4A1FBBCB-CD84-4CBA-9D7D-DDB5EAB967CA}"/>
+                <a16:creationId xmlns:a16="http://schemas.microsoft.com/office/drawing/2014/main" id="{84DA323E-BF1A-8C44-9650-0F8A4E12DCC0}"/>
               </a:ext>
             </a:extLst>
           </p:cNvPr>
@@ -1269,8 +1391,8 @@
         </p:nvSpPr>
         <p:spPr>
           <a:xfrm>
-            <a:off x="838200" y="1825625"/>
-            <a:ext cx="5181600" cy="4351338"/>
+            <a:off x="284285" y="1215483"/>
+            <a:ext cx="4211515" cy="4961480"/>
           </a:xfrm>
         </p:spPr>
         <p:txBody>
@@ -1279,35 +1401,35 @@
           <a:p>
             <a:pPr lvl="0"/>
             <a:r>
-              <a:rPr lang="en-US"/>
-              <a:t>Click to edit Master text styles</a:t>
+              <a:rPr lang="en-US" dirty="0"/>
+              <a:t>Edit Master text styles</a:t>
             </a:r>
           </a:p>
           <a:p>
             <a:pPr lvl="1"/>
             <a:r>
-              <a:rPr lang="en-US"/>
+              <a:rPr lang="en-US" dirty="0"/>
               <a:t>Second level</a:t>
             </a:r>
           </a:p>
           <a:p>
             <a:pPr lvl="2"/>
             <a:r>
-              <a:rPr lang="en-US"/>
+              <a:rPr lang="en-US" dirty="0"/>
               <a:t>Third level</a:t>
             </a:r>
           </a:p>
           <a:p>
             <a:pPr lvl="3"/>
             <a:r>
-              <a:rPr lang="en-US"/>
+              <a:rPr lang="en-US" dirty="0"/>
               <a:t>Fourth level</a:t>
             </a:r>
           </a:p>
           <a:p>
             <a:pPr lvl="4"/>
             <a:r>
-              <a:rPr lang="en-US"/>
+              <a:rPr lang="en-US" dirty="0"/>
               <a:t>Fifth level</a:t>
             </a:r>
           </a:p>
@@ -1318,7 +1440,7 @@
           <p:cNvPr id="4" name="Content Placeholder 3">
             <a:extLst>
               <a:ext uri="{FF2B5EF4-FFF2-40B4-BE49-F238E27FC236}">
-                <a16:creationId xmlns:a16="http://schemas.microsoft.com/office/drawing/2014/main" id="{0234C052-20DD-4994-8BE9-995F8BB313C1}"/>
+                <a16:creationId xmlns:a16="http://schemas.microsoft.com/office/drawing/2014/main" id="{271EEF26-478D-684B-BFF1-D8FD9BE7D5F9}"/>
               </a:ext>
             </a:extLst>
           </p:cNvPr>
@@ -1331,8 +1453,8 @@
         </p:nvSpPr>
         <p:spPr>
           <a:xfrm>
-            <a:off x="6172200" y="1825625"/>
-            <a:ext cx="5181600" cy="4351338"/>
+            <a:off x="4648200" y="1215483"/>
+            <a:ext cx="4210050" cy="4961480"/>
           </a:xfrm>
         </p:spPr>
         <p:txBody>
@@ -1341,35 +1463,35 @@
           <a:p>
             <a:pPr lvl="0"/>
             <a:r>
-              <a:rPr lang="en-US"/>
-              <a:t>Click to edit Master text styles</a:t>
+              <a:rPr lang="en-US" dirty="0"/>
+              <a:t>Edit Master text styles</a:t>
             </a:r>
           </a:p>
           <a:p>
             <a:pPr lvl="1"/>
             <a:r>
-              <a:rPr lang="en-US"/>
+              <a:rPr lang="en-US" dirty="0"/>
               <a:t>Second level</a:t>
             </a:r>
           </a:p>
           <a:p>
             <a:pPr lvl="2"/>
             <a:r>
-              <a:rPr lang="en-US"/>
+              <a:rPr lang="en-US" dirty="0"/>
               <a:t>Third level</a:t>
             </a:r>
           </a:p>
           <a:p>
             <a:pPr lvl="3"/>
             <a:r>
-              <a:rPr lang="en-US"/>
+              <a:rPr lang="en-US" dirty="0"/>
               <a:t>Fourth level</a:t>
             </a:r>
           </a:p>
           <a:p>
             <a:pPr lvl="4"/>
             <a:r>
-              <a:rPr lang="en-US"/>
+              <a:rPr lang="en-US" dirty="0"/>
               <a:t>Fifth level</a:t>
             </a:r>
           </a:p>
@@ -1380,7 +1502,7 @@
           <p:cNvPr id="5" name="Date Placeholder 4">
             <a:extLst>
               <a:ext uri="{FF2B5EF4-FFF2-40B4-BE49-F238E27FC236}">
-                <a16:creationId xmlns:a16="http://schemas.microsoft.com/office/drawing/2014/main" id="{3710C10F-42A4-40EB-B253-29229765E388}"/>
+                <a16:creationId xmlns:a16="http://schemas.microsoft.com/office/drawing/2014/main" id="{75ABF72E-E074-E741-8514-3417AC9D80AB}"/>
               </a:ext>
             </a:extLst>
           </p:cNvPr>
@@ -1396,9 +1518,9 @@
           <a:bodyPr/>
           <a:lstStyle/>
           <a:p>
-            <a:fld id="{1DE5D646-48D6-4DB4-B0BE-979ADC0B5F5F}" type="datetimeFigureOut">
+            <a:fld id="{016554A5-B4DD-7045-B047-B7DA6D1E70A4}" type="datetimeFigureOut">
               <a:rPr lang="en-US" smtClean="0"/>
-              <a:t>4/21/2022</a:t>
+              <a:t>4/24/2022</a:t>
             </a:fld>
             <a:endParaRPr lang="en-US"/>
           </a:p>
@@ -1409,7 +1531,7 @@
           <p:cNvPr id="6" name="Footer Placeholder 5">
             <a:extLst>
               <a:ext uri="{FF2B5EF4-FFF2-40B4-BE49-F238E27FC236}">
-                <a16:creationId xmlns:a16="http://schemas.microsoft.com/office/drawing/2014/main" id="{1A921FC0-5211-4C8E-91A1-D2CA9730FC22}"/>
+                <a16:creationId xmlns:a16="http://schemas.microsoft.com/office/drawing/2014/main" id="{23752637-104D-064E-9B91-0BC72B6E1042}"/>
               </a:ext>
             </a:extLst>
           </p:cNvPr>
@@ -1434,7 +1556,7 @@
           <p:cNvPr id="7" name="Slide Number Placeholder 6">
             <a:extLst>
               <a:ext uri="{FF2B5EF4-FFF2-40B4-BE49-F238E27FC236}">
-                <a16:creationId xmlns:a16="http://schemas.microsoft.com/office/drawing/2014/main" id="{3A4D4D17-BD10-40C4-B112-C94E03A76F28}"/>
+                <a16:creationId xmlns:a16="http://schemas.microsoft.com/office/drawing/2014/main" id="{CB44C3EF-E136-164D-954C-112EADD99ADD}"/>
               </a:ext>
             </a:extLst>
           </p:cNvPr>
@@ -1450,7 +1572,7 @@
           <a:bodyPr/>
           <a:lstStyle/>
           <a:p>
-            <a:fld id="{446577E4-7B3A-4605-A32C-EB1F26760171}" type="slidenum">
+            <a:fld id="{AE678206-0642-9F48-9727-6B519CB285FA}" type="slidenum">
               <a:rPr lang="en-US" smtClean="0"/>
               <a:t>‹#›</a:t>
             </a:fld>
@@ -1461,7 +1583,7 @@
     </p:spTree>
     <p:extLst>
       <p:ext uri="{BB962C8B-B14F-4D97-AF65-F5344CB8AC3E}">
-        <p14:creationId xmlns:p14="http://schemas.microsoft.com/office/powerpoint/2010/main" val="3675344324"/>
+        <p14:creationId xmlns:p14="http://schemas.microsoft.com/office/powerpoint/2010/main" val="661298840"/>
       </p:ext>
     </p:extLst>
   </p:cSld>
@@ -1472,7 +1594,7 @@
 </file>
 
 <file path=ppt/slideLayouts/slideLayout5.xml><?xml version="1.0" encoding="utf-8"?>
-<p:sldLayout xmlns:a="http://schemas.openxmlformats.org/drawingml/2006/main" xmlns:r="http://schemas.openxmlformats.org/officeDocument/2006/relationships" xmlns:p="http://schemas.openxmlformats.org/presentationml/2006/main" type="twoTxTwoObj" preserve="1">
+<p:sldLayout xmlns:a="http://schemas.openxmlformats.org/drawingml/2006/main" xmlns:r="http://schemas.openxmlformats.org/officeDocument/2006/relationships" xmlns:p="http://schemas.openxmlformats.org/presentationml/2006/main" preserve="1" userDrawn="1">
   <p:cSld name="Comparison">
     <p:spTree>
       <p:nvGrpSpPr>
@@ -1490,57 +1612,24 @@
       </p:grpSpPr>
       <p:sp>
         <p:nvSpPr>
-          <p:cNvPr id="2" name="Title 1">
-            <a:extLst>
-              <a:ext uri="{FF2B5EF4-FFF2-40B4-BE49-F238E27FC236}">
-                <a16:creationId xmlns:a16="http://schemas.microsoft.com/office/drawing/2014/main" id="{A664913A-8CA2-44A1-A042-9DD46C18C148}"/>
-              </a:ext>
-            </a:extLst>
-          </p:cNvPr>
-          <p:cNvSpPr>
-            <a:spLocks noGrp="1"/>
-          </p:cNvSpPr>
-          <p:nvPr>
-            <p:ph type="title"/>
+          <p:cNvPr id="3" name="Text Placeholder 2">
+            <a:extLst>
+              <a:ext uri="{FF2B5EF4-FFF2-40B4-BE49-F238E27FC236}">
+                <a16:creationId xmlns:a16="http://schemas.microsoft.com/office/drawing/2014/main" id="{2E310077-12D2-2D4D-8F51-D9CB6B044F9B}"/>
+              </a:ext>
+            </a:extLst>
+          </p:cNvPr>
+          <p:cNvSpPr>
+            <a:spLocks noGrp="1"/>
+          </p:cNvSpPr>
+          <p:nvPr>
+            <p:ph type="body" idx="1"/>
           </p:nvPr>
         </p:nvSpPr>
         <p:spPr>
           <a:xfrm>
-            <a:off x="839788" y="365125"/>
-            <a:ext cx="10515600" cy="1325563"/>
-          </a:xfrm>
-        </p:spPr>
-        <p:txBody>
-          <a:bodyPr/>
-          <a:lstStyle/>
-          <a:p>
-            <a:r>
-              <a:rPr lang="en-US"/>
-              <a:t>Click to edit Master title style</a:t>
-            </a:r>
-          </a:p>
-        </p:txBody>
-      </p:sp>
-      <p:sp>
-        <p:nvSpPr>
-          <p:cNvPr id="3" name="Text Placeholder 2">
-            <a:extLst>
-              <a:ext uri="{FF2B5EF4-FFF2-40B4-BE49-F238E27FC236}">
-                <a16:creationId xmlns:a16="http://schemas.microsoft.com/office/drawing/2014/main" id="{DFD802E3-094D-4CB7-8C4C-9CA5FD778D33}"/>
-              </a:ext>
-            </a:extLst>
-          </p:cNvPr>
-          <p:cNvSpPr>
-            <a:spLocks noGrp="1"/>
-          </p:cNvSpPr>
-          <p:nvPr>
-            <p:ph type="body" idx="1"/>
-          </p:nvPr>
-        </p:nvSpPr>
-        <p:spPr>
-          <a:xfrm>
-            <a:off x="839788" y="1681163"/>
-            <a:ext cx="5157787" cy="823912"/>
+            <a:off x="285750" y="1235113"/>
+            <a:ext cx="4213225" cy="823912"/>
           </a:xfrm>
         </p:spPr>
         <p:txBody>
@@ -1587,7 +1676,7 @@
             <a:pPr lvl="0"/>
             <a:r>
               <a:rPr lang="en-US"/>
-              <a:t>Click to edit Master text styles</a:t>
+              <a:t>Edit Master text styles</a:t>
             </a:r>
           </a:p>
         </p:txBody>
@@ -1597,7 +1686,7 @@
           <p:cNvPr id="4" name="Content Placeholder 3">
             <a:extLst>
               <a:ext uri="{FF2B5EF4-FFF2-40B4-BE49-F238E27FC236}">
-                <a16:creationId xmlns:a16="http://schemas.microsoft.com/office/drawing/2014/main" id="{4972B49D-1D81-40EE-89B9-3F61616CC2EA}"/>
+                <a16:creationId xmlns:a16="http://schemas.microsoft.com/office/drawing/2014/main" id="{4E0DF7D1-4D77-4C46-B579-F5861C7459AC}"/>
               </a:ext>
             </a:extLst>
           </p:cNvPr>
@@ -1610,8 +1699,8 @@
         </p:nvSpPr>
         <p:spPr>
           <a:xfrm>
-            <a:off x="839788" y="2505075"/>
-            <a:ext cx="5157787" cy="3684588"/>
+            <a:off x="285750" y="2078656"/>
+            <a:ext cx="4213225" cy="4111007"/>
           </a:xfrm>
         </p:spPr>
         <p:txBody>
@@ -1620,35 +1709,35 @@
           <a:p>
             <a:pPr lvl="0"/>
             <a:r>
-              <a:rPr lang="en-US"/>
-              <a:t>Click to edit Master text styles</a:t>
+              <a:rPr lang="en-US" dirty="0"/>
+              <a:t>Edit Master text styles</a:t>
             </a:r>
           </a:p>
           <a:p>
             <a:pPr lvl="1"/>
             <a:r>
-              <a:rPr lang="en-US"/>
+              <a:rPr lang="en-US" dirty="0"/>
               <a:t>Second level</a:t>
             </a:r>
           </a:p>
           <a:p>
             <a:pPr lvl="2"/>
             <a:r>
-              <a:rPr lang="en-US"/>
+              <a:rPr lang="en-US" dirty="0"/>
               <a:t>Third level</a:t>
             </a:r>
           </a:p>
           <a:p>
             <a:pPr lvl="3"/>
             <a:r>
-              <a:rPr lang="en-US"/>
+              <a:rPr lang="en-US" dirty="0"/>
               <a:t>Fourth level</a:t>
             </a:r>
           </a:p>
           <a:p>
             <a:pPr lvl="4"/>
             <a:r>
-              <a:rPr lang="en-US"/>
+              <a:rPr lang="en-US" dirty="0"/>
               <a:t>Fifth level</a:t>
             </a:r>
           </a:p>
@@ -1659,7 +1748,7 @@
           <p:cNvPr id="5" name="Text Placeholder 4">
             <a:extLst>
               <a:ext uri="{FF2B5EF4-FFF2-40B4-BE49-F238E27FC236}">
-                <a16:creationId xmlns:a16="http://schemas.microsoft.com/office/drawing/2014/main" id="{06290E59-C9C5-4375-A4FD-B89E9613E74A}"/>
+                <a16:creationId xmlns:a16="http://schemas.microsoft.com/office/drawing/2014/main" id="{1A19A1FD-16BD-7B41-8D0F-269780D1BBDC}"/>
               </a:ext>
             </a:extLst>
           </p:cNvPr>
@@ -1672,8 +1761,8 @@
         </p:nvSpPr>
         <p:spPr>
           <a:xfrm>
-            <a:off x="6172200" y="1681163"/>
-            <a:ext cx="5183188" cy="823912"/>
+            <a:off x="4629150" y="1235113"/>
+            <a:ext cx="4229100" cy="823912"/>
           </a:xfrm>
         </p:spPr>
         <p:txBody>
@@ -1720,7 +1809,7 @@
             <a:pPr lvl="0"/>
             <a:r>
               <a:rPr lang="en-US"/>
-              <a:t>Click to edit Master text styles</a:t>
+              <a:t>Edit Master text styles</a:t>
             </a:r>
           </a:p>
         </p:txBody>
@@ -1730,7 +1819,7 @@
           <p:cNvPr id="6" name="Content Placeholder 5">
             <a:extLst>
               <a:ext uri="{FF2B5EF4-FFF2-40B4-BE49-F238E27FC236}">
-                <a16:creationId xmlns:a16="http://schemas.microsoft.com/office/drawing/2014/main" id="{F8826B2E-AAAF-435A-9A23-BC6EC446D9D3}"/>
+                <a16:creationId xmlns:a16="http://schemas.microsoft.com/office/drawing/2014/main" id="{7FBAF2E0-F5E8-3946-89DE-62BFD441B2F1}"/>
               </a:ext>
             </a:extLst>
           </p:cNvPr>
@@ -1743,8 +1832,8 @@
         </p:nvSpPr>
         <p:spPr>
           <a:xfrm>
-            <a:off x="6172200" y="2505075"/>
-            <a:ext cx="5183188" cy="3684588"/>
+            <a:off x="4629150" y="2078656"/>
+            <a:ext cx="4229100" cy="4111007"/>
           </a:xfrm>
         </p:spPr>
         <p:txBody>
@@ -1753,35 +1842,35 @@
           <a:p>
             <a:pPr lvl="0"/>
             <a:r>
-              <a:rPr lang="en-US"/>
-              <a:t>Click to edit Master text styles</a:t>
+              <a:rPr lang="en-US" dirty="0"/>
+              <a:t>Edit Master text styles</a:t>
             </a:r>
           </a:p>
           <a:p>
             <a:pPr lvl="1"/>
             <a:r>
-              <a:rPr lang="en-US"/>
+              <a:rPr lang="en-US" dirty="0"/>
               <a:t>Second level</a:t>
             </a:r>
           </a:p>
           <a:p>
             <a:pPr lvl="2"/>
             <a:r>
-              <a:rPr lang="en-US"/>
+              <a:rPr lang="en-US" dirty="0"/>
               <a:t>Third level</a:t>
             </a:r>
           </a:p>
           <a:p>
             <a:pPr lvl="3"/>
             <a:r>
-              <a:rPr lang="en-US"/>
+              <a:rPr lang="en-US" dirty="0"/>
               <a:t>Fourth level</a:t>
             </a:r>
           </a:p>
           <a:p>
             <a:pPr lvl="4"/>
             <a:r>
-              <a:rPr lang="en-US"/>
+              <a:rPr lang="en-US" dirty="0"/>
               <a:t>Fifth level</a:t>
             </a:r>
           </a:p>
@@ -1792,7 +1881,7 @@
           <p:cNvPr id="7" name="Date Placeholder 6">
             <a:extLst>
               <a:ext uri="{FF2B5EF4-FFF2-40B4-BE49-F238E27FC236}">
-                <a16:creationId xmlns:a16="http://schemas.microsoft.com/office/drawing/2014/main" id="{17E137D1-9CB9-4E89-ACB6-7A5FB5036843}"/>
+                <a16:creationId xmlns:a16="http://schemas.microsoft.com/office/drawing/2014/main" id="{DF5BD322-BC93-4244-92C5-7651A7979906}"/>
               </a:ext>
             </a:extLst>
           </p:cNvPr>
@@ -1808,9 +1897,9 @@
           <a:bodyPr/>
           <a:lstStyle/>
           <a:p>
-            <a:fld id="{1DE5D646-48D6-4DB4-B0BE-979ADC0B5F5F}" type="datetimeFigureOut">
+            <a:fld id="{016554A5-B4DD-7045-B047-B7DA6D1E70A4}" type="datetimeFigureOut">
               <a:rPr lang="en-US" smtClean="0"/>
-              <a:t>4/21/2022</a:t>
+              <a:t>4/24/2022</a:t>
             </a:fld>
             <a:endParaRPr lang="en-US"/>
           </a:p>
@@ -1821,7 +1910,7 @@
           <p:cNvPr id="8" name="Footer Placeholder 7">
             <a:extLst>
               <a:ext uri="{FF2B5EF4-FFF2-40B4-BE49-F238E27FC236}">
-                <a16:creationId xmlns:a16="http://schemas.microsoft.com/office/drawing/2014/main" id="{B97D3397-4C51-4F07-9DD2-BD456B6775FF}"/>
+                <a16:creationId xmlns:a16="http://schemas.microsoft.com/office/drawing/2014/main" id="{9DE79E3B-E843-6343-9ECC-916F6A2E3E54}"/>
               </a:ext>
             </a:extLst>
           </p:cNvPr>
@@ -1846,7 +1935,7 @@
           <p:cNvPr id="9" name="Slide Number Placeholder 8">
             <a:extLst>
               <a:ext uri="{FF2B5EF4-FFF2-40B4-BE49-F238E27FC236}">
-                <a16:creationId xmlns:a16="http://schemas.microsoft.com/office/drawing/2014/main" id="{CD48113E-703F-4A2C-BD11-5CCF327530D7}"/>
+                <a16:creationId xmlns:a16="http://schemas.microsoft.com/office/drawing/2014/main" id="{E03D151B-D611-8446-9323-A31F43088641}"/>
               </a:ext>
             </a:extLst>
           </p:cNvPr>
@@ -1862,7 +1951,7 @@
           <a:bodyPr/>
           <a:lstStyle/>
           <a:p>
-            <a:fld id="{446577E4-7B3A-4605-A32C-EB1F26760171}" type="slidenum">
+            <a:fld id="{AE678206-0642-9F48-9727-6B519CB285FA}" type="slidenum">
               <a:rPr lang="en-US" smtClean="0"/>
               <a:t>‹#›</a:t>
             </a:fld>
@@ -1870,10 +1959,48 @@
           </a:p>
         </p:txBody>
       </p:sp>
+      <p:sp>
+        <p:nvSpPr>
+          <p:cNvPr id="10" name="Title Placeholder 1">
+            <a:extLst>
+              <a:ext uri="{FF2B5EF4-FFF2-40B4-BE49-F238E27FC236}">
+                <a16:creationId xmlns:a16="http://schemas.microsoft.com/office/drawing/2014/main" id="{419FCA3D-219A-9547-A7A7-4EB9BE7DD721}"/>
+              </a:ext>
+            </a:extLst>
+          </p:cNvPr>
+          <p:cNvSpPr>
+            <a:spLocks noGrp="1"/>
+          </p:cNvSpPr>
+          <p:nvPr>
+            <p:ph type="title"/>
+          </p:nvPr>
+        </p:nvSpPr>
+        <p:spPr>
+          <a:xfrm>
+            <a:off x="285750" y="200721"/>
+            <a:ext cx="8572500" cy="1014761"/>
+          </a:xfrm>
+          <a:prstGeom prst="rect">
+            <a:avLst/>
+          </a:prstGeom>
+        </p:spPr>
+        <p:txBody>
+          <a:bodyPr vert="horz" lIns="91440" tIns="45720" rIns="91440" bIns="45720" rtlCol="0" anchor="ctr">
+            <a:normAutofit/>
+          </a:bodyPr>
+          <a:lstStyle/>
+          <a:p>
+            <a:r>
+              <a:rPr lang="en-US" dirty="0"/>
+              <a:t>Click to edit Master title style</a:t>
+            </a:r>
+          </a:p>
+        </p:txBody>
+      </p:sp>
     </p:spTree>
     <p:extLst>
       <p:ext uri="{BB962C8B-B14F-4D97-AF65-F5344CB8AC3E}">
-        <p14:creationId xmlns:p14="http://schemas.microsoft.com/office/powerpoint/2010/main" val="49088893"/>
+        <p14:creationId xmlns:p14="http://schemas.microsoft.com/office/powerpoint/2010/main" val="1204609514"/>
       </p:ext>
     </p:extLst>
   </p:cSld>
@@ -1905,7 +2032,7 @@
           <p:cNvPr id="2" name="Title 1">
             <a:extLst>
               <a:ext uri="{FF2B5EF4-FFF2-40B4-BE49-F238E27FC236}">
-                <a16:creationId xmlns:a16="http://schemas.microsoft.com/office/drawing/2014/main" id="{FEC5BD2D-0BCA-437E-B976-303C5060C9F1}"/>
+                <a16:creationId xmlns:a16="http://schemas.microsoft.com/office/drawing/2014/main" id="{18BB5170-396F-CE4F-A0AB-300CE9708EA4}"/>
               </a:ext>
             </a:extLst>
           </p:cNvPr>
@@ -1933,7 +2060,7 @@
           <p:cNvPr id="3" name="Date Placeholder 2">
             <a:extLst>
               <a:ext uri="{FF2B5EF4-FFF2-40B4-BE49-F238E27FC236}">
-                <a16:creationId xmlns:a16="http://schemas.microsoft.com/office/drawing/2014/main" id="{1813B982-F9D9-4F46-95F9-07B1373022B7}"/>
+                <a16:creationId xmlns:a16="http://schemas.microsoft.com/office/drawing/2014/main" id="{39A6F2CA-2DD1-AF41-91EF-4D055700CA01}"/>
               </a:ext>
             </a:extLst>
           </p:cNvPr>
@@ -1949,9 +2076,9 @@
           <a:bodyPr/>
           <a:lstStyle/>
           <a:p>
-            <a:fld id="{1DE5D646-48D6-4DB4-B0BE-979ADC0B5F5F}" type="datetimeFigureOut">
+            <a:fld id="{016554A5-B4DD-7045-B047-B7DA6D1E70A4}" type="datetimeFigureOut">
               <a:rPr lang="en-US" smtClean="0"/>
-              <a:t>4/21/2022</a:t>
+              <a:t>4/24/2022</a:t>
             </a:fld>
             <a:endParaRPr lang="en-US"/>
           </a:p>
@@ -1962,7 +2089,7 @@
           <p:cNvPr id="4" name="Footer Placeholder 3">
             <a:extLst>
               <a:ext uri="{FF2B5EF4-FFF2-40B4-BE49-F238E27FC236}">
-                <a16:creationId xmlns:a16="http://schemas.microsoft.com/office/drawing/2014/main" id="{C4FF5B1E-B13D-4B96-B771-2B2D6CBA3530}"/>
+                <a16:creationId xmlns:a16="http://schemas.microsoft.com/office/drawing/2014/main" id="{07635E81-A1AE-8442-89DE-148AC4FCDA25}"/>
               </a:ext>
             </a:extLst>
           </p:cNvPr>
@@ -1987,7 +2114,7 @@
           <p:cNvPr id="5" name="Slide Number Placeholder 4">
             <a:extLst>
               <a:ext uri="{FF2B5EF4-FFF2-40B4-BE49-F238E27FC236}">
-                <a16:creationId xmlns:a16="http://schemas.microsoft.com/office/drawing/2014/main" id="{2A7F1A1E-C9BB-4F1D-96B8-38DF49BA0F0D}"/>
+                <a16:creationId xmlns:a16="http://schemas.microsoft.com/office/drawing/2014/main" id="{AF7583BD-E195-8D45-B88C-3F15BB700766}"/>
               </a:ext>
             </a:extLst>
           </p:cNvPr>
@@ -2003,7 +2130,7 @@
           <a:bodyPr/>
           <a:lstStyle/>
           <a:p>
-            <a:fld id="{446577E4-7B3A-4605-A32C-EB1F26760171}" type="slidenum">
+            <a:fld id="{AE678206-0642-9F48-9727-6B519CB285FA}" type="slidenum">
               <a:rPr lang="en-US" smtClean="0"/>
               <a:t>‹#›</a:t>
             </a:fld>
@@ -2014,7 +2141,7 @@
     </p:spTree>
     <p:extLst>
       <p:ext uri="{BB962C8B-B14F-4D97-AF65-F5344CB8AC3E}">
-        <p14:creationId xmlns:p14="http://schemas.microsoft.com/office/powerpoint/2010/main" val="793759617"/>
+        <p14:creationId xmlns:p14="http://schemas.microsoft.com/office/powerpoint/2010/main" val="1420620813"/>
       </p:ext>
     </p:extLst>
   </p:cSld>
@@ -2046,7 +2173,7 @@
           <p:cNvPr id="2" name="Date Placeholder 1">
             <a:extLst>
               <a:ext uri="{FF2B5EF4-FFF2-40B4-BE49-F238E27FC236}">
-                <a16:creationId xmlns:a16="http://schemas.microsoft.com/office/drawing/2014/main" id="{56D4CAE4-0F7C-4518-BC8C-B60D23DF8D6C}"/>
+                <a16:creationId xmlns:a16="http://schemas.microsoft.com/office/drawing/2014/main" id="{107AE419-AE08-F348-87A6-E9445B339E62}"/>
               </a:ext>
             </a:extLst>
           </p:cNvPr>
@@ -2062,9 +2189,9 @@
           <a:bodyPr/>
           <a:lstStyle/>
           <a:p>
-            <a:fld id="{1DE5D646-48D6-4DB4-B0BE-979ADC0B5F5F}" type="datetimeFigureOut">
+            <a:fld id="{016554A5-B4DD-7045-B047-B7DA6D1E70A4}" type="datetimeFigureOut">
               <a:rPr lang="en-US" smtClean="0"/>
-              <a:t>4/21/2022</a:t>
+              <a:t>4/24/2022</a:t>
             </a:fld>
             <a:endParaRPr lang="en-US"/>
           </a:p>
@@ -2075,7 +2202,7 @@
           <p:cNvPr id="3" name="Footer Placeholder 2">
             <a:extLst>
               <a:ext uri="{FF2B5EF4-FFF2-40B4-BE49-F238E27FC236}">
-                <a16:creationId xmlns:a16="http://schemas.microsoft.com/office/drawing/2014/main" id="{4731CD9F-8EC1-48DA-BD01-0CE16D630D75}"/>
+                <a16:creationId xmlns:a16="http://schemas.microsoft.com/office/drawing/2014/main" id="{C4F02ABE-49F8-8E43-8B96-1F432917E9BB}"/>
               </a:ext>
             </a:extLst>
           </p:cNvPr>
@@ -2100,7 +2227,7 @@
           <p:cNvPr id="4" name="Slide Number Placeholder 3">
             <a:extLst>
               <a:ext uri="{FF2B5EF4-FFF2-40B4-BE49-F238E27FC236}">
-                <a16:creationId xmlns:a16="http://schemas.microsoft.com/office/drawing/2014/main" id="{7EEC2709-1C6E-45A0-932F-192FB7A29CA2}"/>
+                <a16:creationId xmlns:a16="http://schemas.microsoft.com/office/drawing/2014/main" id="{6D30AFCF-7504-9244-8529-F384A6BDB3AB}"/>
               </a:ext>
             </a:extLst>
           </p:cNvPr>
@@ -2116,7 +2243,7 @@
           <a:bodyPr/>
           <a:lstStyle/>
           <a:p>
-            <a:fld id="{446577E4-7B3A-4605-A32C-EB1F26760171}" type="slidenum">
+            <a:fld id="{AE678206-0642-9F48-9727-6B519CB285FA}" type="slidenum">
               <a:rPr lang="en-US" smtClean="0"/>
               <a:t>‹#›</a:t>
             </a:fld>
@@ -2127,7 +2254,7 @@
     </p:spTree>
     <p:extLst>
       <p:ext uri="{BB962C8B-B14F-4D97-AF65-F5344CB8AC3E}">
-        <p14:creationId xmlns:p14="http://schemas.microsoft.com/office/powerpoint/2010/main" val="1826680052"/>
+        <p14:creationId xmlns:p14="http://schemas.microsoft.com/office/powerpoint/2010/main" val="2390501478"/>
       </p:ext>
     </p:extLst>
   </p:cSld>
@@ -2159,7 +2286,7 @@
           <p:cNvPr id="2" name="Title 1">
             <a:extLst>
               <a:ext uri="{FF2B5EF4-FFF2-40B4-BE49-F238E27FC236}">
-                <a16:creationId xmlns:a16="http://schemas.microsoft.com/office/drawing/2014/main" id="{408460B4-1594-498A-84DA-AEB18E3E4EFD}"/>
+                <a16:creationId xmlns:a16="http://schemas.microsoft.com/office/drawing/2014/main" id="{917EC417-39B3-8947-8902-0153B5002093}"/>
               </a:ext>
             </a:extLst>
           </p:cNvPr>
@@ -2172,8 +2299,8 @@
         </p:nvSpPr>
         <p:spPr>
           <a:xfrm>
-            <a:off x="839788" y="457200"/>
-            <a:ext cx="3932237" cy="1600200"/>
+            <a:off x="285750" y="457200"/>
+            <a:ext cx="2949575" cy="1600200"/>
           </a:xfrm>
         </p:spPr>
         <p:txBody>
@@ -2185,7 +2312,7 @@
           </a:lstStyle>
           <a:p>
             <a:r>
-              <a:rPr lang="en-US"/>
+              <a:rPr lang="en-US" dirty="0"/>
               <a:t>Click to edit Master title style</a:t>
             </a:r>
           </a:p>
@@ -2196,7 +2323,7 @@
           <p:cNvPr id="3" name="Content Placeholder 2">
             <a:extLst>
               <a:ext uri="{FF2B5EF4-FFF2-40B4-BE49-F238E27FC236}">
-                <a16:creationId xmlns:a16="http://schemas.microsoft.com/office/drawing/2014/main" id="{045007DB-7E33-4474-A9A2-C1B8D00EFAF4}"/>
+                <a16:creationId xmlns:a16="http://schemas.microsoft.com/office/drawing/2014/main" id="{0790FAD0-D969-274E-8AC0-FC5A894FB3FE}"/>
               </a:ext>
             </a:extLst>
           </p:cNvPr>
@@ -2209,8 +2336,8 @@
         </p:nvSpPr>
         <p:spPr>
           <a:xfrm>
-            <a:off x="5183188" y="987425"/>
-            <a:ext cx="6172200" cy="4873625"/>
+            <a:off x="3235325" y="457201"/>
+            <a:ext cx="5622925" cy="5403850"/>
           </a:xfrm>
         </p:spPr>
         <p:txBody>
@@ -2247,35 +2374,35 @@
           <a:p>
             <a:pPr lvl="0"/>
             <a:r>
-              <a:rPr lang="en-US"/>
-              <a:t>Click to edit Master text styles</a:t>
+              <a:rPr lang="en-US" dirty="0"/>
+              <a:t>Edit Master text styles</a:t>
             </a:r>
           </a:p>
           <a:p>
             <a:pPr lvl="1"/>
             <a:r>
-              <a:rPr lang="en-US"/>
+              <a:rPr lang="en-US" dirty="0"/>
               <a:t>Second level</a:t>
             </a:r>
           </a:p>
           <a:p>
             <a:pPr lvl="2"/>
             <a:r>
-              <a:rPr lang="en-US"/>
+              <a:rPr lang="en-US" dirty="0"/>
               <a:t>Third level</a:t>
             </a:r>
           </a:p>
           <a:p>
             <a:pPr lvl="3"/>
             <a:r>
-              <a:rPr lang="en-US"/>
+              <a:rPr lang="en-US" dirty="0"/>
               <a:t>Fourth level</a:t>
             </a:r>
           </a:p>
           <a:p>
             <a:pPr lvl="4"/>
             <a:r>
-              <a:rPr lang="en-US"/>
+              <a:rPr lang="en-US" dirty="0"/>
               <a:t>Fifth level</a:t>
             </a:r>
           </a:p>
@@ -2286,7 +2413,7 @@
           <p:cNvPr id="4" name="Text Placeholder 3">
             <a:extLst>
               <a:ext uri="{FF2B5EF4-FFF2-40B4-BE49-F238E27FC236}">
-                <a16:creationId xmlns:a16="http://schemas.microsoft.com/office/drawing/2014/main" id="{6BD0C402-B1E8-474A-9D19-0BA646E8EBCB}"/>
+                <a16:creationId xmlns:a16="http://schemas.microsoft.com/office/drawing/2014/main" id="{705FBC2C-9388-6049-AEF3-C1606676A7E6}"/>
               </a:ext>
             </a:extLst>
           </p:cNvPr>
@@ -2299,8 +2426,8 @@
         </p:nvSpPr>
         <p:spPr>
           <a:xfrm>
-            <a:off x="839788" y="2057400"/>
-            <a:ext cx="3932237" cy="3811588"/>
+            <a:off x="285750" y="2274848"/>
+            <a:ext cx="2949575" cy="3594139"/>
           </a:xfrm>
         </p:spPr>
         <p:txBody>
@@ -2346,8 +2473,8 @@
           <a:p>
             <a:pPr lvl="0"/>
             <a:r>
-              <a:rPr lang="en-US"/>
-              <a:t>Click to edit Master text styles</a:t>
+              <a:rPr lang="en-US" dirty="0"/>
+              <a:t>Edit Master text styles</a:t>
             </a:r>
           </a:p>
         </p:txBody>
@@ -2357,7 +2484,7 @@
           <p:cNvPr id="5" name="Date Placeholder 4">
             <a:extLst>
               <a:ext uri="{FF2B5EF4-FFF2-40B4-BE49-F238E27FC236}">
-                <a16:creationId xmlns:a16="http://schemas.microsoft.com/office/drawing/2014/main" id="{6BE490BA-DC9E-4343-8EF7-3CD1DE9A8DB5}"/>
+                <a16:creationId xmlns:a16="http://schemas.microsoft.com/office/drawing/2014/main" id="{0AEA470E-5CA9-A545-B98E-1EFAA05E8BF1}"/>
               </a:ext>
             </a:extLst>
           </p:cNvPr>
@@ -2373,9 +2500,9 @@
           <a:bodyPr/>
           <a:lstStyle/>
           <a:p>
-            <a:fld id="{1DE5D646-48D6-4DB4-B0BE-979ADC0B5F5F}" type="datetimeFigureOut">
+            <a:fld id="{016554A5-B4DD-7045-B047-B7DA6D1E70A4}" type="datetimeFigureOut">
               <a:rPr lang="en-US" smtClean="0"/>
-              <a:t>4/21/2022</a:t>
+              <a:t>4/24/2022</a:t>
             </a:fld>
             <a:endParaRPr lang="en-US"/>
           </a:p>
@@ -2386,7 +2513,7 @@
           <p:cNvPr id="6" name="Footer Placeholder 5">
             <a:extLst>
               <a:ext uri="{FF2B5EF4-FFF2-40B4-BE49-F238E27FC236}">
-                <a16:creationId xmlns:a16="http://schemas.microsoft.com/office/drawing/2014/main" id="{0233330A-CB4C-4C86-B139-06E40E9ED89F}"/>
+                <a16:creationId xmlns:a16="http://schemas.microsoft.com/office/drawing/2014/main" id="{E99ABCA5-3B76-9E47-892E-A475FC83C7BF}"/>
               </a:ext>
             </a:extLst>
           </p:cNvPr>
@@ -2411,7 +2538,7 @@
           <p:cNvPr id="7" name="Slide Number Placeholder 6">
             <a:extLst>
               <a:ext uri="{FF2B5EF4-FFF2-40B4-BE49-F238E27FC236}">
-                <a16:creationId xmlns:a16="http://schemas.microsoft.com/office/drawing/2014/main" id="{BDE696B1-C21C-46D1-838F-BE588768A2A2}"/>
+                <a16:creationId xmlns:a16="http://schemas.microsoft.com/office/drawing/2014/main" id="{68F5A757-8D62-3444-9BDB-1CB584B73545}"/>
               </a:ext>
             </a:extLst>
           </p:cNvPr>
@@ -2427,7 +2554,7 @@
           <a:bodyPr/>
           <a:lstStyle/>
           <a:p>
-            <a:fld id="{446577E4-7B3A-4605-A32C-EB1F26760171}" type="slidenum">
+            <a:fld id="{AE678206-0642-9F48-9727-6B519CB285FA}" type="slidenum">
               <a:rPr lang="en-US" smtClean="0"/>
               <a:t>‹#›</a:t>
             </a:fld>
@@ -2438,7 +2565,7 @@
     </p:spTree>
     <p:extLst>
       <p:ext uri="{BB962C8B-B14F-4D97-AF65-F5344CB8AC3E}">
-        <p14:creationId xmlns:p14="http://schemas.microsoft.com/office/powerpoint/2010/main" val="1804445664"/>
+        <p14:creationId xmlns:p14="http://schemas.microsoft.com/office/powerpoint/2010/main" val="4003491605"/>
       </p:ext>
     </p:extLst>
   </p:cSld>
@@ -2470,7 +2597,7 @@
           <p:cNvPr id="2" name="Title 1">
             <a:extLst>
               <a:ext uri="{FF2B5EF4-FFF2-40B4-BE49-F238E27FC236}">
-                <a16:creationId xmlns:a16="http://schemas.microsoft.com/office/drawing/2014/main" id="{501ABA96-1DB2-48D2-AB66-331EE71C8BFE}"/>
+                <a16:creationId xmlns:a16="http://schemas.microsoft.com/office/drawing/2014/main" id="{2838E57A-36CB-814D-B1A5-9012A244B555}"/>
               </a:ext>
             </a:extLst>
           </p:cNvPr>
@@ -2483,8 +2610,8 @@
         </p:nvSpPr>
         <p:spPr>
           <a:xfrm>
-            <a:off x="839788" y="457200"/>
-            <a:ext cx="3932237" cy="1600200"/>
+            <a:off x="285750" y="457200"/>
+            <a:ext cx="2949575" cy="1600200"/>
           </a:xfrm>
         </p:spPr>
         <p:txBody>
@@ -2496,7 +2623,7 @@
           </a:lstStyle>
           <a:p>
             <a:r>
-              <a:rPr lang="en-US"/>
+              <a:rPr lang="en-US" dirty="0"/>
               <a:t>Click to edit Master title style</a:t>
             </a:r>
           </a:p>
@@ -2507,7 +2634,7 @@
           <p:cNvPr id="3" name="Picture Placeholder 2">
             <a:extLst>
               <a:ext uri="{FF2B5EF4-FFF2-40B4-BE49-F238E27FC236}">
-                <a16:creationId xmlns:a16="http://schemas.microsoft.com/office/drawing/2014/main" id="{6C2F8493-9242-4190-B37C-1FE572E49A0E}"/>
+                <a16:creationId xmlns:a16="http://schemas.microsoft.com/office/drawing/2014/main" id="{5D3259A3-587A-6D4A-AEF8-E4225996F750}"/>
               </a:ext>
             </a:extLst>
           </p:cNvPr>
@@ -2520,8 +2647,8 @@
         </p:nvSpPr>
         <p:spPr>
           <a:xfrm>
-            <a:off x="5183188" y="987425"/>
-            <a:ext cx="6172200" cy="4873625"/>
+            <a:off x="3235325" y="457201"/>
+            <a:ext cx="5622925" cy="5403850"/>
           </a:xfrm>
         </p:spPr>
         <p:txBody>
@@ -2565,7 +2692,7 @@
             </a:lvl9pPr>
           </a:lstStyle>
           <a:p>
-            <a:endParaRPr lang="en-US"/>
+            <a:endParaRPr lang="en-US" dirty="0"/>
           </a:p>
         </p:txBody>
       </p:sp>
@@ -2574,7 +2701,7 @@
           <p:cNvPr id="4" name="Text Placeholder 3">
             <a:extLst>
               <a:ext uri="{FF2B5EF4-FFF2-40B4-BE49-F238E27FC236}">
-                <a16:creationId xmlns:a16="http://schemas.microsoft.com/office/drawing/2014/main" id="{E9915788-42B4-4CC5-ABB9-3AC2E3D1D6EB}"/>
+                <a16:creationId xmlns:a16="http://schemas.microsoft.com/office/drawing/2014/main" id="{34AC1918-55BE-A644-8FDC-9E18F9A994B4}"/>
               </a:ext>
             </a:extLst>
           </p:cNvPr>
@@ -2587,8 +2714,8 @@
         </p:nvSpPr>
         <p:spPr>
           <a:xfrm>
-            <a:off x="839788" y="2057400"/>
-            <a:ext cx="3932237" cy="3811588"/>
+            <a:off x="285750" y="2274848"/>
+            <a:ext cx="2949575" cy="3594139"/>
           </a:xfrm>
         </p:spPr>
         <p:txBody>
@@ -2634,8 +2761,8 @@
           <a:p>
             <a:pPr lvl="0"/>
             <a:r>
-              <a:rPr lang="en-US"/>
-              <a:t>Click to edit Master text styles</a:t>
+              <a:rPr lang="en-US" dirty="0"/>
+              <a:t>Edit Master text styles</a:t>
             </a:r>
           </a:p>
         </p:txBody>
@@ -2645,7 +2772,7 @@
           <p:cNvPr id="5" name="Date Placeholder 4">
             <a:extLst>
               <a:ext uri="{FF2B5EF4-FFF2-40B4-BE49-F238E27FC236}">
-                <a16:creationId xmlns:a16="http://schemas.microsoft.com/office/drawing/2014/main" id="{503327FF-3F50-4E25-AAE1-0A09110745CA}"/>
+                <a16:creationId xmlns:a16="http://schemas.microsoft.com/office/drawing/2014/main" id="{9B9DD8F2-DDA7-354F-9FEA-A07E773A64F1}"/>
               </a:ext>
             </a:extLst>
           </p:cNvPr>
@@ -2661,9 +2788,9 @@
           <a:bodyPr/>
           <a:lstStyle/>
           <a:p>
-            <a:fld id="{1DE5D646-48D6-4DB4-B0BE-979ADC0B5F5F}" type="datetimeFigureOut">
+            <a:fld id="{016554A5-B4DD-7045-B047-B7DA6D1E70A4}" type="datetimeFigureOut">
               <a:rPr lang="en-US" smtClean="0"/>
-              <a:t>4/21/2022</a:t>
+              <a:t>4/24/2022</a:t>
             </a:fld>
             <a:endParaRPr lang="en-US"/>
           </a:p>
@@ -2674,7 +2801,7 @@
           <p:cNvPr id="6" name="Footer Placeholder 5">
             <a:extLst>
               <a:ext uri="{FF2B5EF4-FFF2-40B4-BE49-F238E27FC236}">
-                <a16:creationId xmlns:a16="http://schemas.microsoft.com/office/drawing/2014/main" id="{0A0C5386-3DF5-429B-8ED4-CC91FEA3A437}"/>
+                <a16:creationId xmlns:a16="http://schemas.microsoft.com/office/drawing/2014/main" id="{57F10CDF-1139-2249-8F5E-3E7043CC18A7}"/>
               </a:ext>
             </a:extLst>
           </p:cNvPr>
@@ -2699,7 +2826,7 @@
           <p:cNvPr id="7" name="Slide Number Placeholder 6">
             <a:extLst>
               <a:ext uri="{FF2B5EF4-FFF2-40B4-BE49-F238E27FC236}">
-                <a16:creationId xmlns:a16="http://schemas.microsoft.com/office/drawing/2014/main" id="{8CA67E1F-F035-4EA5-B0A1-FF1A93C4F3AC}"/>
+                <a16:creationId xmlns:a16="http://schemas.microsoft.com/office/drawing/2014/main" id="{4B3F2438-4A98-5A4C-9057-FC3F0CBCD520}"/>
               </a:ext>
             </a:extLst>
           </p:cNvPr>
@@ -2715,7 +2842,7 @@
           <a:bodyPr/>
           <a:lstStyle/>
           <a:p>
-            <a:fld id="{446577E4-7B3A-4605-A32C-EB1F26760171}" type="slidenum">
+            <a:fld id="{AE678206-0642-9F48-9727-6B519CB285FA}" type="slidenum">
               <a:rPr lang="en-US" smtClean="0"/>
               <a:t>‹#›</a:t>
             </a:fld>
@@ -2726,7 +2853,7 @@
     </p:spTree>
     <p:extLst>
       <p:ext uri="{BB962C8B-B14F-4D97-AF65-F5344CB8AC3E}">
-        <p14:creationId xmlns:p14="http://schemas.microsoft.com/office/powerpoint/2010/main" val="3113662062"/>
+        <p14:creationId xmlns:p14="http://schemas.microsoft.com/office/powerpoint/2010/main" val="1077450446"/>
       </p:ext>
     </p:extLst>
   </p:cSld>
@@ -2737,12 +2864,21 @@
 </file>
 
 <file path=ppt/slideMasters/slideMaster1.xml><?xml version="1.0" encoding="utf-8"?>
-<p:sldMaster xmlns:a="http://schemas.openxmlformats.org/drawingml/2006/main" xmlns:r="http://schemas.openxmlformats.org/officeDocument/2006/relationships" xmlns:p="http://schemas.openxmlformats.org/presentationml/2006/main">
+<p:sldMaster xmlns:a="http://schemas.openxmlformats.org/drawingml/2006/main" xmlns:r="http://schemas.openxmlformats.org/officeDocument/2006/relationships" xmlns:p="http://schemas.openxmlformats.org/presentationml/2006/main" preserve="1">
   <p:cSld>
     <p:bg>
-      <p:bgRef idx="1001">
-        <a:schemeClr val="bg1"/>
-      </p:bgRef>
+      <p:bgPr>
+        <a:blipFill dpi="0" rotWithShape="1">
+          <a:blip r:embed="rId4">
+            <a:lum/>
+          </a:blip>
+          <a:srcRect/>
+          <a:stretch>
+            <a:fillRect t="-1000" b="-1000"/>
+          </a:stretch>
+        </a:blipFill>
+        <a:effectLst/>
+      </p:bgPr>
     </p:bg>
     <p:spTree>
       <p:nvGrpSpPr>
@@ -2758,12 +2894,308 @@
           <a:chExt cx="0" cy="0"/>
         </a:xfrm>
       </p:grpSpPr>
+    </p:spTree>
+    <p:extLst>
+      <p:ext uri="{BB962C8B-B14F-4D97-AF65-F5344CB8AC3E}">
+        <p14:creationId xmlns:p14="http://schemas.microsoft.com/office/powerpoint/2010/main" val="3012981321"/>
+      </p:ext>
+    </p:extLst>
+  </p:cSld>
+  <p:clrMap bg1="lt1" tx1="dk1" bg2="lt2" tx2="dk2" accent1="accent1" accent2="accent2" accent3="accent3" accent4="accent4" accent5="accent5" accent6="accent6" hlink="hlink" folHlink="folHlink"/>
+  <p:sldLayoutIdLst>
+    <p:sldLayoutId id="2147483681" r:id="rId1"/>
+    <p:sldLayoutId id="2147483708" r:id="rId2"/>
+  </p:sldLayoutIdLst>
+  <p:txStyles>
+    <p:titleStyle>
+      <a:lvl1pPr algn="l" defTabSz="342900" rtl="0" eaLnBrk="1" latinLnBrk="0" hangingPunct="1">
+        <a:spcBef>
+          <a:spcPct val="0"/>
+        </a:spcBef>
+        <a:buNone/>
+        <a:defRPr sz="3600" b="1" kern="1200">
+          <a:solidFill>
+            <a:srgbClr val="857437"/>
+          </a:solidFill>
+          <a:latin typeface="+mj-lt"/>
+          <a:ea typeface="+mj-ea"/>
+          <a:cs typeface="+mj-cs"/>
+        </a:defRPr>
+      </a:lvl1pPr>
+    </p:titleStyle>
+    <p:bodyStyle>
+      <a:lvl1pPr marL="257175" indent="-257175" algn="l" defTabSz="342900" rtl="0" eaLnBrk="1" latinLnBrk="0" hangingPunct="1">
+        <a:spcBef>
+          <a:spcPct val="20000"/>
+        </a:spcBef>
+        <a:buFont typeface="Arial"/>
+        <a:buChar char="•"/>
+        <a:defRPr sz="2400" kern="1200">
+          <a:solidFill>
+            <a:schemeClr val="tx1"/>
+          </a:solidFill>
+          <a:latin typeface="+mn-lt"/>
+          <a:ea typeface="+mn-ea"/>
+          <a:cs typeface="+mn-cs"/>
+        </a:defRPr>
+      </a:lvl1pPr>
+      <a:lvl2pPr marL="557213" indent="-214313" algn="l" defTabSz="342900" rtl="0" eaLnBrk="1" latinLnBrk="0" hangingPunct="1">
+        <a:spcBef>
+          <a:spcPct val="20000"/>
+        </a:spcBef>
+        <a:buFont typeface="Arial"/>
+        <a:buChar char="–"/>
+        <a:defRPr sz="2100" kern="1200">
+          <a:solidFill>
+            <a:schemeClr val="tx1"/>
+          </a:solidFill>
+          <a:latin typeface="+mn-lt"/>
+          <a:ea typeface="+mn-ea"/>
+          <a:cs typeface="+mn-cs"/>
+        </a:defRPr>
+      </a:lvl2pPr>
+      <a:lvl3pPr marL="857250" indent="-171450" algn="l" defTabSz="342900" rtl="0" eaLnBrk="1" latinLnBrk="0" hangingPunct="1">
+        <a:spcBef>
+          <a:spcPct val="20000"/>
+        </a:spcBef>
+        <a:buFont typeface="Arial"/>
+        <a:buChar char="•"/>
+        <a:defRPr sz="1800" kern="1200">
+          <a:solidFill>
+            <a:schemeClr val="tx1"/>
+          </a:solidFill>
+          <a:latin typeface="+mn-lt"/>
+          <a:ea typeface="+mn-ea"/>
+          <a:cs typeface="+mn-cs"/>
+        </a:defRPr>
+      </a:lvl3pPr>
+      <a:lvl4pPr marL="1200150" indent="-171450" algn="l" defTabSz="342900" rtl="0" eaLnBrk="1" latinLnBrk="0" hangingPunct="1">
+        <a:spcBef>
+          <a:spcPct val="20000"/>
+        </a:spcBef>
+        <a:buFont typeface="Arial"/>
+        <a:buChar char="–"/>
+        <a:defRPr sz="1500" kern="1200">
+          <a:solidFill>
+            <a:schemeClr val="tx1"/>
+          </a:solidFill>
+          <a:latin typeface="+mn-lt"/>
+          <a:ea typeface="+mn-ea"/>
+          <a:cs typeface="+mn-cs"/>
+        </a:defRPr>
+      </a:lvl4pPr>
+      <a:lvl5pPr marL="1543050" indent="-171450" algn="l" defTabSz="342900" rtl="0" eaLnBrk="1" latinLnBrk="0" hangingPunct="1">
+        <a:spcBef>
+          <a:spcPct val="20000"/>
+        </a:spcBef>
+        <a:buFont typeface="Arial"/>
+        <a:buChar char="»"/>
+        <a:defRPr sz="1500" kern="1200">
+          <a:solidFill>
+            <a:schemeClr val="tx1"/>
+          </a:solidFill>
+          <a:latin typeface="+mn-lt"/>
+          <a:ea typeface="+mn-ea"/>
+          <a:cs typeface="+mn-cs"/>
+        </a:defRPr>
+      </a:lvl5pPr>
+      <a:lvl6pPr marL="1885950" indent="-171450" algn="l" defTabSz="342900" rtl="0" eaLnBrk="1" latinLnBrk="0" hangingPunct="1">
+        <a:spcBef>
+          <a:spcPct val="20000"/>
+        </a:spcBef>
+        <a:buFont typeface="Arial"/>
+        <a:buChar char="•"/>
+        <a:defRPr sz="1500" kern="1200">
+          <a:solidFill>
+            <a:schemeClr val="tx1"/>
+          </a:solidFill>
+          <a:latin typeface="+mn-lt"/>
+          <a:ea typeface="+mn-ea"/>
+          <a:cs typeface="+mn-cs"/>
+        </a:defRPr>
+      </a:lvl6pPr>
+      <a:lvl7pPr marL="2228850" indent="-171450" algn="l" defTabSz="342900" rtl="0" eaLnBrk="1" latinLnBrk="0" hangingPunct="1">
+        <a:spcBef>
+          <a:spcPct val="20000"/>
+        </a:spcBef>
+        <a:buFont typeface="Arial"/>
+        <a:buChar char="•"/>
+        <a:defRPr sz="1500" kern="1200">
+          <a:solidFill>
+            <a:schemeClr val="tx1"/>
+          </a:solidFill>
+          <a:latin typeface="+mn-lt"/>
+          <a:ea typeface="+mn-ea"/>
+          <a:cs typeface="+mn-cs"/>
+        </a:defRPr>
+      </a:lvl7pPr>
+      <a:lvl8pPr marL="2571750" indent="-171450" algn="l" defTabSz="342900" rtl="0" eaLnBrk="1" latinLnBrk="0" hangingPunct="1">
+        <a:spcBef>
+          <a:spcPct val="20000"/>
+        </a:spcBef>
+        <a:buFont typeface="Arial"/>
+        <a:buChar char="•"/>
+        <a:defRPr sz="1500" kern="1200">
+          <a:solidFill>
+            <a:schemeClr val="tx1"/>
+          </a:solidFill>
+          <a:latin typeface="+mn-lt"/>
+          <a:ea typeface="+mn-ea"/>
+          <a:cs typeface="+mn-cs"/>
+        </a:defRPr>
+      </a:lvl8pPr>
+      <a:lvl9pPr marL="2914650" indent="-171450" algn="l" defTabSz="342900" rtl="0" eaLnBrk="1" latinLnBrk="0" hangingPunct="1">
+        <a:spcBef>
+          <a:spcPct val="20000"/>
+        </a:spcBef>
+        <a:buFont typeface="Arial"/>
+        <a:buChar char="•"/>
+        <a:defRPr sz="1500" kern="1200">
+          <a:solidFill>
+            <a:schemeClr val="tx1"/>
+          </a:solidFill>
+          <a:latin typeface="+mn-lt"/>
+          <a:ea typeface="+mn-ea"/>
+          <a:cs typeface="+mn-cs"/>
+        </a:defRPr>
+      </a:lvl9pPr>
+    </p:bodyStyle>
+    <p:otherStyle>
+      <a:defPPr>
+        <a:defRPr lang="en-US"/>
+      </a:defPPr>
+      <a:lvl1pPr marL="0" algn="l" defTabSz="342900" rtl="0" eaLnBrk="1" latinLnBrk="0" hangingPunct="1">
+        <a:defRPr sz="1350" kern="1200">
+          <a:solidFill>
+            <a:schemeClr val="tx1"/>
+          </a:solidFill>
+          <a:latin typeface="+mn-lt"/>
+          <a:ea typeface="+mn-ea"/>
+          <a:cs typeface="+mn-cs"/>
+        </a:defRPr>
+      </a:lvl1pPr>
+      <a:lvl2pPr marL="342900" algn="l" defTabSz="342900" rtl="0" eaLnBrk="1" latinLnBrk="0" hangingPunct="1">
+        <a:defRPr sz="1350" kern="1200">
+          <a:solidFill>
+            <a:schemeClr val="tx1"/>
+          </a:solidFill>
+          <a:latin typeface="+mn-lt"/>
+          <a:ea typeface="+mn-ea"/>
+          <a:cs typeface="+mn-cs"/>
+        </a:defRPr>
+      </a:lvl2pPr>
+      <a:lvl3pPr marL="685800" algn="l" defTabSz="342900" rtl="0" eaLnBrk="1" latinLnBrk="0" hangingPunct="1">
+        <a:defRPr sz="1350" kern="1200">
+          <a:solidFill>
+            <a:schemeClr val="tx1"/>
+          </a:solidFill>
+          <a:latin typeface="+mn-lt"/>
+          <a:ea typeface="+mn-ea"/>
+          <a:cs typeface="+mn-cs"/>
+        </a:defRPr>
+      </a:lvl3pPr>
+      <a:lvl4pPr marL="1028700" algn="l" defTabSz="342900" rtl="0" eaLnBrk="1" latinLnBrk="0" hangingPunct="1">
+        <a:defRPr sz="1350" kern="1200">
+          <a:solidFill>
+            <a:schemeClr val="tx1"/>
+          </a:solidFill>
+          <a:latin typeface="+mn-lt"/>
+          <a:ea typeface="+mn-ea"/>
+          <a:cs typeface="+mn-cs"/>
+        </a:defRPr>
+      </a:lvl4pPr>
+      <a:lvl5pPr marL="1371600" algn="l" defTabSz="342900" rtl="0" eaLnBrk="1" latinLnBrk="0" hangingPunct="1">
+        <a:defRPr sz="1350" kern="1200">
+          <a:solidFill>
+            <a:schemeClr val="tx1"/>
+          </a:solidFill>
+          <a:latin typeface="+mn-lt"/>
+          <a:ea typeface="+mn-ea"/>
+          <a:cs typeface="+mn-cs"/>
+        </a:defRPr>
+      </a:lvl5pPr>
+      <a:lvl6pPr marL="1714500" algn="l" defTabSz="342900" rtl="0" eaLnBrk="1" latinLnBrk="0" hangingPunct="1">
+        <a:defRPr sz="1350" kern="1200">
+          <a:solidFill>
+            <a:schemeClr val="tx1"/>
+          </a:solidFill>
+          <a:latin typeface="+mn-lt"/>
+          <a:ea typeface="+mn-ea"/>
+          <a:cs typeface="+mn-cs"/>
+        </a:defRPr>
+      </a:lvl6pPr>
+      <a:lvl7pPr marL="2057400" algn="l" defTabSz="342900" rtl="0" eaLnBrk="1" latinLnBrk="0" hangingPunct="1">
+        <a:defRPr sz="1350" kern="1200">
+          <a:solidFill>
+            <a:schemeClr val="tx1"/>
+          </a:solidFill>
+          <a:latin typeface="+mn-lt"/>
+          <a:ea typeface="+mn-ea"/>
+          <a:cs typeface="+mn-cs"/>
+        </a:defRPr>
+      </a:lvl7pPr>
+      <a:lvl8pPr marL="2400300" algn="l" defTabSz="342900" rtl="0" eaLnBrk="1" latinLnBrk="0" hangingPunct="1">
+        <a:defRPr sz="1350" kern="1200">
+          <a:solidFill>
+            <a:schemeClr val="tx1"/>
+          </a:solidFill>
+          <a:latin typeface="+mn-lt"/>
+          <a:ea typeface="+mn-ea"/>
+          <a:cs typeface="+mn-cs"/>
+        </a:defRPr>
+      </a:lvl8pPr>
+      <a:lvl9pPr marL="2743200" algn="l" defTabSz="342900" rtl="0" eaLnBrk="1" latinLnBrk="0" hangingPunct="1">
+        <a:defRPr sz="1350" kern="1200">
+          <a:solidFill>
+            <a:schemeClr val="tx1"/>
+          </a:solidFill>
+          <a:latin typeface="+mn-lt"/>
+          <a:ea typeface="+mn-ea"/>
+          <a:cs typeface="+mn-cs"/>
+        </a:defRPr>
+      </a:lvl9pPr>
+    </p:otherStyle>
+  </p:txStyles>
+</p:sldMaster>
+</file>
+
+<file path=ppt/slideMasters/slideMaster2.xml><?xml version="1.0" encoding="utf-8"?>
+<p:sldMaster xmlns:a="http://schemas.openxmlformats.org/drawingml/2006/main" xmlns:r="http://schemas.openxmlformats.org/officeDocument/2006/relationships" xmlns:p="http://schemas.openxmlformats.org/presentationml/2006/main" preserve="1">
+  <p:cSld>
+    <p:bg>
+      <p:bgPr>
+        <a:blipFill dpi="0" rotWithShape="1">
+          <a:blip r:embed="rId12">
+            <a:lum/>
+          </a:blip>
+          <a:srcRect/>
+          <a:stretch>
+            <a:fillRect t="-1000" b="-1000"/>
+          </a:stretch>
+        </a:blipFill>
+        <a:effectLst/>
+      </p:bgPr>
+    </p:bg>
+    <p:spTree>
+      <p:nvGrpSpPr>
+        <p:cNvPr id="1" name=""/>
+        <p:cNvGrpSpPr/>
+        <p:nvPr/>
+      </p:nvGrpSpPr>
+      <p:grpSpPr>
+        <a:xfrm>
+          <a:off x="0" y="0"/>
+          <a:ext cx="0" cy="0"/>
+          <a:chOff x="0" y="0"/>
+          <a:chExt cx="0" cy="0"/>
+        </a:xfrm>
+      </p:grpSpPr>
       <p:sp>
         <p:nvSpPr>
           <p:cNvPr id="2" name="Title Placeholder 1">
             <a:extLst>
               <a:ext uri="{FF2B5EF4-FFF2-40B4-BE49-F238E27FC236}">
-                <a16:creationId xmlns:a16="http://schemas.microsoft.com/office/drawing/2014/main" id="{BEAEB85F-585C-4D39-8746-9C049B361A14}"/>
+                <a16:creationId xmlns:a16="http://schemas.microsoft.com/office/drawing/2014/main" id="{566794E2-0939-7444-A82A-8BD5C7FA1DDC}"/>
               </a:ext>
             </a:extLst>
           </p:cNvPr>
@@ -2776,8 +3208,8 @@
         </p:nvSpPr>
         <p:spPr>
           <a:xfrm>
-            <a:off x="838200" y="365125"/>
-            <a:ext cx="10515600" cy="1325563"/>
+            <a:off x="285750" y="200721"/>
+            <a:ext cx="8572500" cy="1014761"/>
           </a:xfrm>
           <a:prstGeom prst="rect">
             <a:avLst/>
@@ -2790,7 +3222,7 @@
           <a:lstStyle/>
           <a:p>
             <a:r>
-              <a:rPr lang="en-US"/>
+              <a:rPr lang="en-US" dirty="0"/>
               <a:t>Click to edit Master title style</a:t>
             </a:r>
           </a:p>
@@ -2801,7 +3233,7 @@
           <p:cNvPr id="3" name="Text Placeholder 2">
             <a:extLst>
               <a:ext uri="{FF2B5EF4-FFF2-40B4-BE49-F238E27FC236}">
-                <a16:creationId xmlns:a16="http://schemas.microsoft.com/office/drawing/2014/main" id="{B3FCF022-7D00-444C-894C-1B4B7AB4931B}"/>
+                <a16:creationId xmlns:a16="http://schemas.microsoft.com/office/drawing/2014/main" id="{E616A5F8-57A3-204B-9489-10B6EA097328}"/>
               </a:ext>
             </a:extLst>
           </p:cNvPr>
@@ -2814,8 +3246,8 @@
         </p:nvSpPr>
         <p:spPr>
           <a:xfrm>
-            <a:off x="838200" y="1825625"/>
-            <a:ext cx="10515600" cy="4351338"/>
+            <a:off x="285750" y="1215484"/>
+            <a:ext cx="8572500" cy="4347554"/>
           </a:xfrm>
           <a:prstGeom prst="rect">
             <a:avLst/>
@@ -2829,35 +3261,35 @@
           <a:p>
             <a:pPr lvl="0"/>
             <a:r>
-              <a:rPr lang="en-US"/>
-              <a:t>Click to edit Master text styles</a:t>
+              <a:rPr lang="en-US" dirty="0"/>
+              <a:t>Edit Master text styles</a:t>
             </a:r>
           </a:p>
           <a:p>
             <a:pPr lvl="1"/>
             <a:r>
-              <a:rPr lang="en-US"/>
+              <a:rPr lang="en-US" dirty="0"/>
               <a:t>Second level</a:t>
             </a:r>
           </a:p>
           <a:p>
             <a:pPr lvl="2"/>
             <a:r>
-              <a:rPr lang="en-US"/>
+              <a:rPr lang="en-US" dirty="0"/>
               <a:t>Third level</a:t>
             </a:r>
           </a:p>
           <a:p>
             <a:pPr lvl="3"/>
             <a:r>
-              <a:rPr lang="en-US"/>
+              <a:rPr lang="en-US" dirty="0"/>
               <a:t>Fourth level</a:t>
             </a:r>
           </a:p>
           <a:p>
             <a:pPr lvl="4"/>
             <a:r>
-              <a:rPr lang="en-US"/>
+              <a:rPr lang="en-US" dirty="0"/>
               <a:t>Fifth level</a:t>
             </a:r>
           </a:p>
@@ -2868,7 +3300,7 @@
           <p:cNvPr id="4" name="Date Placeholder 3">
             <a:extLst>
               <a:ext uri="{FF2B5EF4-FFF2-40B4-BE49-F238E27FC236}">
-                <a16:creationId xmlns:a16="http://schemas.microsoft.com/office/drawing/2014/main" id="{E9712209-1965-4001-BCED-EC5D48BF789B}"/>
+                <a16:creationId xmlns:a16="http://schemas.microsoft.com/office/drawing/2014/main" id="{42B2C088-FD5F-6E47-B5E9-B42B8CA51A39}"/>
               </a:ext>
             </a:extLst>
           </p:cNvPr>
@@ -2881,8 +3313,8 @@
         </p:nvSpPr>
         <p:spPr>
           <a:xfrm>
-            <a:off x="838200" y="6356350"/>
-            <a:ext cx="2743200" cy="365125"/>
+            <a:off x="285750" y="5563037"/>
+            <a:ext cx="2057400" cy="365125"/>
           </a:xfrm>
           <a:prstGeom prst="rect">
             <a:avLst/>
@@ -2902,9 +3334,9 @@
             </a:lvl1pPr>
           </a:lstStyle>
           <a:p>
-            <a:fld id="{1DE5D646-48D6-4DB4-B0BE-979ADC0B5F5F}" type="datetimeFigureOut">
+            <a:fld id="{016554A5-B4DD-7045-B047-B7DA6D1E70A4}" type="datetimeFigureOut">
               <a:rPr lang="en-US" smtClean="0"/>
-              <a:t>4/21/2022</a:t>
+              <a:t>4/24/2022</a:t>
             </a:fld>
             <a:endParaRPr lang="en-US"/>
           </a:p>
@@ -2915,7 +3347,7 @@
           <p:cNvPr id="5" name="Footer Placeholder 4">
             <a:extLst>
               <a:ext uri="{FF2B5EF4-FFF2-40B4-BE49-F238E27FC236}">
-                <a16:creationId xmlns:a16="http://schemas.microsoft.com/office/drawing/2014/main" id="{1D8C3D82-F984-4420-B815-7B1F06CA2C68}"/>
+                <a16:creationId xmlns:a16="http://schemas.microsoft.com/office/drawing/2014/main" id="{BE9B8B9A-12D6-EA40-AB29-6918054B5DA5}"/>
               </a:ext>
             </a:extLst>
           </p:cNvPr>
@@ -2928,8 +3360,8 @@
         </p:nvSpPr>
         <p:spPr>
           <a:xfrm>
-            <a:off x="4038600" y="6356350"/>
-            <a:ext cx="4114800" cy="365125"/>
+            <a:off x="2344615" y="5563037"/>
+            <a:ext cx="4456235" cy="365125"/>
           </a:xfrm>
           <a:prstGeom prst="rect">
             <a:avLst/>
@@ -2949,7 +3381,7 @@
             </a:lvl1pPr>
           </a:lstStyle>
           <a:p>
-            <a:endParaRPr lang="en-US"/>
+            <a:endParaRPr lang="en-US" dirty="0"/>
           </a:p>
         </p:txBody>
       </p:sp>
@@ -2958,7 +3390,7 @@
           <p:cNvPr id="6" name="Slide Number Placeholder 5">
             <a:extLst>
               <a:ext uri="{FF2B5EF4-FFF2-40B4-BE49-F238E27FC236}">
-                <a16:creationId xmlns:a16="http://schemas.microsoft.com/office/drawing/2014/main" id="{D20CA637-5299-4FC6-883D-1D35B811F36F}"/>
+                <a16:creationId xmlns:a16="http://schemas.microsoft.com/office/drawing/2014/main" id="{AA9F842A-A21A-C542-88CC-30F0DD78DA6E}"/>
               </a:ext>
             </a:extLst>
           </p:cNvPr>
@@ -2971,8 +3403,8 @@
         </p:nvSpPr>
         <p:spPr>
           <a:xfrm>
-            <a:off x="8610600" y="6356350"/>
-            <a:ext cx="2743200" cy="365125"/>
+            <a:off x="6800850" y="5563037"/>
+            <a:ext cx="2057400" cy="365125"/>
           </a:xfrm>
           <a:prstGeom prst="rect">
             <a:avLst/>
@@ -2992,34 +3424,33 @@
             </a:lvl1pPr>
           </a:lstStyle>
           <a:p>
-            <a:fld id="{446577E4-7B3A-4605-A32C-EB1F26760171}" type="slidenum">
+            <a:fld id="{AE678206-0642-9F48-9727-6B519CB285FA}" type="slidenum">
               <a:rPr lang="en-US" smtClean="0"/>
               <a:t>‹#›</a:t>
             </a:fld>
-            <a:endParaRPr lang="en-US"/>
+            <a:endParaRPr lang="en-US" dirty="0"/>
           </a:p>
         </p:txBody>
       </p:sp>
     </p:spTree>
     <p:extLst>
       <p:ext uri="{BB962C8B-B14F-4D97-AF65-F5344CB8AC3E}">
-        <p14:creationId xmlns:p14="http://schemas.microsoft.com/office/powerpoint/2010/main" val="2144297836"/>
+        <p14:creationId xmlns:p14="http://schemas.microsoft.com/office/powerpoint/2010/main" val="2871032842"/>
       </p:ext>
     </p:extLst>
   </p:cSld>
   <p:clrMap bg1="lt1" tx1="dk1" bg2="lt2" tx2="dk2" accent1="accent1" accent2="accent2" accent3="accent3" accent4="accent4" accent5="accent5" accent6="accent6" hlink="hlink" folHlink="folHlink"/>
   <p:sldLayoutIdLst>
-    <p:sldLayoutId id="2147483649" r:id="rId1"/>
-    <p:sldLayoutId id="2147483650" r:id="rId2"/>
-    <p:sldLayoutId id="2147483651" r:id="rId3"/>
-    <p:sldLayoutId id="2147483652" r:id="rId4"/>
-    <p:sldLayoutId id="2147483653" r:id="rId5"/>
-    <p:sldLayoutId id="2147483654" r:id="rId6"/>
-    <p:sldLayoutId id="2147483655" r:id="rId7"/>
-    <p:sldLayoutId id="2147483656" r:id="rId8"/>
-    <p:sldLayoutId id="2147483657" r:id="rId9"/>
-    <p:sldLayoutId id="2147483658" r:id="rId10"/>
-    <p:sldLayoutId id="2147483659" r:id="rId11"/>
+    <p:sldLayoutId id="2147483685" r:id="rId1"/>
+    <p:sldLayoutId id="2147483687" r:id="rId2"/>
+    <p:sldLayoutId id="2147483688" r:id="rId3"/>
+    <p:sldLayoutId id="2147483689" r:id="rId4"/>
+    <p:sldLayoutId id="2147483690" r:id="rId5"/>
+    <p:sldLayoutId id="2147483691" r:id="rId6"/>
+    <p:sldLayoutId id="2147483692" r:id="rId7"/>
+    <p:sldLayoutId id="2147483693" r:id="rId8"/>
+    <p:sldLayoutId id="2147483694" r:id="rId9"/>
+    <p:sldLayoutId id="2147483706" r:id="rId10"/>
   </p:sldLayoutIdLst>
   <p:txStyles>
     <p:titleStyle>
@@ -3031,13 +3462,13 @@
           <a:spcPct val="0"/>
         </a:spcBef>
         <a:buNone/>
-        <a:defRPr sz="4400" kern="1200">
+        <a:defRPr sz="3600" b="1" i="0" kern="1200" baseline="0">
           <a:solidFill>
-            <a:schemeClr val="tx1"/>
+            <a:srgbClr val="A7934B"/>
           </a:solidFill>
-          <a:latin typeface="+mj-lt"/>
-          <a:ea typeface="+mj-ea"/>
-          <a:cs typeface="+mj-cs"/>
+          <a:latin typeface="Roboto" panose="02000000000000000000" pitchFamily="2" charset="0"/>
+          <a:ea typeface="Roboto" panose="02000000000000000000" pitchFamily="2" charset="0"/>
+          <a:cs typeface="Roboto" panose="02000000000000000000" pitchFamily="2" charset="0"/>
         </a:defRPr>
       </a:lvl1pPr>
     </p:titleStyle>
@@ -3051,13 +3482,13 @@
         </a:spcBef>
         <a:buFont typeface="Arial" panose="020B0604020202020204" pitchFamily="34" charset="0"/>
         <a:buChar char="•"/>
-        <a:defRPr sz="2800" kern="1200">
+        <a:defRPr sz="2800" b="0" kern="1200">
           <a:solidFill>
-            <a:schemeClr val="tx1"/>
+            <a:srgbClr val="003057"/>
           </a:solidFill>
-          <a:latin typeface="+mn-lt"/>
-          <a:ea typeface="+mn-ea"/>
-          <a:cs typeface="+mn-cs"/>
+          <a:latin typeface="Roboto" panose="02000000000000000000" pitchFamily="2" charset="0"/>
+          <a:ea typeface="Roboto" panose="02000000000000000000" pitchFamily="2" charset="0"/>
+          <a:cs typeface="Roboto" panose="02000000000000000000" pitchFamily="2" charset="0"/>
         </a:defRPr>
       </a:lvl1pPr>
       <a:lvl2pPr marL="685800" indent="-228600" algn="l" defTabSz="914400" rtl="0" eaLnBrk="1" latinLnBrk="0" hangingPunct="1">
@@ -3069,13 +3500,13 @@
         </a:spcBef>
         <a:buFont typeface="Arial" panose="020B0604020202020204" pitchFamily="34" charset="0"/>
         <a:buChar char="•"/>
-        <a:defRPr sz="2400" kern="1200">
+        <a:defRPr sz="2400" b="0" kern="1200">
           <a:solidFill>
-            <a:schemeClr val="tx1"/>
+            <a:srgbClr val="003057"/>
           </a:solidFill>
-          <a:latin typeface="+mn-lt"/>
-          <a:ea typeface="+mn-ea"/>
-          <a:cs typeface="+mn-cs"/>
+          <a:latin typeface="Roboto" panose="02000000000000000000" pitchFamily="2" charset="0"/>
+          <a:ea typeface="Roboto" panose="02000000000000000000" pitchFamily="2" charset="0"/>
+          <a:cs typeface="Roboto" panose="02000000000000000000" pitchFamily="2" charset="0"/>
         </a:defRPr>
       </a:lvl2pPr>
       <a:lvl3pPr marL="1143000" indent="-228600" algn="l" defTabSz="914400" rtl="0" eaLnBrk="1" latinLnBrk="0" hangingPunct="1">
@@ -3087,13 +3518,13 @@
         </a:spcBef>
         <a:buFont typeface="Arial" panose="020B0604020202020204" pitchFamily="34" charset="0"/>
         <a:buChar char="•"/>
-        <a:defRPr sz="2000" kern="1200">
+        <a:defRPr sz="2000" b="0" kern="1200">
           <a:solidFill>
-            <a:schemeClr val="tx1"/>
+            <a:srgbClr val="003057"/>
           </a:solidFill>
-          <a:latin typeface="+mn-lt"/>
-          <a:ea typeface="+mn-ea"/>
-          <a:cs typeface="+mn-cs"/>
+          <a:latin typeface="Roboto" panose="02000000000000000000" pitchFamily="2" charset="0"/>
+          <a:ea typeface="Roboto" panose="02000000000000000000" pitchFamily="2" charset="0"/>
+          <a:cs typeface="Roboto" panose="02000000000000000000" pitchFamily="2" charset="0"/>
         </a:defRPr>
       </a:lvl3pPr>
       <a:lvl4pPr marL="1600200" indent="-228600" algn="l" defTabSz="914400" rtl="0" eaLnBrk="1" latinLnBrk="0" hangingPunct="1">
@@ -3105,13 +3536,13 @@
         </a:spcBef>
         <a:buFont typeface="Arial" panose="020B0604020202020204" pitchFamily="34" charset="0"/>
         <a:buChar char="•"/>
-        <a:defRPr sz="1800" kern="1200">
+        <a:defRPr sz="1800" b="0" kern="1200">
           <a:solidFill>
-            <a:schemeClr val="tx1"/>
+            <a:srgbClr val="003057"/>
           </a:solidFill>
-          <a:latin typeface="+mn-lt"/>
-          <a:ea typeface="+mn-ea"/>
-          <a:cs typeface="+mn-cs"/>
+          <a:latin typeface="Roboto" panose="02000000000000000000" pitchFamily="2" charset="0"/>
+          <a:ea typeface="Roboto" panose="02000000000000000000" pitchFamily="2" charset="0"/>
+          <a:cs typeface="Roboto" panose="02000000000000000000" pitchFamily="2" charset="0"/>
         </a:defRPr>
       </a:lvl4pPr>
       <a:lvl5pPr marL="2057400" indent="-228600" algn="l" defTabSz="914400" rtl="0" eaLnBrk="1" latinLnBrk="0" hangingPunct="1">
@@ -3123,13 +3554,13 @@
         </a:spcBef>
         <a:buFont typeface="Arial" panose="020B0604020202020204" pitchFamily="34" charset="0"/>
         <a:buChar char="•"/>
-        <a:defRPr sz="1800" kern="1200">
+        <a:defRPr sz="1800" b="0" kern="1200">
           <a:solidFill>
-            <a:schemeClr val="tx1"/>
+            <a:srgbClr val="003057"/>
           </a:solidFill>
-          <a:latin typeface="+mn-lt"/>
-          <a:ea typeface="+mn-ea"/>
-          <a:cs typeface="+mn-cs"/>
+          <a:latin typeface="Roboto" panose="02000000000000000000" pitchFamily="2" charset="0"/>
+          <a:ea typeface="Roboto" panose="02000000000000000000" pitchFamily="2" charset="0"/>
+          <a:cs typeface="Roboto" panose="02000000000000000000" pitchFamily="2" charset="0"/>
         </a:defRPr>
       </a:lvl5pPr>
       <a:lvl6pPr marL="2514600" indent="-228600" algn="l" defTabSz="914400" rtl="0" eaLnBrk="1" latinLnBrk="0" hangingPunct="1">
@@ -3307,6 +3738,20 @@
 <file path=ppt/slides/slide1.xml><?xml version="1.0" encoding="utf-8"?>
 <p:sld xmlns:a="http://schemas.openxmlformats.org/drawingml/2006/main" xmlns:r="http://schemas.openxmlformats.org/officeDocument/2006/relationships" xmlns:p="http://schemas.openxmlformats.org/presentationml/2006/main">
   <p:cSld>
+    <p:bg>
+      <p:bgPr>
+        <a:blipFill dpi="0" rotWithShape="1">
+          <a:blip r:embed="rId2">
+            <a:lum/>
+          </a:blip>
+          <a:srcRect/>
+          <a:stretch>
+            <a:fillRect t="-1000" b="-1000"/>
+          </a:stretch>
+        </a:blipFill>
+        <a:effectLst/>
+      </p:bgPr>
+    </p:bg>
     <p:spTree>
       <p:nvGrpSpPr>
         <p:cNvPr id="1" name=""/>
@@ -3326,7 +3771,7 @@
           <p:cNvPr id="2" name="Title 1">
             <a:extLst>
               <a:ext uri="{FF2B5EF4-FFF2-40B4-BE49-F238E27FC236}">
-                <a16:creationId xmlns:a16="http://schemas.microsoft.com/office/drawing/2014/main" id="{41EF2446-42D1-4DDD-A5E0-1B3FD7F92DC1}"/>
+                <a16:creationId xmlns:a16="http://schemas.microsoft.com/office/drawing/2014/main" id="{9C0E95FB-AFDA-C24E-BDC1-87184FFF62A0}"/>
               </a:ext>
             </a:extLst>
           </p:cNvPr>
@@ -3337,58 +3782,715 @@
             <p:ph type="ctrTitle"/>
           </p:nvPr>
         </p:nvSpPr>
-        <p:spPr/>
+        <p:spPr>
+          <a:xfrm>
+            <a:off x="2023532" y="1422562"/>
+            <a:ext cx="5096935" cy="1938992"/>
+          </a:xfrm>
+          <a:prstGeom prst="rect">
+            <a:avLst/>
+          </a:prstGeom>
+        </p:spPr>
+        <p:txBody>
+          <a:bodyPr wrap="square">
+            <a:normAutofit/>
+          </a:bodyPr>
+          <a:lstStyle/>
+          <a:p>
+            <a:r>
+              <a:rPr lang="en-US" b="1" dirty="0">
+                <a:solidFill>
+                  <a:srgbClr val="003057"/>
+                </a:solidFill>
+                <a:latin typeface="Roboto" panose="02000000000000000000" pitchFamily="2" charset="0"/>
+                <a:ea typeface="Roboto" panose="02000000000000000000" pitchFamily="2" charset="0"/>
+              </a:rPr>
+              <a:t>Gamepad Driver </a:t>
+            </a:r>
+          </a:p>
+        </p:txBody>
+      </p:sp>
+      <p:sp>
+        <p:nvSpPr>
+          <p:cNvPr id="3" name="Subtitle 2">
+            <a:extLst>
+              <a:ext uri="{FF2B5EF4-FFF2-40B4-BE49-F238E27FC236}">
+                <a16:creationId xmlns:a16="http://schemas.microsoft.com/office/drawing/2014/main" id="{B7E66134-3B68-CA46-9583-81F439EB81A2}"/>
+              </a:ext>
+            </a:extLst>
+          </p:cNvPr>
+          <p:cNvSpPr>
+            <a:spLocks noGrp="1"/>
+          </p:cNvSpPr>
+          <p:nvPr>
+            <p:ph type="subTitle" idx="1"/>
+          </p:nvPr>
+        </p:nvSpPr>
+        <p:spPr>
+          <a:xfrm>
+            <a:off x="2023532" y="3436294"/>
+            <a:ext cx="5096935" cy="1534512"/>
+          </a:xfrm>
+        </p:spPr>
         <p:txBody>
           <a:bodyPr/>
           <a:lstStyle/>
           <a:p>
-            <a:r>
-              <a:rPr lang="en-US" dirty="0"/>
-              <a:t>Gamepad Driver </a:t>
-            </a:r>
-          </a:p>
-        </p:txBody>
-      </p:sp>
-      <p:sp>
-        <p:nvSpPr>
-          <p:cNvPr id="3" name="Subtitle 2">
-            <a:extLst>
-              <a:ext uri="{FF2B5EF4-FFF2-40B4-BE49-F238E27FC236}">
-                <a16:creationId xmlns:a16="http://schemas.microsoft.com/office/drawing/2014/main" id="{02EF0405-0CBE-47C9-A4E4-87C779CD5D40}"/>
-              </a:ext>
-            </a:extLst>
-          </p:cNvPr>
-          <p:cNvSpPr>
-            <a:spLocks noGrp="1"/>
-          </p:cNvSpPr>
-          <p:nvPr>
-            <p:ph type="subTitle" idx="1"/>
-          </p:nvPr>
-        </p:nvSpPr>
-        <p:spPr/>
-        <p:txBody>
-          <a:bodyPr/>
-          <a:lstStyle/>
-          <a:p>
-            <a:r>
-              <a:rPr lang="en-US" dirty="0"/>
-              <a:t>Josh, Vineeth, </a:t>
-            </a:r>
-            <a:r>
-              <a:rPr lang="en-US" dirty="0" err="1"/>
+            <a:pPr>
+              <a:lnSpc>
+                <a:spcPct val="100000"/>
+              </a:lnSpc>
+            </a:pPr>
+            <a:r>
+              <a:rPr lang="en-US" sz="1800" dirty="0">
+                <a:solidFill>
+                  <a:srgbClr val="857437"/>
+                </a:solidFill>
+                <a:latin typeface="Roboto" panose="02000000000000000000" pitchFamily="2" charset="0"/>
+                <a:ea typeface="Roboto" panose="02000000000000000000" pitchFamily="2" charset="0"/>
+                <a:cs typeface="Roboto" panose="02000000000000000000" pitchFamily="2" charset="0"/>
+              </a:rPr>
+              <a:t>Joshua Chang </a:t>
+            </a:r>
+          </a:p>
+          <a:p>
+            <a:pPr>
+              <a:lnSpc>
+                <a:spcPct val="100000"/>
+              </a:lnSpc>
+            </a:pPr>
+            <a:r>
+              <a:rPr lang="en-US" dirty="0">
+                <a:solidFill>
+                  <a:srgbClr val="857437"/>
+                </a:solidFill>
+              </a:rPr>
+              <a:t>Vineeth </a:t>
+            </a:r>
+            <a:r>
+              <a:rPr lang="en-US" dirty="0" err="1">
+                <a:solidFill>
+                  <a:srgbClr val="857437"/>
+                </a:solidFill>
+              </a:rPr>
+              <a:t>Voruganti</a:t>
+            </a:r>
+            <a:endParaRPr lang="en-US" sz="1800" dirty="0">
+              <a:solidFill>
+                <a:srgbClr val="857437"/>
+              </a:solidFill>
+              <a:latin typeface="Roboto" panose="02000000000000000000" pitchFamily="2" charset="0"/>
+              <a:ea typeface="Roboto" panose="02000000000000000000" pitchFamily="2" charset="0"/>
+              <a:cs typeface="Roboto" panose="02000000000000000000" pitchFamily="2" charset="0"/>
+            </a:endParaRPr>
+          </a:p>
+          <a:p>
+            <a:pPr>
+              <a:lnSpc>
+                <a:spcPct val="100000"/>
+              </a:lnSpc>
+            </a:pPr>
+            <a:r>
+              <a:rPr lang="en-US" sz="1800" dirty="0" err="1">
+                <a:solidFill>
+                  <a:srgbClr val="857437"/>
+                </a:solidFill>
+                <a:latin typeface="Roboto" panose="02000000000000000000" pitchFamily="2" charset="0"/>
+                <a:ea typeface="Roboto" panose="02000000000000000000" pitchFamily="2" charset="0"/>
+                <a:cs typeface="Roboto" panose="02000000000000000000" pitchFamily="2" charset="0"/>
+              </a:rPr>
               <a:t>Srikar</a:t>
             </a:r>
             <a:r>
-              <a:rPr lang="en-US" dirty="0"/>
+              <a:rPr lang="en-US" sz="1800" dirty="0">
+                <a:solidFill>
+                  <a:srgbClr val="857437"/>
+                </a:solidFill>
+                <a:latin typeface="Roboto" panose="02000000000000000000" pitchFamily="2" charset="0"/>
+                <a:ea typeface="Roboto" panose="02000000000000000000" pitchFamily="2" charset="0"/>
+                <a:cs typeface="Roboto" panose="02000000000000000000" pitchFamily="2" charset="0"/>
+              </a:rPr>
               <a:t> </a:t>
             </a:r>
+            <a:r>
+              <a:rPr lang="en-US" sz="1800" dirty="0" err="1">
+                <a:solidFill>
+                  <a:srgbClr val="857437"/>
+                </a:solidFill>
+                <a:latin typeface="Roboto" panose="02000000000000000000" pitchFamily="2" charset="0"/>
+                <a:ea typeface="Roboto" panose="02000000000000000000" pitchFamily="2" charset="0"/>
+                <a:cs typeface="Roboto" panose="02000000000000000000" pitchFamily="2" charset="0"/>
+              </a:rPr>
+              <a:t>Tallapragada</a:t>
+            </a:r>
+            <a:endParaRPr lang="en-US" sz="1800" dirty="0">
+              <a:solidFill>
+                <a:srgbClr val="857437"/>
+              </a:solidFill>
+              <a:latin typeface="Roboto" panose="02000000000000000000" pitchFamily="2" charset="0"/>
+              <a:ea typeface="Roboto" panose="02000000000000000000" pitchFamily="2" charset="0"/>
+              <a:cs typeface="Roboto" panose="02000000000000000000" pitchFamily="2" charset="0"/>
+            </a:endParaRPr>
           </a:p>
         </p:txBody>
       </p:sp>
     </p:spTree>
     <p:extLst>
       <p:ext uri="{BB962C8B-B14F-4D97-AF65-F5344CB8AC3E}">
-        <p14:creationId xmlns:p14="http://schemas.microsoft.com/office/powerpoint/2010/main" val="2059446900"/>
+        <p14:creationId xmlns:p14="http://schemas.microsoft.com/office/powerpoint/2010/main" val="2789775945"/>
+      </p:ext>
+    </p:extLst>
+  </p:cSld>
+  <p:clrMapOvr>
+    <a:masterClrMapping/>
+  </p:clrMapOvr>
+</p:sld>
+</file>
+
+<file path=ppt/slides/slide2.xml><?xml version="1.0" encoding="utf-8"?>
+<p:sld xmlns:a="http://schemas.openxmlformats.org/drawingml/2006/main" xmlns:r="http://schemas.openxmlformats.org/officeDocument/2006/relationships" xmlns:p="http://schemas.openxmlformats.org/presentationml/2006/main">
+  <p:cSld>
+    <p:spTree>
+      <p:nvGrpSpPr>
+        <p:cNvPr id="1" name=""/>
+        <p:cNvGrpSpPr/>
+        <p:nvPr/>
+      </p:nvGrpSpPr>
+      <p:grpSpPr>
+        <a:xfrm>
+          <a:off x="0" y="0"/>
+          <a:ext cx="0" cy="0"/>
+          <a:chOff x="0" y="0"/>
+          <a:chExt cx="0" cy="0"/>
+        </a:xfrm>
+      </p:grpSpPr>
+      <p:sp>
+        <p:nvSpPr>
+          <p:cNvPr id="4" name="Title 3">
+            <a:extLst>
+              <a:ext uri="{FF2B5EF4-FFF2-40B4-BE49-F238E27FC236}">
+                <a16:creationId xmlns:a16="http://schemas.microsoft.com/office/drawing/2014/main" id="{096CCFBC-CEEA-8445-9C0A-80973839FEA5}"/>
+              </a:ext>
+            </a:extLst>
+          </p:cNvPr>
+          <p:cNvSpPr>
+            <a:spLocks noGrp="1"/>
+          </p:cNvSpPr>
+          <p:nvPr>
+            <p:ph type="title" idx="4294967295"/>
+          </p:nvPr>
+        </p:nvSpPr>
+        <p:spPr>
+          <a:xfrm>
+            <a:off x="285750" y="211873"/>
+            <a:ext cx="8572500" cy="1003610"/>
+          </a:xfrm>
+          <a:prstGeom prst="rect">
+            <a:avLst/>
+          </a:prstGeom>
+        </p:spPr>
+        <p:txBody>
+          <a:bodyPr>
+            <a:normAutofit/>
+          </a:bodyPr>
+          <a:lstStyle/>
+          <a:p>
+            <a:r>
+              <a:rPr lang="en-US" sz="3000" dirty="0">
+                <a:solidFill>
+                  <a:srgbClr val="A7934B"/>
+                </a:solidFill>
+                <a:latin typeface="Roboto" panose="02000000000000000000" pitchFamily="2" charset="0"/>
+                <a:ea typeface="Roboto" panose="02000000000000000000" pitchFamily="2" charset="0"/>
+                <a:cs typeface="Roboto" panose="02000000000000000000" pitchFamily="2" charset="0"/>
+              </a:rPr>
+              <a:t>Overview  </a:t>
+            </a:r>
+          </a:p>
+        </p:txBody>
+      </p:sp>
+      <p:sp>
+        <p:nvSpPr>
+          <p:cNvPr id="5" name="Content Placeholder 4">
+            <a:extLst>
+              <a:ext uri="{FF2B5EF4-FFF2-40B4-BE49-F238E27FC236}">
+                <a16:creationId xmlns:a16="http://schemas.microsoft.com/office/drawing/2014/main" id="{19ACE267-5498-454D-8569-493E6EDFE21F}"/>
+              </a:ext>
+            </a:extLst>
+          </p:cNvPr>
+          <p:cNvSpPr>
+            <a:spLocks noGrp="1"/>
+          </p:cNvSpPr>
+          <p:nvPr>
+            <p:ph idx="1"/>
+          </p:nvPr>
+        </p:nvSpPr>
+        <p:spPr>
+          <a:xfrm>
+            <a:off x="285750" y="1247013"/>
+            <a:ext cx="8572500" cy="4596355"/>
+          </a:xfrm>
+        </p:spPr>
+        <p:txBody>
+          <a:bodyPr/>
+          <a:lstStyle/>
+          <a:p>
+            <a:endParaRPr lang="en-US" dirty="0">
+              <a:solidFill>
+                <a:srgbClr val="003057"/>
+              </a:solidFill>
+            </a:endParaRPr>
+          </a:p>
+        </p:txBody>
+      </p:sp>
+    </p:spTree>
+    <p:extLst>
+      <p:ext uri="{BB962C8B-B14F-4D97-AF65-F5344CB8AC3E}">
+        <p14:creationId xmlns:p14="http://schemas.microsoft.com/office/powerpoint/2010/main" val="1202801052"/>
+      </p:ext>
+    </p:extLst>
+  </p:cSld>
+  <p:clrMapOvr>
+    <a:masterClrMapping/>
+  </p:clrMapOvr>
+</p:sld>
+</file>
+
+<file path=ppt/slides/slide3.xml><?xml version="1.0" encoding="utf-8"?>
+<p:sld xmlns:a="http://schemas.openxmlformats.org/drawingml/2006/main" xmlns:r="http://schemas.openxmlformats.org/officeDocument/2006/relationships" xmlns:p="http://schemas.openxmlformats.org/presentationml/2006/main">
+  <p:cSld>
+    <p:spTree>
+      <p:nvGrpSpPr>
+        <p:cNvPr id="1" name=""/>
+        <p:cNvGrpSpPr/>
+        <p:nvPr/>
+      </p:nvGrpSpPr>
+      <p:grpSpPr>
+        <a:xfrm>
+          <a:off x="0" y="0"/>
+          <a:ext cx="0" cy="0"/>
+          <a:chOff x="0" y="0"/>
+          <a:chExt cx="0" cy="0"/>
+        </a:xfrm>
+      </p:grpSpPr>
+      <p:sp>
+        <p:nvSpPr>
+          <p:cNvPr id="4" name="Title 3">
+            <a:extLst>
+              <a:ext uri="{FF2B5EF4-FFF2-40B4-BE49-F238E27FC236}">
+                <a16:creationId xmlns:a16="http://schemas.microsoft.com/office/drawing/2014/main" id="{096CCFBC-CEEA-8445-9C0A-80973839FEA5}"/>
+              </a:ext>
+            </a:extLst>
+          </p:cNvPr>
+          <p:cNvSpPr>
+            <a:spLocks noGrp="1"/>
+          </p:cNvSpPr>
+          <p:nvPr>
+            <p:ph type="title" idx="4294967295"/>
+          </p:nvPr>
+        </p:nvSpPr>
+        <p:spPr>
+          <a:xfrm>
+            <a:off x="285750" y="211873"/>
+            <a:ext cx="8572500" cy="1003610"/>
+          </a:xfrm>
+          <a:prstGeom prst="rect">
+            <a:avLst/>
+          </a:prstGeom>
+        </p:spPr>
+        <p:txBody>
+          <a:bodyPr>
+            <a:normAutofit/>
+          </a:bodyPr>
+          <a:lstStyle/>
+          <a:p>
+            <a:r>
+              <a:rPr lang="en-US" sz="3000">
+                <a:solidFill>
+                  <a:srgbClr val="A7934B"/>
+                </a:solidFill>
+                <a:latin typeface="Roboto" panose="02000000000000000000" pitchFamily="2" charset="0"/>
+                <a:ea typeface="Roboto" panose="02000000000000000000" pitchFamily="2" charset="0"/>
+                <a:cs typeface="Roboto" panose="02000000000000000000" pitchFamily="2" charset="0"/>
+              </a:rPr>
+              <a:t>Hardware  </a:t>
+            </a:r>
+            <a:endParaRPr lang="en-US" sz="3000" dirty="0">
+              <a:solidFill>
+                <a:srgbClr val="A7934B"/>
+              </a:solidFill>
+              <a:latin typeface="Roboto" panose="02000000000000000000" pitchFamily="2" charset="0"/>
+              <a:ea typeface="Roboto" panose="02000000000000000000" pitchFamily="2" charset="0"/>
+              <a:cs typeface="Roboto" panose="02000000000000000000" pitchFamily="2" charset="0"/>
+            </a:endParaRPr>
+          </a:p>
+        </p:txBody>
+      </p:sp>
+      <p:sp>
+        <p:nvSpPr>
+          <p:cNvPr id="5" name="Content Placeholder 4">
+            <a:extLst>
+              <a:ext uri="{FF2B5EF4-FFF2-40B4-BE49-F238E27FC236}">
+                <a16:creationId xmlns:a16="http://schemas.microsoft.com/office/drawing/2014/main" id="{19ACE267-5498-454D-8569-493E6EDFE21F}"/>
+              </a:ext>
+            </a:extLst>
+          </p:cNvPr>
+          <p:cNvSpPr>
+            <a:spLocks noGrp="1"/>
+          </p:cNvSpPr>
+          <p:nvPr>
+            <p:ph idx="1"/>
+          </p:nvPr>
+        </p:nvSpPr>
+        <p:spPr>
+          <a:xfrm>
+            <a:off x="285750" y="1247013"/>
+            <a:ext cx="8572500" cy="4596355"/>
+          </a:xfrm>
+        </p:spPr>
+        <p:txBody>
+          <a:bodyPr/>
+          <a:lstStyle/>
+          <a:p>
+            <a:endParaRPr lang="en-US" dirty="0">
+              <a:solidFill>
+                <a:srgbClr val="003057"/>
+              </a:solidFill>
+            </a:endParaRPr>
+          </a:p>
+        </p:txBody>
+      </p:sp>
+    </p:spTree>
+    <p:extLst>
+      <p:ext uri="{BB962C8B-B14F-4D97-AF65-F5344CB8AC3E}">
+        <p14:creationId xmlns:p14="http://schemas.microsoft.com/office/powerpoint/2010/main" val="2175616045"/>
+      </p:ext>
+    </p:extLst>
+  </p:cSld>
+  <p:clrMapOvr>
+    <a:masterClrMapping/>
+  </p:clrMapOvr>
+</p:sld>
+</file>
+
+<file path=ppt/slides/slide4.xml><?xml version="1.0" encoding="utf-8"?>
+<p:sld xmlns:a="http://schemas.openxmlformats.org/drawingml/2006/main" xmlns:r="http://schemas.openxmlformats.org/officeDocument/2006/relationships" xmlns:p="http://schemas.openxmlformats.org/presentationml/2006/main">
+  <p:cSld>
+    <p:spTree>
+      <p:nvGrpSpPr>
+        <p:cNvPr id="1" name=""/>
+        <p:cNvGrpSpPr/>
+        <p:nvPr/>
+      </p:nvGrpSpPr>
+      <p:grpSpPr>
+        <a:xfrm>
+          <a:off x="0" y="0"/>
+          <a:ext cx="0" cy="0"/>
+          <a:chOff x="0" y="0"/>
+          <a:chExt cx="0" cy="0"/>
+        </a:xfrm>
+      </p:grpSpPr>
+      <p:sp>
+        <p:nvSpPr>
+          <p:cNvPr id="4" name="Title 3">
+            <a:extLst>
+              <a:ext uri="{FF2B5EF4-FFF2-40B4-BE49-F238E27FC236}">
+                <a16:creationId xmlns:a16="http://schemas.microsoft.com/office/drawing/2014/main" id="{096CCFBC-CEEA-8445-9C0A-80973839FEA5}"/>
+              </a:ext>
+            </a:extLst>
+          </p:cNvPr>
+          <p:cNvSpPr>
+            <a:spLocks noGrp="1"/>
+          </p:cNvSpPr>
+          <p:nvPr>
+            <p:ph type="title" idx="4294967295"/>
+          </p:nvPr>
+        </p:nvSpPr>
+        <p:spPr>
+          <a:xfrm>
+            <a:off x="285750" y="211873"/>
+            <a:ext cx="8572500" cy="1003610"/>
+          </a:xfrm>
+          <a:prstGeom prst="rect">
+            <a:avLst/>
+          </a:prstGeom>
+        </p:spPr>
+        <p:txBody>
+          <a:bodyPr>
+            <a:normAutofit/>
+          </a:bodyPr>
+          <a:lstStyle/>
+          <a:p>
+            <a:r>
+              <a:rPr lang="en-US" sz="3000" dirty="0">
+                <a:solidFill>
+                  <a:srgbClr val="A7934B"/>
+                </a:solidFill>
+                <a:latin typeface="Roboto" panose="02000000000000000000" pitchFamily="2" charset="0"/>
+                <a:ea typeface="Roboto" panose="02000000000000000000" pitchFamily="2" charset="0"/>
+                <a:cs typeface="Roboto" panose="02000000000000000000" pitchFamily="2" charset="0"/>
+              </a:rPr>
+              <a:t>Software </a:t>
+            </a:r>
+          </a:p>
+        </p:txBody>
+      </p:sp>
+      <p:sp>
+        <p:nvSpPr>
+          <p:cNvPr id="5" name="Content Placeholder 4">
+            <a:extLst>
+              <a:ext uri="{FF2B5EF4-FFF2-40B4-BE49-F238E27FC236}">
+                <a16:creationId xmlns:a16="http://schemas.microsoft.com/office/drawing/2014/main" id="{19ACE267-5498-454D-8569-493E6EDFE21F}"/>
+              </a:ext>
+            </a:extLst>
+          </p:cNvPr>
+          <p:cNvSpPr>
+            <a:spLocks noGrp="1"/>
+          </p:cNvSpPr>
+          <p:nvPr>
+            <p:ph idx="1"/>
+          </p:nvPr>
+        </p:nvSpPr>
+        <p:spPr>
+          <a:xfrm>
+            <a:off x="285750" y="1247013"/>
+            <a:ext cx="8572500" cy="4596355"/>
+          </a:xfrm>
+        </p:spPr>
+        <p:txBody>
+          <a:bodyPr/>
+          <a:lstStyle/>
+          <a:p>
+            <a:endParaRPr lang="en-US" dirty="0">
+              <a:solidFill>
+                <a:srgbClr val="003057"/>
+              </a:solidFill>
+            </a:endParaRPr>
+          </a:p>
+        </p:txBody>
+      </p:sp>
+    </p:spTree>
+    <p:extLst>
+      <p:ext uri="{BB962C8B-B14F-4D97-AF65-F5344CB8AC3E}">
+        <p14:creationId xmlns:p14="http://schemas.microsoft.com/office/powerpoint/2010/main" val="2480717214"/>
+      </p:ext>
+    </p:extLst>
+  </p:cSld>
+  <p:clrMapOvr>
+    <a:masterClrMapping/>
+  </p:clrMapOvr>
+</p:sld>
+</file>
+
+<file path=ppt/slides/slide5.xml><?xml version="1.0" encoding="utf-8"?>
+<p:sld xmlns:a="http://schemas.openxmlformats.org/drawingml/2006/main" xmlns:r="http://schemas.openxmlformats.org/officeDocument/2006/relationships" xmlns:p="http://schemas.openxmlformats.org/presentationml/2006/main">
+  <p:cSld>
+    <p:spTree>
+      <p:nvGrpSpPr>
+        <p:cNvPr id="1" name=""/>
+        <p:cNvGrpSpPr/>
+        <p:nvPr/>
+      </p:nvGrpSpPr>
+      <p:grpSpPr>
+        <a:xfrm>
+          <a:off x="0" y="0"/>
+          <a:ext cx="0" cy="0"/>
+          <a:chOff x="0" y="0"/>
+          <a:chExt cx="0" cy="0"/>
+        </a:xfrm>
+      </p:grpSpPr>
+      <p:sp>
+        <p:nvSpPr>
+          <p:cNvPr id="4" name="Title 3">
+            <a:extLst>
+              <a:ext uri="{FF2B5EF4-FFF2-40B4-BE49-F238E27FC236}">
+                <a16:creationId xmlns:a16="http://schemas.microsoft.com/office/drawing/2014/main" id="{096CCFBC-CEEA-8445-9C0A-80973839FEA5}"/>
+              </a:ext>
+            </a:extLst>
+          </p:cNvPr>
+          <p:cNvSpPr>
+            <a:spLocks noGrp="1"/>
+          </p:cNvSpPr>
+          <p:nvPr>
+            <p:ph type="title" idx="4294967295"/>
+          </p:nvPr>
+        </p:nvSpPr>
+        <p:spPr>
+          <a:xfrm>
+            <a:off x="285750" y="211873"/>
+            <a:ext cx="8572500" cy="1003610"/>
+          </a:xfrm>
+          <a:prstGeom prst="rect">
+            <a:avLst/>
+          </a:prstGeom>
+        </p:spPr>
+        <p:txBody>
+          <a:bodyPr>
+            <a:normAutofit/>
+          </a:bodyPr>
+          <a:lstStyle/>
+          <a:p>
+            <a:r>
+              <a:rPr lang="en-US" sz="3000" dirty="0">
+                <a:solidFill>
+                  <a:srgbClr val="A7934B"/>
+                </a:solidFill>
+                <a:latin typeface="Roboto" panose="02000000000000000000" pitchFamily="2" charset="0"/>
+                <a:ea typeface="Roboto" panose="02000000000000000000" pitchFamily="2" charset="0"/>
+                <a:cs typeface="Roboto" panose="02000000000000000000" pitchFamily="2" charset="0"/>
+              </a:rPr>
+              <a:t>Demo </a:t>
+            </a:r>
+          </a:p>
+        </p:txBody>
+      </p:sp>
+      <p:sp>
+        <p:nvSpPr>
+          <p:cNvPr id="5" name="Content Placeholder 4">
+            <a:extLst>
+              <a:ext uri="{FF2B5EF4-FFF2-40B4-BE49-F238E27FC236}">
+                <a16:creationId xmlns:a16="http://schemas.microsoft.com/office/drawing/2014/main" id="{19ACE267-5498-454D-8569-493E6EDFE21F}"/>
+              </a:ext>
+            </a:extLst>
+          </p:cNvPr>
+          <p:cNvSpPr>
+            <a:spLocks noGrp="1"/>
+          </p:cNvSpPr>
+          <p:nvPr>
+            <p:ph idx="1"/>
+          </p:nvPr>
+        </p:nvSpPr>
+        <p:spPr>
+          <a:xfrm>
+            <a:off x="285750" y="1247013"/>
+            <a:ext cx="8572500" cy="4596355"/>
+          </a:xfrm>
+        </p:spPr>
+        <p:txBody>
+          <a:bodyPr/>
+          <a:lstStyle/>
+          <a:p>
+            <a:endParaRPr lang="en-US" dirty="0">
+              <a:solidFill>
+                <a:srgbClr val="003057"/>
+              </a:solidFill>
+            </a:endParaRPr>
+          </a:p>
+        </p:txBody>
+      </p:sp>
+    </p:spTree>
+    <p:extLst>
+      <p:ext uri="{BB962C8B-B14F-4D97-AF65-F5344CB8AC3E}">
+        <p14:creationId xmlns:p14="http://schemas.microsoft.com/office/powerpoint/2010/main" val="3059607603"/>
+      </p:ext>
+    </p:extLst>
+  </p:cSld>
+  <p:clrMapOvr>
+    <a:masterClrMapping/>
+  </p:clrMapOvr>
+</p:sld>
+</file>
+
+<file path=ppt/slides/slide6.xml><?xml version="1.0" encoding="utf-8"?>
+<p:sld xmlns:a="http://schemas.openxmlformats.org/drawingml/2006/main" xmlns:r="http://schemas.openxmlformats.org/officeDocument/2006/relationships" xmlns:p="http://schemas.openxmlformats.org/presentationml/2006/main">
+  <p:cSld>
+    <p:spTree>
+      <p:nvGrpSpPr>
+        <p:cNvPr id="1" name=""/>
+        <p:cNvGrpSpPr/>
+        <p:nvPr/>
+      </p:nvGrpSpPr>
+      <p:grpSpPr>
+        <a:xfrm>
+          <a:off x="0" y="0"/>
+          <a:ext cx="0" cy="0"/>
+          <a:chOff x="0" y="0"/>
+          <a:chExt cx="0" cy="0"/>
+        </a:xfrm>
+      </p:grpSpPr>
+      <p:sp>
+        <p:nvSpPr>
+          <p:cNvPr id="4" name="Title 3">
+            <a:extLst>
+              <a:ext uri="{FF2B5EF4-FFF2-40B4-BE49-F238E27FC236}">
+                <a16:creationId xmlns:a16="http://schemas.microsoft.com/office/drawing/2014/main" id="{096CCFBC-CEEA-8445-9C0A-80973839FEA5}"/>
+              </a:ext>
+            </a:extLst>
+          </p:cNvPr>
+          <p:cNvSpPr>
+            <a:spLocks noGrp="1"/>
+          </p:cNvSpPr>
+          <p:nvPr>
+            <p:ph type="title" idx="4294967295"/>
+          </p:nvPr>
+        </p:nvSpPr>
+        <p:spPr>
+          <a:xfrm>
+            <a:off x="285750" y="211873"/>
+            <a:ext cx="8572500" cy="1003610"/>
+          </a:xfrm>
+          <a:prstGeom prst="rect">
+            <a:avLst/>
+          </a:prstGeom>
+        </p:spPr>
+        <p:txBody>
+          <a:bodyPr>
+            <a:normAutofit/>
+          </a:bodyPr>
+          <a:lstStyle/>
+          <a:p>
+            <a:r>
+              <a:rPr lang="en-US" sz="3000" dirty="0">
+                <a:solidFill>
+                  <a:srgbClr val="A7934B"/>
+                </a:solidFill>
+                <a:latin typeface="Roboto" panose="02000000000000000000" pitchFamily="2" charset="0"/>
+                <a:ea typeface="Roboto" panose="02000000000000000000" pitchFamily="2" charset="0"/>
+                <a:cs typeface="Roboto" panose="02000000000000000000" pitchFamily="2" charset="0"/>
+              </a:rPr>
+              <a:t>Future Implementations </a:t>
+            </a:r>
+          </a:p>
+        </p:txBody>
+      </p:sp>
+      <p:sp>
+        <p:nvSpPr>
+          <p:cNvPr id="5" name="Content Placeholder 4">
+            <a:extLst>
+              <a:ext uri="{FF2B5EF4-FFF2-40B4-BE49-F238E27FC236}">
+                <a16:creationId xmlns:a16="http://schemas.microsoft.com/office/drawing/2014/main" id="{19ACE267-5498-454D-8569-493E6EDFE21F}"/>
+              </a:ext>
+            </a:extLst>
+          </p:cNvPr>
+          <p:cNvSpPr>
+            <a:spLocks noGrp="1"/>
+          </p:cNvSpPr>
+          <p:nvPr>
+            <p:ph idx="1"/>
+          </p:nvPr>
+        </p:nvSpPr>
+        <p:spPr>
+          <a:xfrm>
+            <a:off x="285750" y="1247013"/>
+            <a:ext cx="8572500" cy="4596355"/>
+          </a:xfrm>
+        </p:spPr>
+        <p:txBody>
+          <a:bodyPr/>
+          <a:lstStyle/>
+          <a:p>
+            <a:endParaRPr lang="en-US" dirty="0">
+              <a:solidFill>
+                <a:srgbClr val="003057"/>
+              </a:solidFill>
+            </a:endParaRPr>
+          </a:p>
+        </p:txBody>
+      </p:sp>
+    </p:spTree>
+    <p:extLst>
+      <p:ext uri="{BB962C8B-B14F-4D97-AF65-F5344CB8AC3E}">
+        <p14:creationId xmlns:p14="http://schemas.microsoft.com/office/powerpoint/2010/main" val="283156696"/>
       </p:ext>
     </p:extLst>
   </p:cSld>
@@ -3399,7 +4501,332 @@
 </file>
 
 <file path=ppt/theme/theme1.xml><?xml version="1.0" encoding="utf-8"?>
-<a:theme xmlns:a="http://schemas.openxmlformats.org/drawingml/2006/main" name="Office Theme">
+<a:theme xmlns:a="http://schemas.openxmlformats.org/drawingml/2006/main" name="Custom Design">
+  <a:themeElements>
+    <a:clrScheme name="Office">
+      <a:dk1>
+        <a:sysClr val="windowText" lastClr="000000"/>
+      </a:dk1>
+      <a:lt1>
+        <a:sysClr val="window" lastClr="FFFFFF"/>
+      </a:lt1>
+      <a:dk2>
+        <a:srgbClr val="1F497D"/>
+      </a:dk2>
+      <a:lt2>
+        <a:srgbClr val="EEECE1"/>
+      </a:lt2>
+      <a:accent1>
+        <a:srgbClr val="4F81BD"/>
+      </a:accent1>
+      <a:accent2>
+        <a:srgbClr val="C0504D"/>
+      </a:accent2>
+      <a:accent3>
+        <a:srgbClr val="9BBB59"/>
+      </a:accent3>
+      <a:accent4>
+        <a:srgbClr val="8064A2"/>
+      </a:accent4>
+      <a:accent5>
+        <a:srgbClr val="4BACC6"/>
+      </a:accent5>
+      <a:accent6>
+        <a:srgbClr val="F79646"/>
+      </a:accent6>
+      <a:hlink>
+        <a:srgbClr val="0000FF"/>
+      </a:hlink>
+      <a:folHlink>
+        <a:srgbClr val="800080"/>
+      </a:folHlink>
+    </a:clrScheme>
+    <a:fontScheme name="Arial">
+      <a:majorFont>
+        <a:latin typeface="Arial" panose="020B0604020202020204"/>
+        <a:ea typeface=""/>
+        <a:cs typeface=""/>
+        <a:font script="Jpan" typeface="ＭＳ Ｐゴシック"/>
+        <a:font script="Hang" typeface="굴림"/>
+        <a:font script="Hans" typeface="黑体"/>
+        <a:font script="Hant" typeface="微軟正黑體"/>
+        <a:font script="Arab" typeface="Arial"/>
+        <a:font script="Hebr" typeface="Arial"/>
+        <a:font script="Thai" typeface="Cordia New"/>
+        <a:font script="Ethi" typeface="Nyala"/>
+        <a:font script="Beng" typeface="Vrinda"/>
+        <a:font script="Gujr" typeface="Shruti"/>
+        <a:font script="Khmr" typeface="DaunPenh"/>
+        <a:font script="Knda" typeface="Tunga"/>
+        <a:font script="Guru" typeface="Raavi"/>
+        <a:font script="Cans" typeface="Euphemia"/>
+        <a:font script="Cher" typeface="Plantagenet Cherokee"/>
+        <a:font script="Yiii" typeface="Microsoft Yi Baiti"/>
+        <a:font script="Tibt" typeface="Microsoft Himalaya"/>
+        <a:font script="Thaa" typeface="MV Boli"/>
+        <a:font script="Deva" typeface="Mangal"/>
+        <a:font script="Telu" typeface="Gautami"/>
+        <a:font script="Taml" typeface="Latha"/>
+        <a:font script="Syrc" typeface="Estrangelo Edessa"/>
+        <a:font script="Orya" typeface="Kalinga"/>
+        <a:font script="Mlym" typeface="Kartika"/>
+        <a:font script="Laoo" typeface="DokChampa"/>
+        <a:font script="Sinh" typeface="Iskoola Pota"/>
+        <a:font script="Mong" typeface="Mongolian Baiti"/>
+        <a:font script="Viet" typeface="Arial"/>
+        <a:font script="Uigh" typeface="Microsoft Uighur"/>
+        <a:font script="Geor" typeface="Sylfaen"/>
+      </a:majorFont>
+      <a:minorFont>
+        <a:latin typeface="Arial" panose="020B0604020202020204"/>
+        <a:ea typeface=""/>
+        <a:cs typeface=""/>
+        <a:font script="Jpan" typeface="ＭＳ Ｐゴシック"/>
+        <a:font script="Hang" typeface="굴림"/>
+        <a:font script="Hans" typeface="黑体"/>
+        <a:font script="Hant" typeface="微軟正黑體"/>
+        <a:font script="Arab" typeface="Arial"/>
+        <a:font script="Hebr" typeface="Arial"/>
+        <a:font script="Thai" typeface="Cordia New"/>
+        <a:font script="Ethi" typeface="Nyala"/>
+        <a:font script="Beng" typeface="Vrinda"/>
+        <a:font script="Gujr" typeface="Shruti"/>
+        <a:font script="Khmr" typeface="DaunPenh"/>
+        <a:font script="Knda" typeface="Tunga"/>
+        <a:font script="Guru" typeface="Raavi"/>
+        <a:font script="Cans" typeface="Euphemia"/>
+        <a:font script="Cher" typeface="Plantagenet Cherokee"/>
+        <a:font script="Yiii" typeface="Microsoft Yi Baiti"/>
+        <a:font script="Tibt" typeface="Microsoft Himalaya"/>
+        <a:font script="Thaa" typeface="MV Boli"/>
+        <a:font script="Deva" typeface="Mangal"/>
+        <a:font script="Telu" typeface="Gautami"/>
+        <a:font script="Taml" typeface="Latha"/>
+        <a:font script="Syrc" typeface="Estrangelo Edessa"/>
+        <a:font script="Orya" typeface="Kalinga"/>
+        <a:font script="Mlym" typeface="Kartika"/>
+        <a:font script="Laoo" typeface="DokChampa"/>
+        <a:font script="Sinh" typeface="Iskoola Pota"/>
+        <a:font script="Mong" typeface="Mongolian Baiti"/>
+        <a:font script="Viet" typeface="Arial"/>
+        <a:font script="Uigh" typeface="Microsoft Uighur"/>
+        <a:font script="Geor" typeface="Sylfaen"/>
+      </a:minorFont>
+    </a:fontScheme>
+    <a:fmtScheme name="Office">
+      <a:fillStyleLst>
+        <a:solidFill>
+          <a:schemeClr val="phClr"/>
+        </a:solidFill>
+        <a:gradFill rotWithShape="1">
+          <a:gsLst>
+            <a:gs pos="0">
+              <a:schemeClr val="phClr">
+                <a:tint val="50000"/>
+                <a:satMod val="300000"/>
+              </a:schemeClr>
+            </a:gs>
+            <a:gs pos="35000">
+              <a:schemeClr val="phClr">
+                <a:tint val="37000"/>
+                <a:satMod val="300000"/>
+              </a:schemeClr>
+            </a:gs>
+            <a:gs pos="100000">
+              <a:schemeClr val="phClr">
+                <a:tint val="15000"/>
+                <a:satMod val="350000"/>
+              </a:schemeClr>
+            </a:gs>
+          </a:gsLst>
+          <a:lin ang="16200000" scaled="1"/>
+        </a:gradFill>
+        <a:gradFill rotWithShape="1">
+          <a:gsLst>
+            <a:gs pos="0">
+              <a:schemeClr val="phClr">
+                <a:tint val="100000"/>
+                <a:shade val="100000"/>
+                <a:satMod val="130000"/>
+              </a:schemeClr>
+            </a:gs>
+            <a:gs pos="100000">
+              <a:schemeClr val="phClr">
+                <a:tint val="50000"/>
+                <a:shade val="100000"/>
+                <a:satMod val="350000"/>
+              </a:schemeClr>
+            </a:gs>
+          </a:gsLst>
+          <a:lin ang="16200000" scaled="0"/>
+        </a:gradFill>
+      </a:fillStyleLst>
+      <a:lnStyleLst>
+        <a:ln w="9525" cap="flat" cmpd="sng" algn="ctr">
+          <a:solidFill>
+            <a:schemeClr val="phClr">
+              <a:shade val="95000"/>
+              <a:satMod val="105000"/>
+            </a:schemeClr>
+          </a:solidFill>
+          <a:prstDash val="solid"/>
+        </a:ln>
+        <a:ln w="25400" cap="flat" cmpd="sng" algn="ctr">
+          <a:solidFill>
+            <a:schemeClr val="phClr"/>
+          </a:solidFill>
+          <a:prstDash val="solid"/>
+        </a:ln>
+        <a:ln w="38100" cap="flat" cmpd="sng" algn="ctr">
+          <a:solidFill>
+            <a:schemeClr val="phClr"/>
+          </a:solidFill>
+          <a:prstDash val="solid"/>
+        </a:ln>
+      </a:lnStyleLst>
+      <a:effectStyleLst>
+        <a:effectStyle>
+          <a:effectLst>
+            <a:outerShdw blurRad="40000" dist="20000" dir="5400000" rotWithShape="0">
+              <a:srgbClr val="000000">
+                <a:alpha val="38000"/>
+              </a:srgbClr>
+            </a:outerShdw>
+          </a:effectLst>
+        </a:effectStyle>
+        <a:effectStyle>
+          <a:effectLst>
+            <a:outerShdw blurRad="40000" dist="23000" dir="5400000" rotWithShape="0">
+              <a:srgbClr val="000000">
+                <a:alpha val="35000"/>
+              </a:srgbClr>
+            </a:outerShdw>
+          </a:effectLst>
+        </a:effectStyle>
+        <a:effectStyle>
+          <a:effectLst>
+            <a:outerShdw blurRad="40000" dist="23000" dir="5400000" rotWithShape="0">
+              <a:srgbClr val="000000">
+                <a:alpha val="35000"/>
+              </a:srgbClr>
+            </a:outerShdw>
+          </a:effectLst>
+          <a:scene3d>
+            <a:camera prst="orthographicFront">
+              <a:rot lat="0" lon="0" rev="0"/>
+            </a:camera>
+            <a:lightRig rig="threePt" dir="t">
+              <a:rot lat="0" lon="0" rev="1200000"/>
+            </a:lightRig>
+          </a:scene3d>
+          <a:sp3d>
+            <a:bevelT w="63500" h="25400"/>
+          </a:sp3d>
+        </a:effectStyle>
+      </a:effectStyleLst>
+      <a:bgFillStyleLst>
+        <a:solidFill>
+          <a:schemeClr val="phClr"/>
+        </a:solidFill>
+        <a:gradFill rotWithShape="1">
+          <a:gsLst>
+            <a:gs pos="0">
+              <a:schemeClr val="phClr">
+                <a:tint val="40000"/>
+                <a:satMod val="350000"/>
+              </a:schemeClr>
+            </a:gs>
+            <a:gs pos="40000">
+              <a:schemeClr val="phClr">
+                <a:tint val="45000"/>
+                <a:shade val="99000"/>
+                <a:satMod val="350000"/>
+              </a:schemeClr>
+            </a:gs>
+            <a:gs pos="100000">
+              <a:schemeClr val="phClr">
+                <a:shade val="20000"/>
+                <a:satMod val="255000"/>
+              </a:schemeClr>
+            </a:gs>
+          </a:gsLst>
+          <a:path path="circle">
+            <a:fillToRect l="50000" t="-80000" r="50000" b="180000"/>
+          </a:path>
+        </a:gradFill>
+        <a:gradFill rotWithShape="1">
+          <a:gsLst>
+            <a:gs pos="0">
+              <a:schemeClr val="phClr">
+                <a:tint val="80000"/>
+                <a:satMod val="300000"/>
+              </a:schemeClr>
+            </a:gs>
+            <a:gs pos="100000">
+              <a:schemeClr val="phClr">
+                <a:shade val="30000"/>
+                <a:satMod val="200000"/>
+              </a:schemeClr>
+            </a:gs>
+          </a:gsLst>
+          <a:path path="circle">
+            <a:fillToRect l="50000" t="50000" r="50000" b="50000"/>
+          </a:path>
+        </a:gradFill>
+      </a:bgFillStyleLst>
+    </a:fmtScheme>
+  </a:themeElements>
+  <a:objectDefaults>
+    <a:spDef>
+      <a:spPr/>
+      <a:bodyPr/>
+      <a:lstStyle/>
+      <a:style>
+        <a:lnRef idx="1">
+          <a:schemeClr val="accent1"/>
+        </a:lnRef>
+        <a:fillRef idx="3">
+          <a:schemeClr val="accent1"/>
+        </a:fillRef>
+        <a:effectRef idx="2">
+          <a:schemeClr val="accent1"/>
+        </a:effectRef>
+        <a:fontRef idx="minor">
+          <a:schemeClr val="lt1"/>
+        </a:fontRef>
+      </a:style>
+    </a:spDef>
+    <a:lnDef>
+      <a:spPr/>
+      <a:bodyPr/>
+      <a:lstStyle/>
+      <a:style>
+        <a:lnRef idx="2">
+          <a:schemeClr val="accent1"/>
+        </a:lnRef>
+        <a:fillRef idx="0">
+          <a:schemeClr val="accent1"/>
+        </a:fillRef>
+        <a:effectRef idx="1">
+          <a:schemeClr val="accent1"/>
+        </a:effectRef>
+        <a:fontRef idx="minor">
+          <a:schemeClr val="tx1"/>
+        </a:fontRef>
+      </a:style>
+    </a:lnDef>
+  </a:objectDefaults>
+  <a:extraClrSchemeLst/>
+  <a:extLst>
+    <a:ext uri="{05A4C25C-085E-4340-85A3-A5531E510DB2}">
+      <thm15:themeFamily xmlns:thm15="http://schemas.microsoft.com/office/thememl/2012/main" name="Presentation2" id="{93DDBF96-AD61-FA40-8421-9CC930325567}" vid="{9661E350-0ACC-194E-A322-9FDEFE5317BF}"/>
+    </a:ext>
+  </a:extLst>
+</a:theme>
+</file>
+
+<file path=ppt/theme/theme2.xml><?xml version="1.0" encoding="utf-8"?>
+<a:theme xmlns:a="http://schemas.openxmlformats.org/drawingml/2006/main" name="1_Custom Design">
   <a:themeElements>
     <a:clrScheme name="Office">
       <a:dk1>
@@ -3439,67 +4866,15 @@
         <a:srgbClr val="954F72"/>
       </a:folHlink>
     </a:clrScheme>
-    <a:fontScheme name="Office">
+    <a:fontScheme name="Arial">
       <a:majorFont>
-        <a:latin typeface="Calibri Light" panose="020F0302020204030204"/>
+        <a:latin typeface="Arial" panose="020B0604020202020204"/>
         <a:ea typeface=""/>
         <a:cs typeface=""/>
-        <a:font script="Jpan" typeface="游ゴシック Light"/>
-        <a:font script="Hang" typeface="맑은 고딕"/>
-        <a:font script="Hans" typeface="等线 Light"/>
-        <a:font script="Hant" typeface="新細明體"/>
-        <a:font script="Arab" typeface="Times New Roman"/>
-        <a:font script="Hebr" typeface="Times New Roman"/>
-        <a:font script="Thai" typeface="Angsana New"/>
-        <a:font script="Ethi" typeface="Nyala"/>
-        <a:font script="Beng" typeface="Vrinda"/>
-        <a:font script="Gujr" typeface="Shruti"/>
-        <a:font script="Khmr" typeface="MoolBoran"/>
-        <a:font script="Knda" typeface="Tunga"/>
-        <a:font script="Guru" typeface="Raavi"/>
-        <a:font script="Cans" typeface="Euphemia"/>
-        <a:font script="Cher" typeface="Plantagenet Cherokee"/>
-        <a:font script="Yiii" typeface="Microsoft Yi Baiti"/>
-        <a:font script="Tibt" typeface="Microsoft Himalaya"/>
-        <a:font script="Thaa" typeface="MV Boli"/>
-        <a:font script="Deva" typeface="Mangal"/>
-        <a:font script="Telu" typeface="Gautami"/>
-        <a:font script="Taml" typeface="Latha"/>
-        <a:font script="Syrc" typeface="Estrangelo Edessa"/>
-        <a:font script="Orya" typeface="Kalinga"/>
-        <a:font script="Mlym" typeface="Kartika"/>
-        <a:font script="Laoo" typeface="DokChampa"/>
-        <a:font script="Sinh" typeface="Iskoola Pota"/>
-        <a:font script="Mong" typeface="Mongolian Baiti"/>
-        <a:font script="Viet" typeface="Times New Roman"/>
-        <a:font script="Uigh" typeface="Microsoft Uighur"/>
-        <a:font script="Geor" typeface="Sylfaen"/>
-        <a:font script="Armn" typeface="Arial"/>
-        <a:font script="Bugi" typeface="Leelawadee UI"/>
-        <a:font script="Bopo" typeface="Microsoft JhengHei"/>
-        <a:font script="Java" typeface="Javanese Text"/>
-        <a:font script="Lisu" typeface="Segoe UI"/>
-        <a:font script="Mymr" typeface="Myanmar Text"/>
-        <a:font script="Nkoo" typeface="Ebrima"/>
-        <a:font script="Olck" typeface="Nirmala UI"/>
-        <a:font script="Osma" typeface="Ebrima"/>
-        <a:font script="Phag" typeface="Phagspa"/>
-        <a:font script="Syrn" typeface="Estrangelo Edessa"/>
-        <a:font script="Syrj" typeface="Estrangelo Edessa"/>
-        <a:font script="Syre" typeface="Estrangelo Edessa"/>
-        <a:font script="Sora" typeface="Nirmala UI"/>
-        <a:font script="Tale" typeface="Microsoft Tai Le"/>
-        <a:font script="Talu" typeface="Microsoft New Tai Lue"/>
-        <a:font script="Tfng" typeface="Ebrima"/>
-      </a:majorFont>
-      <a:minorFont>
-        <a:latin typeface="Calibri" panose="020F0502020204030204"/>
-        <a:ea typeface=""/>
-        <a:cs typeface=""/>
-        <a:font script="Jpan" typeface="游ゴシック"/>
-        <a:font script="Hang" typeface="맑은 고딕"/>
-        <a:font script="Hans" typeface="等线"/>
-        <a:font script="Hant" typeface="新細明體"/>
+        <a:font script="Jpan" typeface="ＭＳ Ｐゴシック"/>
+        <a:font script="Hang" typeface="굴림"/>
+        <a:font script="Hans" typeface="黑体"/>
+        <a:font script="Hant" typeface="微軟正黑體"/>
         <a:font script="Arab" typeface="Arial"/>
         <a:font script="Hebr" typeface="Arial"/>
         <a:font script="Thai" typeface="Cordia New"/>
@@ -3526,23 +4901,41 @@
         <a:font script="Viet" typeface="Arial"/>
         <a:font script="Uigh" typeface="Microsoft Uighur"/>
         <a:font script="Geor" typeface="Sylfaen"/>
-        <a:font script="Armn" typeface="Arial"/>
-        <a:font script="Bugi" typeface="Leelawadee UI"/>
-        <a:font script="Bopo" typeface="Microsoft JhengHei"/>
-        <a:font script="Java" typeface="Javanese Text"/>
-        <a:font script="Lisu" typeface="Segoe UI"/>
-        <a:font script="Mymr" typeface="Myanmar Text"/>
-        <a:font script="Nkoo" typeface="Ebrima"/>
-        <a:font script="Olck" typeface="Nirmala UI"/>
-        <a:font script="Osma" typeface="Ebrima"/>
-        <a:font script="Phag" typeface="Phagspa"/>
-        <a:font script="Syrn" typeface="Estrangelo Edessa"/>
-        <a:font script="Syrj" typeface="Estrangelo Edessa"/>
-        <a:font script="Syre" typeface="Estrangelo Edessa"/>
-        <a:font script="Sora" typeface="Nirmala UI"/>
-        <a:font script="Tale" typeface="Microsoft Tai Le"/>
-        <a:font script="Talu" typeface="Microsoft New Tai Lue"/>
-        <a:font script="Tfng" typeface="Ebrima"/>
+      </a:majorFont>
+      <a:minorFont>
+        <a:latin typeface="Arial" panose="020B0604020202020204"/>
+        <a:ea typeface=""/>
+        <a:cs typeface=""/>
+        <a:font script="Jpan" typeface="ＭＳ Ｐゴシック"/>
+        <a:font script="Hang" typeface="굴림"/>
+        <a:font script="Hans" typeface="黑体"/>
+        <a:font script="Hant" typeface="微軟正黑體"/>
+        <a:font script="Arab" typeface="Arial"/>
+        <a:font script="Hebr" typeface="Arial"/>
+        <a:font script="Thai" typeface="Cordia New"/>
+        <a:font script="Ethi" typeface="Nyala"/>
+        <a:font script="Beng" typeface="Vrinda"/>
+        <a:font script="Gujr" typeface="Shruti"/>
+        <a:font script="Khmr" typeface="DaunPenh"/>
+        <a:font script="Knda" typeface="Tunga"/>
+        <a:font script="Guru" typeface="Raavi"/>
+        <a:font script="Cans" typeface="Euphemia"/>
+        <a:font script="Cher" typeface="Plantagenet Cherokee"/>
+        <a:font script="Yiii" typeface="Microsoft Yi Baiti"/>
+        <a:font script="Tibt" typeface="Microsoft Himalaya"/>
+        <a:font script="Thaa" typeface="MV Boli"/>
+        <a:font script="Deva" typeface="Mangal"/>
+        <a:font script="Telu" typeface="Gautami"/>
+        <a:font script="Taml" typeface="Latha"/>
+        <a:font script="Syrc" typeface="Estrangelo Edessa"/>
+        <a:font script="Orya" typeface="Kalinga"/>
+        <a:font script="Mlym" typeface="Kartika"/>
+        <a:font script="Laoo" typeface="DokChampa"/>
+        <a:font script="Sinh" typeface="Iskoola Pota"/>
+        <a:font script="Mong" typeface="Mongolian Baiti"/>
+        <a:font script="Viet" typeface="Arial"/>
+        <a:font script="Uigh" typeface="Microsoft Uighur"/>
+        <a:font script="Geor" typeface="Sylfaen"/>
       </a:minorFont>
     </a:fontScheme>
     <a:fmtScheme name="Office">
@@ -3687,7 +5080,7 @@
   <a:extraClrSchemeLst/>
   <a:extLst>
     <a:ext uri="{05A4C25C-085E-4340-85A3-A5531E510DB2}">
-      <thm15:themeFamily xmlns:thm15="http://schemas.microsoft.com/office/thememl/2012/main" name="Office Theme" id="{62F939B6-93AF-4DB8-9C6B-D6C7DFDC589F}" vid="{4A3C46E8-61CC-4603-A589-7422A47A8E4A}"/>
+      <thm15:themeFamily xmlns:thm15="http://schemas.microsoft.com/office/thememl/2012/main" name="Presentation2" id="{93DDBF96-AD61-FA40-8421-9CC930325567}" vid="{A827DD43-5DF3-A248-B5D6-CB6C63415FC2}"/>
     </a:ext>
   </a:extLst>
 </a:theme>

--- a/Gamepad Driver.pptx
+++ b/Gamepad Driver.pptx
@@ -151,7 +151,7 @@
 <file path=ppt/revisionInfo.xml><?xml version="1.0" encoding="utf-8"?>
 <p1510:revInfo xmlns:a="http://schemas.openxmlformats.org/drawingml/2006/main" xmlns:r="http://schemas.openxmlformats.org/officeDocument/2006/relationships" xmlns:p1510="http://schemas.microsoft.com/office/powerpoint/2015/10/main">
   <p1510:revLst>
-    <p1510:client id="{0BA0446B-9777-4BB1-9C37-CBF89A8262A5}" v="1" dt="2022-04-25T19:06:10.016"/>
+    <p1510:client id="{0BA0446B-9777-4BB1-9C37-CBF89A8262A5}" v="8" dt="2022-04-28T23:05:43.825"/>
   </p1510:revLst>
 </p1510:revInfo>
 </file>
@@ -161,7 +161,7 @@
   <pc:docChgLst>
     <pc:chgData name="Chang, Joshua" userId="891bc39c-03e9-4f18-83d6-fb064dcacc55" providerId="ADAL" clId="{0BA0446B-9777-4BB1-9C37-CBF89A8262A5}"/>
     <pc:docChg chg="custSel modSld">
-      <pc:chgData name="Chang, Joshua" userId="891bc39c-03e9-4f18-83d6-fb064dcacc55" providerId="ADAL" clId="{0BA0446B-9777-4BB1-9C37-CBF89A8262A5}" dt="2022-04-25T19:06:10.015" v="78" actId="1076"/>
+      <pc:chgData name="Chang, Joshua" userId="891bc39c-03e9-4f18-83d6-fb064dcacc55" providerId="ADAL" clId="{0BA0446B-9777-4BB1-9C37-CBF89A8262A5}" dt="2022-04-28T23:05:56.793" v="145" actId="20577"/>
       <pc:docMkLst>
         <pc:docMk/>
       </pc:docMkLst>
@@ -267,13 +267,13 @@
         </pc:spChg>
       </pc:sldChg>
       <pc:sldChg chg="modSp mod modClrScheme chgLayout">
-        <pc:chgData name="Chang, Joshua" userId="891bc39c-03e9-4f18-83d6-fb064dcacc55" providerId="ADAL" clId="{0BA0446B-9777-4BB1-9C37-CBF89A8262A5}" dt="2022-04-25T19:05:00.575" v="1" actId="27636"/>
+        <pc:chgData name="Chang, Joshua" userId="891bc39c-03e9-4f18-83d6-fb064dcacc55" providerId="ADAL" clId="{0BA0446B-9777-4BB1-9C37-CBF89A8262A5}" dt="2022-04-28T23:05:56.793" v="145" actId="20577"/>
         <pc:sldMkLst>
           <pc:docMk/>
           <pc:sldMk cId="1202801052" sldId="263"/>
         </pc:sldMkLst>
         <pc:spChg chg="mod ord">
-          <ac:chgData name="Chang, Joshua" userId="891bc39c-03e9-4f18-83d6-fb064dcacc55" providerId="ADAL" clId="{0BA0446B-9777-4BB1-9C37-CBF89A8262A5}" dt="2022-04-25T19:05:00.558" v="0" actId="700"/>
+          <ac:chgData name="Chang, Joshua" userId="891bc39c-03e9-4f18-83d6-fb064dcacc55" providerId="ADAL" clId="{0BA0446B-9777-4BB1-9C37-CBF89A8262A5}" dt="2022-04-28T23:05:56.793" v="145" actId="20577"/>
           <ac:spMkLst>
             <pc:docMk/>
             <pc:sldMk cId="1202801052" sldId="263"/>
@@ -297,14 +297,14 @@
           </ac:picMkLst>
         </pc:picChg>
       </pc:sldChg>
-      <pc:sldChg chg="modSp mod modClrScheme chgLayout">
-        <pc:chgData name="Chang, Joshua" userId="891bc39c-03e9-4f18-83d6-fb064dcacc55" providerId="ADAL" clId="{0BA0446B-9777-4BB1-9C37-CBF89A8262A5}" dt="2022-04-25T19:06:10.015" v="78" actId="1076"/>
+      <pc:sldChg chg="addSp modSp mod modClrScheme chgLayout">
+        <pc:chgData name="Chang, Joshua" userId="891bc39c-03e9-4f18-83d6-fb064dcacc55" providerId="ADAL" clId="{0BA0446B-9777-4BB1-9C37-CBF89A8262A5}" dt="2022-04-28T23:05:43.824" v="137" actId="1076"/>
         <pc:sldMkLst>
           <pc:docMk/>
           <pc:sldMk cId="2175616045" sldId="264"/>
         </pc:sldMkLst>
         <pc:spChg chg="mod ord">
-          <ac:chgData name="Chang, Joshua" userId="891bc39c-03e9-4f18-83d6-fb064dcacc55" providerId="ADAL" clId="{0BA0446B-9777-4BB1-9C37-CBF89A8262A5}" dt="2022-04-25T19:05:04.838" v="2" actId="700"/>
+          <ac:chgData name="Chang, Joshua" userId="891bc39c-03e9-4f18-83d6-fb064dcacc55" providerId="ADAL" clId="{0BA0446B-9777-4BB1-9C37-CBF89A8262A5}" dt="2022-04-28T23:04:35.475" v="130" actId="20577"/>
           <ac:spMkLst>
             <pc:docMk/>
             <pc:sldMk cId="2175616045" sldId="264"/>
@@ -319,12 +319,28 @@
             <ac:spMk id="4" creationId="{096CCFBC-CEEA-8445-9C0A-80973839FEA5}"/>
           </ac:spMkLst>
         </pc:spChg>
+        <pc:picChg chg="add mod">
+          <ac:chgData name="Chang, Joshua" userId="891bc39c-03e9-4f18-83d6-fb064dcacc55" providerId="ADAL" clId="{0BA0446B-9777-4BB1-9C37-CBF89A8262A5}" dt="2022-04-28T23:05:43.824" v="137" actId="1076"/>
+          <ac:picMkLst>
+            <pc:docMk/>
+            <pc:sldMk cId="2175616045" sldId="264"/>
+            <ac:picMk id="3" creationId="{2C12D2C6-FC4C-4603-85C8-D284E08559FF}"/>
+          </ac:picMkLst>
+        </pc:picChg>
         <pc:picChg chg="mod ord">
           <ac:chgData name="Chang, Joshua" userId="891bc39c-03e9-4f18-83d6-fb064dcacc55" providerId="ADAL" clId="{0BA0446B-9777-4BB1-9C37-CBF89A8262A5}" dt="2022-04-25T19:06:10.015" v="78" actId="1076"/>
           <ac:picMkLst>
             <pc:docMk/>
             <pc:sldMk cId="2175616045" sldId="264"/>
             <ac:picMk id="1026" creationId="{DF1EDF00-1957-42C8-B3DA-6F2C30D22177}"/>
+          </ac:picMkLst>
+        </pc:picChg>
+        <pc:picChg chg="mod">
+          <ac:chgData name="Chang, Joshua" userId="891bc39c-03e9-4f18-83d6-fb064dcacc55" providerId="ADAL" clId="{0BA0446B-9777-4BB1-9C37-CBF89A8262A5}" dt="2022-04-28T23:05:36.443" v="134" actId="14100"/>
+          <ac:picMkLst>
+            <pc:docMk/>
+            <pc:sldMk cId="2175616045" sldId="264"/>
+            <ac:picMk id="1030" creationId="{6F9CAC64-813E-457A-8584-133CF4F5F729}"/>
           </ac:picMkLst>
         </pc:picChg>
       </pc:sldChg>
@@ -782,7 +798,7 @@
           <a:p>
             <a:fld id="{016554A5-B4DD-7045-B047-B7DA6D1E70A4}" type="datetimeFigureOut">
               <a:rPr lang="en-US" smtClean="0"/>
-              <a:t>4/25/2022</a:t>
+              <a:t>4/28/2022</a:t>
             </a:fld>
             <a:endParaRPr lang="en-US"/>
           </a:p>
@@ -1070,7 +1086,7 @@
           <a:p>
             <a:fld id="{016554A5-B4DD-7045-B047-B7DA6D1E70A4}" type="datetimeFigureOut">
               <a:rPr lang="en-US" smtClean="0"/>
-              <a:t>4/25/2022</a:t>
+              <a:t>4/28/2022</a:t>
             </a:fld>
             <a:endParaRPr lang="en-US"/>
           </a:p>
@@ -1268,7 +1284,7 @@
           <a:p>
             <a:fld id="{016554A5-B4DD-7045-B047-B7DA6D1E70A4}" type="datetimeFigureOut">
               <a:rPr lang="en-US" smtClean="0"/>
-              <a:t>4/25/2022</a:t>
+              <a:t>4/28/2022</a:t>
             </a:fld>
             <a:endParaRPr lang="en-US"/>
           </a:p>
@@ -1476,7 +1492,7 @@
           <a:p>
             <a:fld id="{016554A5-B4DD-7045-B047-B7DA6D1E70A4}" type="datetimeFigureOut">
               <a:rPr lang="en-US" smtClean="0"/>
-              <a:t>4/25/2022</a:t>
+              <a:t>4/28/2022</a:t>
             </a:fld>
             <a:endParaRPr lang="en-US"/>
           </a:p>
@@ -1953,7 +1969,7 @@
           <a:p>
             <a:fld id="{016554A5-B4DD-7045-B047-B7DA6D1E70A4}" type="datetimeFigureOut">
               <a:rPr lang="en-US" smtClean="0"/>
-              <a:t>4/25/2022</a:t>
+              <a:t>4/28/2022</a:t>
             </a:fld>
             <a:endParaRPr lang="en-US"/>
           </a:p>
@@ -2266,7 +2282,7 @@
           <a:p>
             <a:fld id="{016554A5-B4DD-7045-B047-B7DA6D1E70A4}" type="datetimeFigureOut">
               <a:rPr lang="en-US" smtClean="0"/>
-              <a:t>4/25/2022</a:t>
+              <a:t>4/28/2022</a:t>
             </a:fld>
             <a:endParaRPr lang="en-US"/>
           </a:p>
@@ -2474,7 +2490,7 @@
           <a:p>
             <a:fld id="{016554A5-B4DD-7045-B047-B7DA6D1E70A4}" type="datetimeFigureOut">
               <a:rPr lang="en-US" smtClean="0"/>
-              <a:t>4/25/2022</a:t>
+              <a:t>4/28/2022</a:t>
             </a:fld>
             <a:endParaRPr lang="en-US"/>
           </a:p>
@@ -2777,7 +2793,7 @@
           <a:p>
             <a:fld id="{016554A5-B4DD-7045-B047-B7DA6D1E70A4}" type="datetimeFigureOut">
               <a:rPr lang="en-US" smtClean="0"/>
-              <a:t>4/25/2022</a:t>
+              <a:t>4/28/2022</a:t>
             </a:fld>
             <a:endParaRPr lang="en-US"/>
           </a:p>
@@ -3156,7 +3172,7 @@
           <a:p>
             <a:fld id="{016554A5-B4DD-7045-B047-B7DA6D1E70A4}" type="datetimeFigureOut">
               <a:rPr lang="en-US" smtClean="0"/>
-              <a:t>4/25/2022</a:t>
+              <a:t>4/28/2022</a:t>
             </a:fld>
             <a:endParaRPr lang="en-US"/>
           </a:p>
@@ -3335,7 +3351,7 @@
           <a:p>
             <a:fld id="{016554A5-B4DD-7045-B047-B7DA6D1E70A4}" type="datetimeFigureOut">
               <a:rPr lang="en-US" smtClean="0"/>
-              <a:t>4/25/2022</a:t>
+              <a:t>4/28/2022</a:t>
             </a:fld>
             <a:endParaRPr lang="en-US"/>
           </a:p>
@@ -3448,7 +3464,7 @@
           <a:p>
             <a:fld id="{016554A5-B4DD-7045-B047-B7DA6D1E70A4}" type="datetimeFigureOut">
               <a:rPr lang="en-US" smtClean="0"/>
-              <a:t>4/25/2022</a:t>
+              <a:t>4/28/2022</a:t>
             </a:fld>
             <a:endParaRPr lang="en-US"/>
           </a:p>
@@ -3996,7 +4012,7 @@
           <a:p>
             <a:fld id="{016554A5-B4DD-7045-B047-B7DA6D1E70A4}" type="datetimeFigureOut">
               <a:rPr lang="en-US" smtClean="0"/>
-              <a:t>4/25/2022</a:t>
+              <a:t>4/28/2022</a:t>
             </a:fld>
             <a:endParaRPr lang="en-US"/>
           </a:p>
@@ -4704,6 +4720,14 @@
               <a:t>Pacman </a:t>
             </a:r>
           </a:p>
+          <a:p>
+            <a:pPr lvl="1"/>
+            <a:r>
+              <a:rPr lang="en-US"/>
+              <a:t>_______</a:t>
+            </a:r>
+            <a:endParaRPr lang="en-US" dirty="0"/>
+          </a:p>
         </p:txBody>
       </p:sp>
       <p:pic>
@@ -4765,6 +4789,53 @@
           <a:chExt cx="0" cy="0"/>
         </a:xfrm>
       </p:grpSpPr>
+      <p:pic>
+        <p:nvPicPr>
+          <p:cNvPr id="3" name="Picture 2" descr="SparkFun USB Mini-B Breakout - BOB-09966 - SparkFun Electronics">
+            <a:extLst>
+              <a:ext uri="{FF2B5EF4-FFF2-40B4-BE49-F238E27FC236}">
+                <a16:creationId xmlns:a16="http://schemas.microsoft.com/office/drawing/2014/main" id="{2C12D2C6-FC4C-4603-85C8-D284E08559FF}"/>
+              </a:ext>
+            </a:extLst>
+          </p:cNvPr>
+          <p:cNvPicPr>
+            <a:picLocks noChangeAspect="1" noChangeArrowheads="1"/>
+          </p:cNvPicPr>
+          <p:nvPr/>
+        </p:nvPicPr>
+        <p:blipFill>
+          <a:blip r:embed="rId2">
+            <a:extLst>
+              <a:ext uri="{28A0092B-C50C-407E-A947-70E740481C1C}">
+                <a14:useLocalDpi xmlns:a14="http://schemas.microsoft.com/office/drawing/2010/main" val="0"/>
+              </a:ext>
+            </a:extLst>
+          </a:blip>
+          <a:srcRect/>
+          <a:stretch>
+            <a:fillRect/>
+          </a:stretch>
+        </p:blipFill>
+        <p:spPr bwMode="auto">
+          <a:xfrm>
+            <a:off x="6943729" y="755176"/>
+            <a:ext cx="2143125" cy="2143125"/>
+          </a:xfrm>
+          <a:prstGeom prst="rect">
+            <a:avLst/>
+          </a:prstGeom>
+          <a:noFill/>
+          <a:extLst>
+            <a:ext uri="{909E8E84-426E-40DD-AFC4-6F175D3DCCD1}">
+              <a14:hiddenFill xmlns:a14="http://schemas.microsoft.com/office/drawing/2010/main">
+                <a:solidFill>
+                  <a:srgbClr val="FFFFFF"/>
+                </a:solidFill>
+              </a14:hiddenFill>
+            </a:ext>
+          </a:extLst>
+        </p:spPr>
+      </p:pic>
       <p:sp>
         <p:nvSpPr>
           <p:cNvPr id="4" name="Title 3">
@@ -4861,7 +4932,17 @@
             </a:r>
             <a:r>
               <a:rPr lang="en-US" dirty="0"/>
-              <a:t> Pushbuttons </a:t>
+              <a:t> Pushbuttons</a:t>
+            </a:r>
+          </a:p>
+          <a:p>
+            <a:r>
+              <a:rPr lang="en-US" dirty="0" err="1"/>
+              <a:t>Sparkfun</a:t>
+            </a:r>
+            <a:r>
+              <a:rPr lang="en-US" dirty="0"/>
+              <a:t> USB Mini-B Breakout Board  </a:t>
             </a:r>
           </a:p>
         </p:txBody>
@@ -4883,7 +4964,7 @@
           </p:nvPr>
         </p:nvPicPr>
         <p:blipFill>
-          <a:blip r:embed="rId2">
+          <a:blip r:embed="rId3">
             <a:extLst>
               <a:ext uri="{28A0092B-C50C-407E-A947-70E740481C1C}">
                 <a14:useLocalDpi xmlns:a14="http://schemas.microsoft.com/office/drawing/2010/main" val="0"/>
@@ -4929,7 +5010,7 @@
           <p:nvPr/>
         </p:nvPicPr>
         <p:blipFill>
-          <a:blip r:embed="rId3">
+          <a:blip r:embed="rId4">
             <a:extLst>
               <a:ext uri="{28A0092B-C50C-407E-A947-70E740481C1C}">
                 <a14:useLocalDpi xmlns:a14="http://schemas.microsoft.com/office/drawing/2010/main" val="0"/>
@@ -4976,7 +5057,7 @@
           <p:nvPr/>
         </p:nvPicPr>
         <p:blipFill>
-          <a:blip r:embed="rId4">
+          <a:blip r:embed="rId5">
             <a:extLst>
               <a:ext uri="{28A0092B-C50C-407E-A947-70E740481C1C}">
                 <a14:useLocalDpi xmlns:a14="http://schemas.microsoft.com/office/drawing/2010/main" val="0"/>
@@ -4990,8 +5071,8 @@
         </p:blipFill>
         <p:spPr bwMode="auto">
           <a:xfrm>
-            <a:off x="5685735" y="430984"/>
-            <a:ext cx="2712541" cy="2712541"/>
+            <a:off x="4428435" y="509954"/>
+            <a:ext cx="2633571" cy="2633571"/>
           </a:xfrm>
           <a:prstGeom prst="rect">
             <a:avLst/>

--- a/Gamepad Driver.pptx
+++ b/Gamepad Driver.pptx
@@ -798,7 +798,7 @@
           <a:p>
             <a:fld id="{016554A5-B4DD-7045-B047-B7DA6D1E70A4}" type="datetimeFigureOut">
               <a:rPr lang="en-US" smtClean="0"/>
-              <a:t>4/28/2022</a:t>
+              <a:t>4/29/2022</a:t>
             </a:fld>
             <a:endParaRPr lang="en-US"/>
           </a:p>
@@ -1086,7 +1086,7 @@
           <a:p>
             <a:fld id="{016554A5-B4DD-7045-B047-B7DA6D1E70A4}" type="datetimeFigureOut">
               <a:rPr lang="en-US" smtClean="0"/>
-              <a:t>4/28/2022</a:t>
+              <a:t>4/29/2022</a:t>
             </a:fld>
             <a:endParaRPr lang="en-US"/>
           </a:p>
@@ -1284,7 +1284,7 @@
           <a:p>
             <a:fld id="{016554A5-B4DD-7045-B047-B7DA6D1E70A4}" type="datetimeFigureOut">
               <a:rPr lang="en-US" smtClean="0"/>
-              <a:t>4/28/2022</a:t>
+              <a:t>4/29/2022</a:t>
             </a:fld>
             <a:endParaRPr lang="en-US"/>
           </a:p>
@@ -1492,7 +1492,7 @@
           <a:p>
             <a:fld id="{016554A5-B4DD-7045-B047-B7DA6D1E70A4}" type="datetimeFigureOut">
               <a:rPr lang="en-US" smtClean="0"/>
-              <a:t>4/28/2022</a:t>
+              <a:t>4/29/2022</a:t>
             </a:fld>
             <a:endParaRPr lang="en-US"/>
           </a:p>
@@ -1969,7 +1969,7 @@
           <a:p>
             <a:fld id="{016554A5-B4DD-7045-B047-B7DA6D1E70A4}" type="datetimeFigureOut">
               <a:rPr lang="en-US" smtClean="0"/>
-              <a:t>4/28/2022</a:t>
+              <a:t>4/29/2022</a:t>
             </a:fld>
             <a:endParaRPr lang="en-US"/>
           </a:p>
@@ -2282,7 +2282,7 @@
           <a:p>
             <a:fld id="{016554A5-B4DD-7045-B047-B7DA6D1E70A4}" type="datetimeFigureOut">
               <a:rPr lang="en-US" smtClean="0"/>
-              <a:t>4/28/2022</a:t>
+              <a:t>4/29/2022</a:t>
             </a:fld>
             <a:endParaRPr lang="en-US"/>
           </a:p>
@@ -2490,7 +2490,7 @@
           <a:p>
             <a:fld id="{016554A5-B4DD-7045-B047-B7DA6D1E70A4}" type="datetimeFigureOut">
               <a:rPr lang="en-US" smtClean="0"/>
-              <a:t>4/28/2022</a:t>
+              <a:t>4/29/2022</a:t>
             </a:fld>
             <a:endParaRPr lang="en-US"/>
           </a:p>
@@ -2793,7 +2793,7 @@
           <a:p>
             <a:fld id="{016554A5-B4DD-7045-B047-B7DA6D1E70A4}" type="datetimeFigureOut">
               <a:rPr lang="en-US" smtClean="0"/>
-              <a:t>4/28/2022</a:t>
+              <a:t>4/29/2022</a:t>
             </a:fld>
             <a:endParaRPr lang="en-US"/>
           </a:p>
@@ -3172,7 +3172,7 @@
           <a:p>
             <a:fld id="{016554A5-B4DD-7045-B047-B7DA6D1E70A4}" type="datetimeFigureOut">
               <a:rPr lang="en-US" smtClean="0"/>
-              <a:t>4/28/2022</a:t>
+              <a:t>4/29/2022</a:t>
             </a:fld>
             <a:endParaRPr lang="en-US"/>
           </a:p>
@@ -3351,7 +3351,7 @@
           <a:p>
             <a:fld id="{016554A5-B4DD-7045-B047-B7DA6D1E70A4}" type="datetimeFigureOut">
               <a:rPr lang="en-US" smtClean="0"/>
-              <a:t>4/28/2022</a:t>
+              <a:t>4/29/2022</a:t>
             </a:fld>
             <a:endParaRPr lang="en-US"/>
           </a:p>
@@ -3464,7 +3464,7 @@
           <a:p>
             <a:fld id="{016554A5-B4DD-7045-B047-B7DA6D1E70A4}" type="datetimeFigureOut">
               <a:rPr lang="en-US" smtClean="0"/>
-              <a:t>4/28/2022</a:t>
+              <a:t>4/29/2022</a:t>
             </a:fld>
             <a:endParaRPr lang="en-US"/>
           </a:p>
@@ -4012,7 +4012,7 @@
           <a:p>
             <a:fld id="{016554A5-B4DD-7045-B047-B7DA6D1E70A4}" type="datetimeFigureOut">
               <a:rPr lang="en-US" smtClean="0"/>
-              <a:t>4/28/2022</a:t>
+              <a:t>4/29/2022</a:t>
             </a:fld>
             <a:endParaRPr lang="en-US"/>
           </a:p>
@@ -5160,56 +5160,64 @@
           </a:p>
         </p:txBody>
       </p:sp>
-      <p:sp>
-        <p:nvSpPr>
-          <p:cNvPr id="2" name="Content Placeholder 1">
-            <a:extLst>
-              <a:ext uri="{FF2B5EF4-FFF2-40B4-BE49-F238E27FC236}">
-                <a16:creationId xmlns:a16="http://schemas.microsoft.com/office/drawing/2014/main" id="{E4968165-2C30-4116-AF7B-E1248340D0B7}"/>
-              </a:ext>
-            </a:extLst>
-          </p:cNvPr>
-          <p:cNvSpPr>
-            <a:spLocks noGrp="1"/>
-          </p:cNvSpPr>
+      <p:pic>
+        <p:nvPicPr>
+          <p:cNvPr id="6" name="Content Placeholder 5">
+            <a:extLst>
+              <a:ext uri="{FF2B5EF4-FFF2-40B4-BE49-F238E27FC236}">
+                <a16:creationId xmlns:a16="http://schemas.microsoft.com/office/drawing/2014/main" id="{8E0825E2-47C3-4953-B635-0B41FAB9FCD9}"/>
+              </a:ext>
+            </a:extLst>
+          </p:cNvPr>
+          <p:cNvPicPr>
+            <a:picLocks noGrp="1" noChangeAspect="1"/>
+          </p:cNvPicPr>
           <p:nvPr>
             <p:ph sz="half" idx="1"/>
           </p:nvPr>
-        </p:nvSpPr>
-        <p:spPr/>
-        <p:txBody>
-          <a:bodyPr/>
-          <a:lstStyle/>
-          <a:p>
-            <a:endParaRPr lang="en-US"/>
-          </a:p>
-        </p:txBody>
-      </p:sp>
-      <p:sp>
-        <p:nvSpPr>
-          <p:cNvPr id="3" name="Content Placeholder 2">
-            <a:extLst>
-              <a:ext uri="{FF2B5EF4-FFF2-40B4-BE49-F238E27FC236}">
-                <a16:creationId xmlns:a16="http://schemas.microsoft.com/office/drawing/2014/main" id="{276F6504-77FF-4BC5-AFA1-C38014F97D6A}"/>
-              </a:ext>
-            </a:extLst>
-          </p:cNvPr>
-          <p:cNvSpPr>
-            <a:spLocks noGrp="1"/>
-          </p:cNvSpPr>
+        </p:nvPicPr>
+        <p:blipFill>
+          <a:blip r:embed="rId2"/>
+          <a:stretch>
+            <a:fillRect/>
+          </a:stretch>
+        </p:blipFill>
+        <p:spPr>
+          <a:xfrm>
+            <a:off x="284163" y="1906365"/>
+            <a:ext cx="4211637" cy="3580258"/>
+          </a:xfrm>
+        </p:spPr>
+      </p:pic>
+      <p:pic>
+        <p:nvPicPr>
+          <p:cNvPr id="8" name="Content Placeholder 7">
+            <a:extLst>
+              <a:ext uri="{FF2B5EF4-FFF2-40B4-BE49-F238E27FC236}">
+                <a16:creationId xmlns:a16="http://schemas.microsoft.com/office/drawing/2014/main" id="{6705251F-FD4D-4DA2-AFCB-BA5C3911A102}"/>
+              </a:ext>
+            </a:extLst>
+          </p:cNvPr>
+          <p:cNvPicPr>
+            <a:picLocks noGrp="1" noChangeAspect="1"/>
+          </p:cNvPicPr>
           <p:nvPr>
             <p:ph sz="half" idx="2"/>
           </p:nvPr>
-        </p:nvSpPr>
-        <p:spPr/>
-        <p:txBody>
-          <a:bodyPr/>
-          <a:lstStyle/>
-          <a:p>
-            <a:endParaRPr lang="en-US"/>
-          </a:p>
-        </p:txBody>
-      </p:sp>
+        </p:nvPicPr>
+        <p:blipFill>
+          <a:blip r:embed="rId3"/>
+          <a:stretch>
+            <a:fillRect/>
+          </a:stretch>
+        </p:blipFill>
+        <p:spPr>
+          <a:xfrm>
+            <a:off x="5185332" y="1216025"/>
+            <a:ext cx="3135785" cy="4960938"/>
+          </a:xfrm>
+        </p:spPr>
+      </p:pic>
     </p:spTree>
     <p:extLst>
       <p:ext uri="{BB962C8B-B14F-4D97-AF65-F5344CB8AC3E}">
@@ -5411,6 +5419,13 @@
             <a:r>
               <a:rPr lang="en-US" dirty="0"/>
               <a:t>Software updates/clean up</a:t>
+            </a:r>
+          </a:p>
+          <a:p>
+            <a:pPr lvl="1"/>
+            <a:r>
+              <a:rPr lang="en-US" dirty="0"/>
+              <a:t>More configurable descriptor</a:t>
             </a:r>
           </a:p>
           <a:p>

--- a/Gamepad Driver.pptx
+++ b/Gamepad Driver.pptx
@@ -24,12 +24,12 @@
       <p:boldItalic r:id="rId12"/>
     </p:embeddedFont>
     <p:embeddedFont>
-      <p:font typeface="Roboto Condensed Light" panose="02000000000000000000" pitchFamily="2" charset="0"/>
+      <p:font typeface="Roboto Condensed Light" panose="020F0302020204030204" pitchFamily="34" charset="0"/>
       <p:regular r:id="rId13"/>
       <p:italic r:id="rId14"/>
     </p:embeddedFont>
     <p:embeddedFont>
-      <p:font typeface="Roboto Slab" panose="020B0604020202020204" charset="0"/>
+      <p:font typeface="Roboto Slab" pitchFamily="2" charset="0"/>
       <p:regular r:id="rId15"/>
       <p:bold r:id="rId16"/>
     </p:embeddedFont>
@@ -798,7 +798,7 @@
           <a:p>
             <a:fld id="{016554A5-B4DD-7045-B047-B7DA6D1E70A4}" type="datetimeFigureOut">
               <a:rPr lang="en-US" smtClean="0"/>
-              <a:t>4/29/2022</a:t>
+              <a:t>4/29/22</a:t>
             </a:fld>
             <a:endParaRPr lang="en-US"/>
           </a:p>
@@ -1086,7 +1086,7 @@
           <a:p>
             <a:fld id="{016554A5-B4DD-7045-B047-B7DA6D1E70A4}" type="datetimeFigureOut">
               <a:rPr lang="en-US" smtClean="0"/>
-              <a:t>4/29/2022</a:t>
+              <a:t>4/29/22</a:t>
             </a:fld>
             <a:endParaRPr lang="en-US"/>
           </a:p>
@@ -1284,7 +1284,7 @@
           <a:p>
             <a:fld id="{016554A5-B4DD-7045-B047-B7DA6D1E70A4}" type="datetimeFigureOut">
               <a:rPr lang="en-US" smtClean="0"/>
-              <a:t>4/29/2022</a:t>
+              <a:t>4/29/22</a:t>
             </a:fld>
             <a:endParaRPr lang="en-US"/>
           </a:p>
@@ -1492,7 +1492,7 @@
           <a:p>
             <a:fld id="{016554A5-B4DD-7045-B047-B7DA6D1E70A4}" type="datetimeFigureOut">
               <a:rPr lang="en-US" smtClean="0"/>
-              <a:t>4/29/2022</a:t>
+              <a:t>4/29/22</a:t>
             </a:fld>
             <a:endParaRPr lang="en-US"/>
           </a:p>
@@ -1969,7 +1969,7 @@
           <a:p>
             <a:fld id="{016554A5-B4DD-7045-B047-B7DA6D1E70A4}" type="datetimeFigureOut">
               <a:rPr lang="en-US" smtClean="0"/>
-              <a:t>4/29/2022</a:t>
+              <a:t>4/29/22</a:t>
             </a:fld>
             <a:endParaRPr lang="en-US"/>
           </a:p>
@@ -2282,7 +2282,7 @@
           <a:p>
             <a:fld id="{016554A5-B4DD-7045-B047-B7DA6D1E70A4}" type="datetimeFigureOut">
               <a:rPr lang="en-US" smtClean="0"/>
-              <a:t>4/29/2022</a:t>
+              <a:t>4/29/22</a:t>
             </a:fld>
             <a:endParaRPr lang="en-US"/>
           </a:p>
@@ -2490,7 +2490,7 @@
           <a:p>
             <a:fld id="{016554A5-B4DD-7045-B047-B7DA6D1E70A4}" type="datetimeFigureOut">
               <a:rPr lang="en-US" smtClean="0"/>
-              <a:t>4/29/2022</a:t>
+              <a:t>4/29/22</a:t>
             </a:fld>
             <a:endParaRPr lang="en-US"/>
           </a:p>
@@ -2793,7 +2793,7 @@
           <a:p>
             <a:fld id="{016554A5-B4DD-7045-B047-B7DA6D1E70A4}" type="datetimeFigureOut">
               <a:rPr lang="en-US" smtClean="0"/>
-              <a:t>4/29/2022</a:t>
+              <a:t>4/29/22</a:t>
             </a:fld>
             <a:endParaRPr lang="en-US"/>
           </a:p>
@@ -3172,7 +3172,7 @@
           <a:p>
             <a:fld id="{016554A5-B4DD-7045-B047-B7DA6D1E70A4}" type="datetimeFigureOut">
               <a:rPr lang="en-US" smtClean="0"/>
-              <a:t>4/29/2022</a:t>
+              <a:t>4/29/22</a:t>
             </a:fld>
             <a:endParaRPr lang="en-US"/>
           </a:p>
@@ -3351,7 +3351,7 @@
           <a:p>
             <a:fld id="{016554A5-B4DD-7045-B047-B7DA6D1E70A4}" type="datetimeFigureOut">
               <a:rPr lang="en-US" smtClean="0"/>
-              <a:t>4/29/2022</a:t>
+              <a:t>4/29/22</a:t>
             </a:fld>
             <a:endParaRPr lang="en-US"/>
           </a:p>
@@ -3464,7 +3464,7 @@
           <a:p>
             <a:fld id="{016554A5-B4DD-7045-B047-B7DA6D1E70A4}" type="datetimeFigureOut">
               <a:rPr lang="en-US" smtClean="0"/>
-              <a:t>4/29/2022</a:t>
+              <a:t>4/29/22</a:t>
             </a:fld>
             <a:endParaRPr lang="en-US"/>
           </a:p>
@@ -4012,7 +4012,7 @@
           <a:p>
             <a:fld id="{016554A5-B4DD-7045-B047-B7DA6D1E70A4}" type="datetimeFigureOut">
               <a:rPr lang="en-US" smtClean="0"/>
-              <a:t>4/29/2022</a:t>
+              <a:t>4/29/22</a:t>
             </a:fld>
             <a:endParaRPr lang="en-US"/>
           </a:p>
@@ -5248,94 +5248,73 @@
           <a:chExt cx="0" cy="0"/>
         </a:xfrm>
       </p:grpSpPr>
-      <p:sp>
-        <p:nvSpPr>
-          <p:cNvPr id="4" name="Title 3">
-            <a:extLst>
-              <a:ext uri="{FF2B5EF4-FFF2-40B4-BE49-F238E27FC236}">
-                <a16:creationId xmlns:a16="http://schemas.microsoft.com/office/drawing/2014/main" id="{096CCFBC-CEEA-8445-9C0A-80973839FEA5}"/>
-              </a:ext>
-            </a:extLst>
-          </p:cNvPr>
-          <p:cNvSpPr>
-            <a:spLocks noGrp="1"/>
-          </p:cNvSpPr>
-          <p:nvPr>
-            <p:ph type="title"/>
-          </p:nvPr>
-        </p:nvSpPr>
+      <p:pic>
+        <p:nvPicPr>
+          <p:cNvPr id="5" name="Online Media 4" descr="ECE 4180 Demo">
+            <a:hlinkClick r:id="" action="ppaction://media"/>
+            <a:extLst>
+              <a:ext uri="{FF2B5EF4-FFF2-40B4-BE49-F238E27FC236}">
+                <a16:creationId xmlns:a16="http://schemas.microsoft.com/office/drawing/2014/main" id="{600FA1B2-F058-F64B-A778-ACB28FFFB86B}"/>
+              </a:ext>
+            </a:extLst>
+          </p:cNvPr>
+          <p:cNvPicPr>
+            <a:picLocks noGrp="1" noRot="1" noChangeAspect="1"/>
+          </p:cNvPicPr>
+          <p:nvPr>
+            <p:ph idx="1"/>
+            <a:videoFile r:link="rId1"/>
+          </p:nvPr>
+        </p:nvPicPr>
+        <p:blipFill>
+          <a:blip r:embed="rId3"/>
+          <a:stretch>
+            <a:fillRect/>
+          </a:stretch>
+        </p:blipFill>
         <p:spPr>
+          <a:xfrm>
+            <a:off x="724607" y="1215484"/>
+            <a:ext cx="7694785" cy="4347554"/>
+          </a:xfrm>
           <a:prstGeom prst="rect">
             <a:avLst/>
           </a:prstGeom>
+          <a:noFill/>
         </p:spPr>
-        <p:txBody>
-          <a:bodyPr>
+      </p:pic>
+      <p:sp>
+        <p:nvSpPr>
+          <p:cNvPr id="4" name="Title 3">
+            <a:extLst>
+              <a:ext uri="{FF2B5EF4-FFF2-40B4-BE49-F238E27FC236}">
+                <a16:creationId xmlns:a16="http://schemas.microsoft.com/office/drawing/2014/main" id="{096CCFBC-CEEA-8445-9C0A-80973839FEA5}"/>
+              </a:ext>
+            </a:extLst>
+          </p:cNvPr>
+          <p:cNvSpPr>
+            <a:spLocks noGrp="1"/>
+          </p:cNvSpPr>
+          <p:nvPr>
+            <p:ph type="title"/>
+          </p:nvPr>
+        </p:nvSpPr>
+        <p:spPr>
+          <a:xfrm>
+            <a:off x="285750" y="200721"/>
+            <a:ext cx="8572500" cy="1014761"/>
+          </a:xfrm>
+        </p:spPr>
+        <p:txBody>
+          <a:bodyPr anchor="ctr">
             <a:normAutofit/>
           </a:bodyPr>
           <a:lstStyle/>
           <a:p>
             <a:r>
-              <a:rPr lang="en-US" sz="3000" dirty="0">
-                <a:solidFill>
-                  <a:srgbClr val="A7934B"/>
-                </a:solidFill>
-                <a:latin typeface="Roboto" panose="02000000000000000000" pitchFamily="2" charset="0"/>
-                <a:ea typeface="Roboto" panose="02000000000000000000" pitchFamily="2" charset="0"/>
-                <a:cs typeface="Roboto" panose="02000000000000000000" pitchFamily="2" charset="0"/>
-              </a:rPr>
+              <a:rPr lang="en-US"/>
               <a:t>Demo </a:t>
             </a:r>
-          </a:p>
-        </p:txBody>
-      </p:sp>
-      <p:sp>
-        <p:nvSpPr>
-          <p:cNvPr id="2" name="Content Placeholder 1">
-            <a:extLst>
-              <a:ext uri="{FF2B5EF4-FFF2-40B4-BE49-F238E27FC236}">
-                <a16:creationId xmlns:a16="http://schemas.microsoft.com/office/drawing/2014/main" id="{92586D75-D4A2-47B4-A3A2-06282CC5E563}"/>
-              </a:ext>
-            </a:extLst>
-          </p:cNvPr>
-          <p:cNvSpPr>
-            <a:spLocks noGrp="1"/>
-          </p:cNvSpPr>
-          <p:nvPr>
-            <p:ph sz="half" idx="1"/>
-          </p:nvPr>
-        </p:nvSpPr>
-        <p:spPr/>
-        <p:txBody>
-          <a:bodyPr/>
-          <a:lstStyle/>
-          <a:p>
-            <a:endParaRPr lang="en-US"/>
-          </a:p>
-        </p:txBody>
-      </p:sp>
-      <p:sp>
-        <p:nvSpPr>
-          <p:cNvPr id="3" name="Content Placeholder 2">
-            <a:extLst>
-              <a:ext uri="{FF2B5EF4-FFF2-40B4-BE49-F238E27FC236}">
-                <a16:creationId xmlns:a16="http://schemas.microsoft.com/office/drawing/2014/main" id="{B8ABE47D-F163-4BBC-A4F5-81896608844F}"/>
-              </a:ext>
-            </a:extLst>
-          </p:cNvPr>
-          <p:cNvSpPr>
-            <a:spLocks noGrp="1"/>
-          </p:cNvSpPr>
-          <p:nvPr>
-            <p:ph sz="half" idx="2"/>
-          </p:nvPr>
-        </p:nvSpPr>
-        <p:spPr/>
-        <p:txBody>
-          <a:bodyPr/>
-          <a:lstStyle/>
-          <a:p>
-            <a:endParaRPr lang="en-US"/>
           </a:p>
         </p:txBody>
       </p:sp>
@@ -5349,6 +5328,141 @@
   <p:clrMapOvr>
     <a:masterClrMapping/>
   </p:clrMapOvr>
+  <p:timing>
+    <p:tnLst>
+      <p:par>
+        <p:cTn id="1" dur="indefinite" restart="never" nodeType="tmRoot">
+          <p:childTnLst>
+            <p:seq concurrent="1" nextAc="seek">
+              <p:cTn id="2" dur="indefinite" nodeType="mainSeq">
+                <p:childTnLst>
+                  <p:par>
+                    <p:cTn id="3" fill="hold">
+                      <p:stCondLst>
+                        <p:cond delay="indefinite"/>
+                      </p:stCondLst>
+                      <p:childTnLst>
+                        <p:par>
+                          <p:cTn id="4" fill="hold">
+                            <p:stCondLst>
+                              <p:cond delay="0"/>
+                            </p:stCondLst>
+                            <p:childTnLst>
+                              <p:par>
+                                <p:cTn id="5" presetID="1" presetClass="mediacall" presetSubtype="0" fill="hold" nodeType="clickEffect">
+                                  <p:stCondLst>
+                                    <p:cond delay="0"/>
+                                  </p:stCondLst>
+                                  <p:childTnLst>
+                                    <p:cmd type="call" cmd="playFrom(0.0)">
+                                      <p:cBhvr>
+                                        <p:cTn id="6" dur="1" fill="hold"/>
+                                        <p:tgtEl>
+                                          <p:spTgt spid="5"/>
+                                        </p:tgtEl>
+                                      </p:cBhvr>
+                                    </p:cmd>
+                                  </p:childTnLst>
+                                </p:cTn>
+                              </p:par>
+                            </p:childTnLst>
+                          </p:cTn>
+                        </p:par>
+                      </p:childTnLst>
+                    </p:cTn>
+                  </p:par>
+                </p:childTnLst>
+              </p:cTn>
+              <p:prevCondLst>
+                <p:cond evt="onPrev" delay="0">
+                  <p:tgtEl>
+                    <p:sldTgt/>
+                  </p:tgtEl>
+                </p:cond>
+              </p:prevCondLst>
+              <p:nextCondLst>
+                <p:cond evt="onNext" delay="0">
+                  <p:tgtEl>
+                    <p:sldTgt/>
+                  </p:tgtEl>
+                </p:cond>
+              </p:nextCondLst>
+            </p:seq>
+            <p:video>
+              <p:cMediaNode vol="80000">
+                <p:cTn id="7" fill="hold" display="0">
+                  <p:stCondLst>
+                    <p:cond delay="indefinite"/>
+                  </p:stCondLst>
+                </p:cTn>
+                <p:tgtEl>
+                  <p:spTgt spid="5"/>
+                </p:tgtEl>
+              </p:cMediaNode>
+            </p:video>
+            <p:seq concurrent="1" nextAc="seek">
+              <p:cTn id="8" restart="whenNotActive" fill="hold" evtFilter="cancelBubble" nodeType="interactiveSeq">
+                <p:stCondLst>
+                  <p:cond evt="onClick" delay="0">
+                    <p:tgtEl>
+                      <p:spTgt spid="5"/>
+                    </p:tgtEl>
+                  </p:cond>
+                </p:stCondLst>
+                <p:endSync evt="end" delay="0">
+                  <p:rtn val="all"/>
+                </p:endSync>
+                <p:childTnLst>
+                  <p:par>
+                    <p:cTn id="9" fill="hold">
+                      <p:stCondLst>
+                        <p:cond delay="0"/>
+                      </p:stCondLst>
+                      <p:childTnLst>
+                        <p:par>
+                          <p:cTn id="10" fill="hold">
+                            <p:stCondLst>
+                              <p:cond delay="0"/>
+                            </p:stCondLst>
+                            <p:childTnLst>
+                              <p:par>
+                                <p:cTn id="11" presetID="2" presetClass="mediacall" presetSubtype="0" fill="hold" nodeType="clickEffect">
+                                  <p:stCondLst>
+                                    <p:cond delay="0"/>
+                                  </p:stCondLst>
+                                  <p:childTnLst>
+                                    <p:cmd type="call" cmd="togglePause">
+                                      <p:cBhvr>
+                                        <p:cTn id="12" dur="1" fill="hold"/>
+                                        <p:tgtEl>
+                                          <p:spTgt spid="5"/>
+                                        </p:tgtEl>
+                                      </p:cBhvr>
+                                    </p:cmd>
+                                  </p:childTnLst>
+                                </p:cTn>
+                              </p:par>
+                            </p:childTnLst>
+                          </p:cTn>
+                        </p:par>
+                      </p:childTnLst>
+                    </p:cTn>
+                  </p:par>
+                </p:childTnLst>
+              </p:cTn>
+              <p:nextCondLst>
+                <p:cond evt="onClick" delay="0">
+                  <p:tgtEl>
+                    <p:spTgt spid="5"/>
+                  </p:tgtEl>
+                </p:cond>
+              </p:nextCondLst>
+            </p:seq>
+          </p:childTnLst>
+        </p:cTn>
+      </p:par>
+    </p:tnLst>
+  </p:timing>
 </p:sld>
 </file>
 

--- a/Gamepad Driver.pptx
+++ b/Gamepad Driver.pptx
@@ -24,12 +24,12 @@
       <p:boldItalic r:id="rId12"/>
     </p:embeddedFont>
     <p:embeddedFont>
-      <p:font typeface="Roboto Condensed Light" panose="020F0302020204030204" pitchFamily="34" charset="0"/>
+      <p:font typeface="Roboto Condensed Light" panose="02000000000000000000" pitchFamily="2" charset="0"/>
       <p:regular r:id="rId13"/>
       <p:italic r:id="rId14"/>
     </p:embeddedFont>
     <p:embeddedFont>
-      <p:font typeface="Roboto Slab" pitchFamily="2" charset="0"/>
+      <p:font typeface="Roboto Slab" panose="020B0604020202020204" charset="0"/>
       <p:regular r:id="rId15"/>
       <p:bold r:id="rId16"/>
     </p:embeddedFont>
@@ -161,7 +161,7 @@
   <pc:docChgLst>
     <pc:chgData name="Chang, Joshua" userId="891bc39c-03e9-4f18-83d6-fb064dcacc55" providerId="ADAL" clId="{0BA0446B-9777-4BB1-9C37-CBF89A8262A5}"/>
     <pc:docChg chg="custSel modSld">
-      <pc:chgData name="Chang, Joshua" userId="891bc39c-03e9-4f18-83d6-fb064dcacc55" providerId="ADAL" clId="{0BA0446B-9777-4BB1-9C37-CBF89A8262A5}" dt="2022-04-28T23:05:56.793" v="145" actId="20577"/>
+      <pc:chgData name="Chang, Joshua" userId="891bc39c-03e9-4f18-83d6-fb064dcacc55" providerId="ADAL" clId="{0BA0446B-9777-4BB1-9C37-CBF89A8262A5}" dt="2022-04-29T14:26:10.779" v="165" actId="20577"/>
       <pc:docMkLst>
         <pc:docMk/>
       </pc:docMkLst>
@@ -267,13 +267,13 @@
         </pc:spChg>
       </pc:sldChg>
       <pc:sldChg chg="modSp mod modClrScheme chgLayout">
-        <pc:chgData name="Chang, Joshua" userId="891bc39c-03e9-4f18-83d6-fb064dcacc55" providerId="ADAL" clId="{0BA0446B-9777-4BB1-9C37-CBF89A8262A5}" dt="2022-04-28T23:05:56.793" v="145" actId="20577"/>
+        <pc:chgData name="Chang, Joshua" userId="891bc39c-03e9-4f18-83d6-fb064dcacc55" providerId="ADAL" clId="{0BA0446B-9777-4BB1-9C37-CBF89A8262A5}" dt="2022-04-29T14:26:10.779" v="165" actId="20577"/>
         <pc:sldMkLst>
           <pc:docMk/>
           <pc:sldMk cId="1202801052" sldId="263"/>
         </pc:sldMkLst>
         <pc:spChg chg="mod ord">
-          <ac:chgData name="Chang, Joshua" userId="891bc39c-03e9-4f18-83d6-fb064dcacc55" providerId="ADAL" clId="{0BA0446B-9777-4BB1-9C37-CBF89A8262A5}" dt="2022-04-28T23:05:56.793" v="145" actId="20577"/>
+          <ac:chgData name="Chang, Joshua" userId="891bc39c-03e9-4f18-83d6-fb064dcacc55" providerId="ADAL" clId="{0BA0446B-9777-4BB1-9C37-CBF89A8262A5}" dt="2022-04-29T14:26:10.779" v="165" actId="20577"/>
           <ac:spMkLst>
             <pc:docMk/>
             <pc:sldMk cId="1202801052" sldId="263"/>
@@ -798,7 +798,7 @@
           <a:p>
             <a:fld id="{016554A5-B4DD-7045-B047-B7DA6D1E70A4}" type="datetimeFigureOut">
               <a:rPr lang="en-US" smtClean="0"/>
-              <a:t>4/29/22</a:t>
+              <a:t>4/29/2022</a:t>
             </a:fld>
             <a:endParaRPr lang="en-US"/>
           </a:p>
@@ -1086,7 +1086,7 @@
           <a:p>
             <a:fld id="{016554A5-B4DD-7045-B047-B7DA6D1E70A4}" type="datetimeFigureOut">
               <a:rPr lang="en-US" smtClean="0"/>
-              <a:t>4/29/22</a:t>
+              <a:t>4/29/2022</a:t>
             </a:fld>
             <a:endParaRPr lang="en-US"/>
           </a:p>
@@ -1284,7 +1284,7 @@
           <a:p>
             <a:fld id="{016554A5-B4DD-7045-B047-B7DA6D1E70A4}" type="datetimeFigureOut">
               <a:rPr lang="en-US" smtClean="0"/>
-              <a:t>4/29/22</a:t>
+              <a:t>4/29/2022</a:t>
             </a:fld>
             <a:endParaRPr lang="en-US"/>
           </a:p>
@@ -1492,7 +1492,7 @@
           <a:p>
             <a:fld id="{016554A5-B4DD-7045-B047-B7DA6D1E70A4}" type="datetimeFigureOut">
               <a:rPr lang="en-US" smtClean="0"/>
-              <a:t>4/29/22</a:t>
+              <a:t>4/29/2022</a:t>
             </a:fld>
             <a:endParaRPr lang="en-US"/>
           </a:p>
@@ -1969,7 +1969,7 @@
           <a:p>
             <a:fld id="{016554A5-B4DD-7045-B047-B7DA6D1E70A4}" type="datetimeFigureOut">
               <a:rPr lang="en-US" smtClean="0"/>
-              <a:t>4/29/22</a:t>
+              <a:t>4/29/2022</a:t>
             </a:fld>
             <a:endParaRPr lang="en-US"/>
           </a:p>
@@ -2282,7 +2282,7 @@
           <a:p>
             <a:fld id="{016554A5-B4DD-7045-B047-B7DA6D1E70A4}" type="datetimeFigureOut">
               <a:rPr lang="en-US" smtClean="0"/>
-              <a:t>4/29/22</a:t>
+              <a:t>4/29/2022</a:t>
             </a:fld>
             <a:endParaRPr lang="en-US"/>
           </a:p>
@@ -2490,7 +2490,7 @@
           <a:p>
             <a:fld id="{016554A5-B4DD-7045-B047-B7DA6D1E70A4}" type="datetimeFigureOut">
               <a:rPr lang="en-US" smtClean="0"/>
-              <a:t>4/29/22</a:t>
+              <a:t>4/29/2022</a:t>
             </a:fld>
             <a:endParaRPr lang="en-US"/>
           </a:p>
@@ -2793,7 +2793,7 @@
           <a:p>
             <a:fld id="{016554A5-B4DD-7045-B047-B7DA6D1E70A4}" type="datetimeFigureOut">
               <a:rPr lang="en-US" smtClean="0"/>
-              <a:t>4/29/22</a:t>
+              <a:t>4/29/2022</a:t>
             </a:fld>
             <a:endParaRPr lang="en-US"/>
           </a:p>
@@ -3172,7 +3172,7 @@
           <a:p>
             <a:fld id="{016554A5-B4DD-7045-B047-B7DA6D1E70A4}" type="datetimeFigureOut">
               <a:rPr lang="en-US" smtClean="0"/>
-              <a:t>4/29/22</a:t>
+              <a:t>4/29/2022</a:t>
             </a:fld>
             <a:endParaRPr lang="en-US"/>
           </a:p>
@@ -3351,7 +3351,7 @@
           <a:p>
             <a:fld id="{016554A5-B4DD-7045-B047-B7DA6D1E70A4}" type="datetimeFigureOut">
               <a:rPr lang="en-US" smtClean="0"/>
-              <a:t>4/29/22</a:t>
+              <a:t>4/29/2022</a:t>
             </a:fld>
             <a:endParaRPr lang="en-US"/>
           </a:p>
@@ -3464,7 +3464,7 @@
           <a:p>
             <a:fld id="{016554A5-B4DD-7045-B047-B7DA6D1E70A4}" type="datetimeFigureOut">
               <a:rPr lang="en-US" smtClean="0"/>
-              <a:t>4/29/22</a:t>
+              <a:t>4/29/2022</a:t>
             </a:fld>
             <a:endParaRPr lang="en-US"/>
           </a:p>
@@ -4012,7 +4012,7 @@
           <a:p>
             <a:fld id="{016554A5-B4DD-7045-B047-B7DA6D1E70A4}" type="datetimeFigureOut">
               <a:rPr lang="en-US" smtClean="0"/>
-              <a:t>4/29/22</a:t>
+              <a:t>4/29/2022</a:t>
             </a:fld>
             <a:endParaRPr lang="en-US"/>
           </a:p>
@@ -4717,16 +4717,15 @@
             <a:pPr lvl="1"/>
             <a:r>
               <a:rPr lang="en-US" dirty="0"/>
+              <a:t>Zero Ranger</a:t>
+            </a:r>
+          </a:p>
+          <a:p>
+            <a:pPr lvl="1"/>
+            <a:r>
+              <a:rPr lang="en-US" dirty="0"/>
               <a:t>Pacman </a:t>
             </a:r>
-          </a:p>
-          <a:p>
-            <a:pPr lvl="1"/>
-            <a:r>
-              <a:rPr lang="en-US"/>
-              <a:t>_______</a:t>
-            </a:r>
-            <a:endParaRPr lang="en-US" dirty="0"/>
           </a:p>
         </p:txBody>
       </p:sp>
